--- a/Lecture_10.pptx
+++ b/Lecture_10.pptx
@@ -32,6 +32,12 @@
     <p:sldId id="280" r:id="rId26"/>
     <p:sldId id="281" r:id="rId27"/>
     <p:sldId id="282" r:id="rId28"/>
+    <p:sldId id="283" r:id="rId29"/>
+    <p:sldId id="284" r:id="rId30"/>
+    <p:sldId id="285" r:id="rId31"/>
+    <p:sldId id="286" r:id="rId32"/>
+    <p:sldId id="287" r:id="rId33"/>
+    <p:sldId id="288" r:id="rId34"/>
   </p:sldIdLst>
   <p:sldSz cx="12192000" cy="6858000"/>
   <p:notesSz cx="6858000" cy="9144000"/>
@@ -285,7 +291,7 @@
           <a:p>
             <a:fld id="{4FA04B2B-2E8D-714B-A861-B8FF90B2AA5A}" type="datetimeFigureOut">
               <a:rPr lang="en-US" smtClean="0"/>
-              <a:t>10/14/2019</a:t>
+              <a:t>10/15/2019</a:t>
             </a:fld>
             <a:endParaRPr lang="en-US"/>
           </a:p>
@@ -483,7 +489,7 @@
           <a:p>
             <a:fld id="{4FA04B2B-2E8D-714B-A861-B8FF90B2AA5A}" type="datetimeFigureOut">
               <a:rPr lang="en-US" smtClean="0"/>
-              <a:t>10/14/2019</a:t>
+              <a:t>10/15/2019</a:t>
             </a:fld>
             <a:endParaRPr lang="en-US"/>
           </a:p>
@@ -691,7 +697,7 @@
           <a:p>
             <a:fld id="{4FA04B2B-2E8D-714B-A861-B8FF90B2AA5A}" type="datetimeFigureOut">
               <a:rPr lang="en-US" smtClean="0"/>
-              <a:t>10/14/2019</a:t>
+              <a:t>10/15/2019</a:t>
             </a:fld>
             <a:endParaRPr lang="en-US"/>
           </a:p>
@@ -889,7 +895,7 @@
           <a:p>
             <a:fld id="{4FA04B2B-2E8D-714B-A861-B8FF90B2AA5A}" type="datetimeFigureOut">
               <a:rPr lang="en-US" smtClean="0"/>
-              <a:t>10/14/2019</a:t>
+              <a:t>10/15/2019</a:t>
             </a:fld>
             <a:endParaRPr lang="en-US"/>
           </a:p>
@@ -1164,7 +1170,7 @@
           <a:p>
             <a:fld id="{4FA04B2B-2E8D-714B-A861-B8FF90B2AA5A}" type="datetimeFigureOut">
               <a:rPr lang="en-US" smtClean="0"/>
-              <a:t>10/14/2019</a:t>
+              <a:t>10/15/2019</a:t>
             </a:fld>
             <a:endParaRPr lang="en-US"/>
           </a:p>
@@ -1429,7 +1435,7 @@
           <a:p>
             <a:fld id="{4FA04B2B-2E8D-714B-A861-B8FF90B2AA5A}" type="datetimeFigureOut">
               <a:rPr lang="en-US" smtClean="0"/>
-              <a:t>10/14/2019</a:t>
+              <a:t>10/15/2019</a:t>
             </a:fld>
             <a:endParaRPr lang="en-US"/>
           </a:p>
@@ -1841,7 +1847,7 @@
           <a:p>
             <a:fld id="{4FA04B2B-2E8D-714B-A861-B8FF90B2AA5A}" type="datetimeFigureOut">
               <a:rPr lang="en-US" smtClean="0"/>
-              <a:t>10/14/2019</a:t>
+              <a:t>10/15/2019</a:t>
             </a:fld>
             <a:endParaRPr lang="en-US"/>
           </a:p>
@@ -1982,7 +1988,7 @@
           <a:p>
             <a:fld id="{4FA04B2B-2E8D-714B-A861-B8FF90B2AA5A}" type="datetimeFigureOut">
               <a:rPr lang="en-US" smtClean="0"/>
-              <a:t>10/14/2019</a:t>
+              <a:t>10/15/2019</a:t>
             </a:fld>
             <a:endParaRPr lang="en-US"/>
           </a:p>
@@ -2095,7 +2101,7 @@
           <a:p>
             <a:fld id="{4FA04B2B-2E8D-714B-A861-B8FF90B2AA5A}" type="datetimeFigureOut">
               <a:rPr lang="en-US" smtClean="0"/>
-              <a:t>10/14/2019</a:t>
+              <a:t>10/15/2019</a:t>
             </a:fld>
             <a:endParaRPr lang="en-US"/>
           </a:p>
@@ -2406,7 +2412,7 @@
           <a:p>
             <a:fld id="{4FA04B2B-2E8D-714B-A861-B8FF90B2AA5A}" type="datetimeFigureOut">
               <a:rPr lang="en-US" smtClean="0"/>
-              <a:t>10/14/2019</a:t>
+              <a:t>10/15/2019</a:t>
             </a:fld>
             <a:endParaRPr lang="en-US"/>
           </a:p>
@@ -2694,7 +2700,7 @@
           <a:p>
             <a:fld id="{4FA04B2B-2E8D-714B-A861-B8FF90B2AA5A}" type="datetimeFigureOut">
               <a:rPr lang="en-US" smtClean="0"/>
-              <a:t>10/14/2019</a:t>
+              <a:t>10/15/2019</a:t>
             </a:fld>
             <a:endParaRPr lang="en-US"/>
           </a:p>
@@ -2935,7 +2941,7 @@
           <a:p>
             <a:fld id="{4FA04B2B-2E8D-714B-A861-B8FF90B2AA5A}" type="datetimeFigureOut">
               <a:rPr lang="en-US" smtClean="0"/>
-              <a:t>10/14/2019</a:t>
+              <a:t>10/15/2019</a:t>
             </a:fld>
             <a:endParaRPr lang="en-US"/>
           </a:p>
@@ -5198,11 +5204,7 @@
           <a:p>
             <a:r>
               <a:rPr lang="en-US" dirty="0" smtClean="0"/>
-              <a:t>In this way, c</a:t>
-            </a:r>
-            <a:r>
-              <a:rPr lang="en-US" dirty="0" smtClean="0"/>
-              <a:t>lient does not call methods on service, instead, it delivers messages that the service receives in its handler</a:t>
+              <a:t>In this way, client does not call methods on service, instead, it delivers messages that the service receives in its handler</a:t>
             </a:r>
             <a:endParaRPr lang="en-US" dirty="0"/>
           </a:p>
@@ -12027,11 +12029,7 @@
           <a:p>
             <a:r>
               <a:rPr lang="en-US" dirty="0" smtClean="0"/>
-              <a:t>To bind to a service from your client, follow these steps</a:t>
-            </a:r>
-            <a:r>
-              <a:rPr lang="en-US" dirty="0" smtClean="0"/>
-              <a:t>:</a:t>
+              <a:t>To bind to a service from your client, follow these steps:</a:t>
             </a:r>
           </a:p>
           <a:p>
@@ -13993,11 +13991,7 @@
             </a:r>
             <a:r>
               <a:rPr lang="en-US" dirty="0" smtClean="0"/>
-              <a:t> clas</a:t>
-            </a:r>
-            <a:r>
-              <a:rPr lang="en-US" dirty="0" smtClean="0"/>
-              <a:t>s (defined in </a:t>
+              <a:t> class (defined in </a:t>
             </a:r>
             <a:r>
               <a:rPr lang="en-US" dirty="0" err="1" smtClean="0"/>
@@ -14558,11 +14552,7 @@
           <a:p>
             <a:r>
               <a:rPr lang="en-US" dirty="0" smtClean="0"/>
-              <a:t>Service that is unbound from all clients is automatically destroyed by OS, unles</a:t>
-            </a:r>
-            <a:r>
-              <a:rPr lang="en-US" dirty="0" smtClean="0"/>
-              <a:t>s it was started with </a:t>
+              <a:t>Service that is unbound from all clients is automatically destroyed by OS, unless it was started with </a:t>
             </a:r>
             <a:r>
               <a:rPr lang="en-US" dirty="0" err="1" smtClean="0"/>
@@ -14754,7 +14744,7 @@
           <p:cNvPr id="2" name="Title 1">
             <a:extLst>
               <a:ext uri="{FF2B5EF4-FFF2-40B4-BE49-F238E27FC236}">
-                <a16:creationId xmlns:a16="http://schemas.microsoft.com/office/drawing/2014/main" id="{8BE2B699-41A8-574B-B6F4-E6531356CAAF}"/>
+                <a16:creationId xmlns:a16="http://schemas.microsoft.com/office/drawing/2014/main" id="{4DB18397-9891-0F4C-941B-07E8CE8563D5}"/>
               </a:ext>
             </a:extLst>
           </p:cNvPr>
@@ -14767,8 +14757,8 @@
         </p:nvSpPr>
         <p:spPr>
           <a:xfrm>
-            <a:off x="0" y="1"/>
-            <a:ext cx="12192000" cy="1017142"/>
+            <a:off x="0" y="0"/>
+            <a:ext cx="10081452" cy="776087"/>
           </a:xfrm>
         </p:spPr>
         <p:txBody>
@@ -14776,10 +14766,9 @@
           <a:lstStyle/>
           <a:p>
             <a:r>
-              <a:rPr lang="en-US" dirty="0" smtClean="0"/>
-              <a:t>Broadcasts</a:t>
-            </a:r>
-            <a:endParaRPr lang="en-US" dirty="0"/>
+              <a:rPr lang="en-US" dirty="0"/>
+              <a:t>Broadcasts </a:t>
+            </a:r>
           </a:p>
         </p:txBody>
       </p:sp>
@@ -14788,7 +14777,7 @@
           <p:cNvPr id="3" name="Content Placeholder 2">
             <a:extLst>
               <a:ext uri="{FF2B5EF4-FFF2-40B4-BE49-F238E27FC236}">
-                <a16:creationId xmlns:a16="http://schemas.microsoft.com/office/drawing/2014/main" id="{60CAE52C-DC51-3041-BD77-DB47BA21E4BB}"/>
+                <a16:creationId xmlns:a16="http://schemas.microsoft.com/office/drawing/2014/main" id="{71A90730-4716-1043-AEAF-DA699A886224}"/>
               </a:ext>
             </a:extLst>
           </p:cNvPr>
@@ -14801,13 +14790,59 @@
         </p:nvSpPr>
         <p:spPr>
           <a:xfrm>
-            <a:off x="0" y="1044789"/>
-            <a:ext cx="12192000" cy="5448477"/>
+            <a:off x="0" y="776086"/>
+            <a:ext cx="12192000" cy="6081913"/>
           </a:xfrm>
         </p:spPr>
         <p:txBody>
           <a:bodyPr/>
           <a:lstStyle/>
+          <a:p>
+            <a:r>
+              <a:rPr lang="en-US" dirty="0"/>
+              <a:t>Android apps can send or receive broadcast messages from OS and other apps</a:t>
+            </a:r>
+          </a:p>
+          <a:p>
+            <a:r>
+              <a:rPr lang="en-US" dirty="0"/>
+              <a:t>Similar to the publish-subscribe design pattern (check Wikipedia)</a:t>
+            </a:r>
+          </a:p>
+          <a:p>
+            <a:r>
+              <a:rPr lang="en-US" dirty="0"/>
+              <a:t>Broadcasts are sent when an event of interest occurs</a:t>
+            </a:r>
+          </a:p>
+          <a:p>
+            <a:r>
+              <a:rPr lang="en-US" dirty="0"/>
+              <a:t>Example: OS will send broadcast when system boots up or device is plugged in</a:t>
+            </a:r>
+          </a:p>
+          <a:p>
+            <a:r>
+              <a:rPr lang="en-US" dirty="0"/>
+              <a:t>Apps can also send custom broadcasts, to notify other apps of events </a:t>
+            </a:r>
+          </a:p>
+          <a:p>
+            <a:pPr lvl="1"/>
+            <a:r>
+              <a:rPr lang="en-US" dirty="0"/>
+              <a:t>Example: download completed</a:t>
+            </a:r>
+          </a:p>
+          <a:p>
+            <a:r>
+              <a:rPr lang="en-US" dirty="0"/>
+              <a:t>Broadcasts can be used as messaging system across apps and outside normal user flow</a:t>
+            </a:r>
+          </a:p>
+          <a:p>
+            <a:endParaRPr lang="en-US" dirty="0"/>
+          </a:p>
           <a:p>
             <a:endParaRPr lang="en-US" dirty="0"/>
           </a:p>
@@ -14818,7 +14853,7 @@
           <p:cNvPr id="4" name="TextBox 3">
             <a:extLst>
               <a:ext uri="{FF2B5EF4-FFF2-40B4-BE49-F238E27FC236}">
-                <a16:creationId xmlns:a16="http://schemas.microsoft.com/office/drawing/2014/main" id="{2DBC61C4-DA8A-BB46-8653-23A500E2AD31}"/>
+                <a16:creationId xmlns:a16="http://schemas.microsoft.com/office/drawing/2014/main" id="{9DCAAE03-AEE2-6E4E-A2AE-95F68DD3FA13}"/>
               </a:ext>
             </a:extLst>
           </p:cNvPr>
@@ -14827,8 +14862,8 @@
         </p:nvSpPr>
         <p:spPr>
           <a:xfrm>
-            <a:off x="0" y="6493266"/>
-            <a:ext cx="8496728" cy="369332"/>
+            <a:off x="0" y="6485324"/>
+            <a:ext cx="8998003" cy="372676"/>
           </a:xfrm>
           <a:prstGeom prst="rect">
             <a:avLst/>
@@ -14842,19 +14877,24 @@
           <a:lstStyle/>
           <a:p>
             <a:r>
-              <a:rPr lang="en-CA" dirty="0">
-                <a:hlinkClick r:id="rId2"/>
-              </a:rPr>
-              <a:t>https://developer.android.com/guide/components/broadcasts</a:t>
-            </a:r>
-            <a:endParaRPr lang="en-US" dirty="0"/>
+              <a:rPr lang="en-US" dirty="0"/>
+              <a:t>https://</a:t>
+            </a:r>
+            <a:r>
+              <a:rPr lang="en-US" dirty="0" err="1"/>
+              <a:t>developer.android.com</a:t>
+            </a:r>
+            <a:r>
+              <a:rPr lang="en-US" dirty="0"/>
+              <a:t>/guide/components/broadcasts</a:t>
+            </a:r>
           </a:p>
         </p:txBody>
       </p:sp>
     </p:spTree>
     <p:extLst>
       <p:ext uri="{BB962C8B-B14F-4D97-AF65-F5344CB8AC3E}">
-        <p14:creationId xmlns:p14="http://schemas.microsoft.com/office/powerpoint/2010/main" val="851755324"/>
+        <p14:creationId xmlns:p14="http://schemas.microsoft.com/office/powerpoint/2010/main" val="1288751670"/>
       </p:ext>
     </p:extLst>
   </p:cSld>
@@ -15043,7 +15083,7 @@
           <p:cNvPr id="2" name="Title 1">
             <a:extLst>
               <a:ext uri="{FF2B5EF4-FFF2-40B4-BE49-F238E27FC236}">
-                <a16:creationId xmlns:a16="http://schemas.microsoft.com/office/drawing/2014/main" id="{8BE2B699-41A8-574B-B6F4-E6531356CAAF}"/>
+                <a16:creationId xmlns:a16="http://schemas.microsoft.com/office/drawing/2014/main" id="{4DB18397-9891-0F4C-941B-07E8CE8563D5}"/>
               </a:ext>
             </a:extLst>
           </p:cNvPr>
@@ -15056,8 +15096,8 @@
         </p:nvSpPr>
         <p:spPr>
           <a:xfrm>
-            <a:off x="0" y="1"/>
-            <a:ext cx="12192000" cy="1017142"/>
+            <a:off x="0" y="0"/>
+            <a:ext cx="10081452" cy="776087"/>
           </a:xfrm>
         </p:spPr>
         <p:txBody>
@@ -15065,10 +15105,9 @@
           <a:lstStyle/>
           <a:p>
             <a:r>
-              <a:rPr lang="en-US" dirty="0" smtClean="0"/>
-              <a:t>Broadcasts</a:t>
-            </a:r>
-            <a:endParaRPr lang="en-US" dirty="0"/>
+              <a:rPr lang="en-US" dirty="0"/>
+              <a:t>System broadcasts</a:t>
+            </a:r>
           </a:p>
         </p:txBody>
       </p:sp>
@@ -15077,7 +15116,7 @@
           <p:cNvPr id="3" name="Content Placeholder 2">
             <a:extLst>
               <a:ext uri="{FF2B5EF4-FFF2-40B4-BE49-F238E27FC236}">
-                <a16:creationId xmlns:a16="http://schemas.microsoft.com/office/drawing/2014/main" id="{60CAE52C-DC51-3041-BD77-DB47BA21E4BB}"/>
+                <a16:creationId xmlns:a16="http://schemas.microsoft.com/office/drawing/2014/main" id="{71A90730-4716-1043-AEAF-DA699A886224}"/>
               </a:ext>
             </a:extLst>
           </p:cNvPr>
@@ -15090,15 +15129,94 @@
         </p:nvSpPr>
         <p:spPr>
           <a:xfrm>
-            <a:off x="0" y="1044789"/>
-            <a:ext cx="12192000" cy="5448477"/>
+            <a:off x="0" y="776087"/>
+            <a:ext cx="12192000" cy="5709238"/>
           </a:xfrm>
         </p:spPr>
         <p:txBody>
           <a:bodyPr/>
           <a:lstStyle/>
           <a:p>
+            <a:r>
+              <a:rPr lang="en-US" dirty="0"/>
+              <a:t>System automatically sends broadcasts when system events occur:</a:t>
+            </a:r>
+          </a:p>
+          <a:p>
+            <a:pPr lvl="1"/>
+            <a:r>
+              <a:rPr lang="en-US" dirty="0"/>
+              <a:t>Device switches out of airplane mode, device plugged in, device boots up, etc.</a:t>
+            </a:r>
+          </a:p>
+          <a:p>
+            <a:r>
+              <a:rPr lang="en-US" dirty="0"/>
+              <a:t>System broadcasts are sent to all apps subscribed to receive the event</a:t>
+            </a:r>
+          </a:p>
+          <a:p>
+            <a:r>
+              <a:rPr lang="en-US" dirty="0"/>
+              <a:t>Broadcasted message is wrapped in intent whose action string identifies event</a:t>
+            </a:r>
+          </a:p>
+          <a:p>
+            <a:pPr lvl="1"/>
+            <a:r>
+              <a:rPr lang="en-US" dirty="0"/>
+              <a:t>Example: </a:t>
+            </a:r>
+            <a:r>
+              <a:rPr lang="en-US" dirty="0" err="1"/>
+              <a:t>android.intent.action.AIRPLANE_MODE</a:t>
+            </a:r>
             <a:endParaRPr lang="en-US" dirty="0"/>
+          </a:p>
+          <a:p>
+            <a:r>
+              <a:rPr lang="en-US" dirty="0"/>
+              <a:t>Full list of broadcast intent actions: </a:t>
+            </a:r>
+            <a:r>
+              <a:rPr lang="en-US" dirty="0" err="1"/>
+              <a:t>broadcast_actions.txt</a:t>
+            </a:r>
+            <a:r>
+              <a:rPr lang="en-US" dirty="0"/>
+              <a:t> can be found in the Android SDK, or check the following link (now outdated)</a:t>
+            </a:r>
+          </a:p>
+          <a:p>
+            <a:pPr lvl="1"/>
+            <a:r>
+              <a:rPr lang="en-US" dirty="0"/>
+              <a:t>https://</a:t>
+            </a:r>
+            <a:r>
+              <a:rPr lang="en-US" dirty="0" err="1"/>
+              <a:t>github.com</a:t>
+            </a:r>
+            <a:r>
+              <a:rPr lang="en-US" dirty="0"/>
+              <a:t>/</a:t>
+            </a:r>
+            <a:r>
+              <a:rPr lang="en-US" dirty="0" err="1"/>
+              <a:t>ViliusKraujutis</a:t>
+            </a:r>
+            <a:r>
+              <a:rPr lang="en-US" dirty="0"/>
+              <a:t>/</a:t>
+            </a:r>
+            <a:r>
+              <a:rPr lang="en-US" dirty="0" err="1"/>
+              <a:t>AndroidBroadcastsMonitor</a:t>
+            </a:r>
+            <a:r>
+              <a:rPr lang="en-US" dirty="0"/>
+              <a:t>/wiki/List-of-all-Broadcast-Intent-actions.-API-17</a:t>
+            </a:r>
           </a:p>
         </p:txBody>
       </p:sp>
@@ -15107,7 +15225,7 @@
           <p:cNvPr id="4" name="TextBox 3">
             <a:extLst>
               <a:ext uri="{FF2B5EF4-FFF2-40B4-BE49-F238E27FC236}">
-                <a16:creationId xmlns:a16="http://schemas.microsoft.com/office/drawing/2014/main" id="{2DBC61C4-DA8A-BB46-8653-23A500E2AD31}"/>
+                <a16:creationId xmlns:a16="http://schemas.microsoft.com/office/drawing/2014/main" id="{4ED93192-68E6-A047-A540-0AE1C9E80F99}"/>
               </a:ext>
             </a:extLst>
           </p:cNvPr>
@@ -15116,8 +15234,8 @@
         </p:nvSpPr>
         <p:spPr>
           <a:xfrm>
-            <a:off x="0" y="6493266"/>
-            <a:ext cx="8496728" cy="369332"/>
+            <a:off x="0" y="6485324"/>
+            <a:ext cx="8998003" cy="372676"/>
           </a:xfrm>
           <a:prstGeom prst="rect">
             <a:avLst/>
@@ -15131,19 +15249,24 @@
           <a:lstStyle/>
           <a:p>
             <a:r>
-              <a:rPr lang="en-CA" dirty="0">
-                <a:hlinkClick r:id="rId2"/>
-              </a:rPr>
-              <a:t>https://developer.android.com/guide/components/broadcasts</a:t>
-            </a:r>
-            <a:endParaRPr lang="en-US" dirty="0"/>
+              <a:rPr lang="en-US" dirty="0"/>
+              <a:t>https://</a:t>
+            </a:r>
+            <a:r>
+              <a:rPr lang="en-US" dirty="0" err="1"/>
+              <a:t>developer.android.com</a:t>
+            </a:r>
+            <a:r>
+              <a:rPr lang="en-US" dirty="0"/>
+              <a:t>/guide/components/broadcasts</a:t>
+            </a:r>
           </a:p>
         </p:txBody>
       </p:sp>
     </p:spTree>
     <p:extLst>
       <p:ext uri="{BB962C8B-B14F-4D97-AF65-F5344CB8AC3E}">
-        <p14:creationId xmlns:p14="http://schemas.microsoft.com/office/powerpoint/2010/main" val="609529574"/>
+        <p14:creationId xmlns:p14="http://schemas.microsoft.com/office/powerpoint/2010/main" val="629844028"/>
       </p:ext>
     </p:extLst>
   </p:cSld>
@@ -15175,7 +15298,7 @@
           <p:cNvPr id="2" name="Title 1">
             <a:extLst>
               <a:ext uri="{FF2B5EF4-FFF2-40B4-BE49-F238E27FC236}">
-                <a16:creationId xmlns:a16="http://schemas.microsoft.com/office/drawing/2014/main" id="{8BE2B699-41A8-574B-B6F4-E6531356CAAF}"/>
+                <a16:creationId xmlns:a16="http://schemas.microsoft.com/office/drawing/2014/main" id="{4DB18397-9891-0F4C-941B-07E8CE8563D5}"/>
               </a:ext>
             </a:extLst>
           </p:cNvPr>
@@ -15188,8 +15311,8 @@
         </p:nvSpPr>
         <p:spPr>
           <a:xfrm>
-            <a:off x="0" y="1"/>
-            <a:ext cx="12192000" cy="1017142"/>
+            <a:off x="0" y="0"/>
+            <a:ext cx="10081452" cy="776087"/>
           </a:xfrm>
         </p:spPr>
         <p:txBody>
@@ -15197,10 +15320,9 @@
           <a:lstStyle/>
           <a:p>
             <a:r>
-              <a:rPr lang="en-US" dirty="0" smtClean="0"/>
-              <a:t>Broadcasts</a:t>
-            </a:r>
-            <a:endParaRPr lang="en-US" dirty="0"/>
+              <a:rPr lang="en-US" dirty="0"/>
+              <a:t>Recent changes to system broadcasts</a:t>
+            </a:r>
           </a:p>
         </p:txBody>
       </p:sp>
@@ -15209,7 +15331,7 @@
           <p:cNvPr id="3" name="Content Placeholder 2">
             <a:extLst>
               <a:ext uri="{FF2B5EF4-FFF2-40B4-BE49-F238E27FC236}">
-                <a16:creationId xmlns:a16="http://schemas.microsoft.com/office/drawing/2014/main" id="{60CAE52C-DC51-3041-BD77-DB47BA21E4BB}"/>
+                <a16:creationId xmlns:a16="http://schemas.microsoft.com/office/drawing/2014/main" id="{71A90730-4716-1043-AEAF-DA699A886224}"/>
               </a:ext>
             </a:extLst>
           </p:cNvPr>
@@ -15222,13 +15344,140 @@
         </p:nvSpPr>
         <p:spPr>
           <a:xfrm>
-            <a:off x="0" y="1044789"/>
-            <a:ext cx="12192000" cy="5448477"/>
+            <a:off x="0" y="776087"/>
+            <a:ext cx="12192000" cy="5709238"/>
           </a:xfrm>
         </p:spPr>
         <p:txBody>
-          <a:bodyPr/>
+          <a:bodyPr>
+            <a:normAutofit lnSpcReduction="10000"/>
+          </a:bodyPr>
           <a:lstStyle/>
+          <a:p>
+            <a:r>
+              <a:rPr lang="en-US" dirty="0"/>
+              <a:t>System broadcast behavior has evolved over time</a:t>
+            </a:r>
+          </a:p>
+          <a:p>
+            <a:r>
+              <a:rPr lang="en-US" b="1" dirty="0"/>
+              <a:t>Android 9</a:t>
+            </a:r>
+            <a:r>
+              <a:rPr lang="en-US" dirty="0"/>
+              <a:t>: NETWORK_STATE_ACTION_CHANGED broadcast no longer receives information about user’s location or personally identifiable data.</a:t>
+            </a:r>
+          </a:p>
+          <a:p>
+            <a:r>
+              <a:rPr lang="en-US" dirty="0"/>
+              <a:t>Also </a:t>
+            </a:r>
+            <a:r>
+              <a:rPr lang="en-US" b="1" dirty="0"/>
+              <a:t>Android 9</a:t>
+            </a:r>
+            <a:r>
+              <a:rPr lang="en-US" dirty="0"/>
+              <a:t>: system broadcasts from </a:t>
+            </a:r>
+            <a:r>
+              <a:rPr lang="en-US" dirty="0" err="1"/>
+              <a:t>Wifi</a:t>
+            </a:r>
+            <a:r>
+              <a:rPr lang="en-US" dirty="0"/>
+              <a:t> don’t contain SSIDs, BSSIDs, connection information or scan results, call </a:t>
+            </a:r>
+            <a:r>
+              <a:rPr lang="en-US" dirty="0" err="1"/>
+              <a:t>getConnectionInfo</a:t>
+            </a:r>
+            <a:r>
+              <a:rPr lang="en-US" dirty="0"/>
+              <a:t>() to get this info</a:t>
+            </a:r>
+          </a:p>
+          <a:p>
+            <a:r>
+              <a:rPr lang="en-US" b="1" dirty="0"/>
+              <a:t>Android 8</a:t>
+            </a:r>
+            <a:r>
+              <a:rPr lang="en-US" dirty="0"/>
+              <a:t>: system imposed additional restrictions on manifest-declared receivers, can no longer use manifest to declare a receiver for most implicit broadcasts. </a:t>
+            </a:r>
+          </a:p>
+          <a:p>
+            <a:pPr lvl="1"/>
+            <a:r>
+              <a:rPr lang="en-US" dirty="0"/>
+              <a:t>Can still use context-registered receiver when user is actively using your app</a:t>
+            </a:r>
+          </a:p>
+          <a:p>
+            <a:r>
+              <a:rPr lang="en-US" b="1" dirty="0"/>
+              <a:t>Android 7</a:t>
+            </a:r>
+            <a:r>
+              <a:rPr lang="en-US" dirty="0"/>
+              <a:t>: system no longer sends the following broadcasts: </a:t>
+            </a:r>
+          </a:p>
+          <a:p>
+            <a:pPr lvl="1"/>
+            <a:r>
+              <a:rPr lang="en-US" dirty="0"/>
+              <a:t>ACTION_NEW_PICTURE</a:t>
+            </a:r>
+          </a:p>
+          <a:p>
+            <a:pPr lvl="1"/>
+            <a:r>
+              <a:rPr lang="en-US" dirty="0"/>
+              <a:t>ACTION_NEW_VIDEO</a:t>
+            </a:r>
+          </a:p>
+          <a:p>
+            <a:r>
+              <a:rPr lang="en-US" dirty="0"/>
+              <a:t>Also </a:t>
+            </a:r>
+            <a:r>
+              <a:rPr lang="en-US" b="1" dirty="0"/>
+              <a:t>Android 7: </a:t>
+            </a:r>
+            <a:r>
+              <a:rPr lang="en-US" dirty="0"/>
+              <a:t>must register CONNECTIVITY_ACTION broadcast using </a:t>
+            </a:r>
+            <a:r>
+              <a:rPr lang="en-US" dirty="0" err="1"/>
+              <a:t>registerReceiver</a:t>
+            </a:r>
+            <a:r>
+              <a:rPr lang="en-US" dirty="0"/>
+              <a:t>(</a:t>
+            </a:r>
+            <a:r>
+              <a:rPr lang="en-US" dirty="0" err="1"/>
+              <a:t>BroadcastReceiver</a:t>
+            </a:r>
+            <a:r>
+              <a:rPr lang="en-US" dirty="0"/>
+              <a:t>, </a:t>
+            </a:r>
+            <a:r>
+              <a:rPr lang="en-US" dirty="0" err="1"/>
+              <a:t>IntentFilter</a:t>
+            </a:r>
+            <a:r>
+              <a:rPr lang="en-US" dirty="0"/>
+              <a:t>), can no longer use manifest</a:t>
+            </a:r>
+          </a:p>
           <a:p>
             <a:endParaRPr lang="en-US" dirty="0"/>
           </a:p>
@@ -15239,7 +15488,7 @@
           <p:cNvPr id="4" name="TextBox 3">
             <a:extLst>
               <a:ext uri="{FF2B5EF4-FFF2-40B4-BE49-F238E27FC236}">
-                <a16:creationId xmlns:a16="http://schemas.microsoft.com/office/drawing/2014/main" id="{2DBC61C4-DA8A-BB46-8653-23A500E2AD31}"/>
+                <a16:creationId xmlns:a16="http://schemas.microsoft.com/office/drawing/2014/main" id="{05AAE830-D809-C844-9E4D-8589560B0CE3}"/>
               </a:ext>
             </a:extLst>
           </p:cNvPr>
@@ -15248,8 +15497,8 @@
         </p:nvSpPr>
         <p:spPr>
           <a:xfrm>
-            <a:off x="0" y="6493266"/>
-            <a:ext cx="8496728" cy="369332"/>
+            <a:off x="0" y="6485324"/>
+            <a:ext cx="8998003" cy="372676"/>
           </a:xfrm>
           <a:prstGeom prst="rect">
             <a:avLst/>
@@ -15263,19 +15512,24 @@
           <a:lstStyle/>
           <a:p>
             <a:r>
-              <a:rPr lang="en-CA" dirty="0">
-                <a:hlinkClick r:id="rId2"/>
-              </a:rPr>
-              <a:t>https://developer.android.com/guide/components/broadcasts</a:t>
-            </a:r>
-            <a:endParaRPr lang="en-US" dirty="0"/>
+              <a:rPr lang="en-US" dirty="0"/>
+              <a:t>https://</a:t>
+            </a:r>
+            <a:r>
+              <a:rPr lang="en-US" dirty="0" err="1"/>
+              <a:t>developer.android.com</a:t>
+            </a:r>
+            <a:r>
+              <a:rPr lang="en-US" dirty="0"/>
+              <a:t>/guide/components/broadcasts</a:t>
+            </a:r>
           </a:p>
         </p:txBody>
       </p:sp>
     </p:spTree>
     <p:extLst>
       <p:ext uri="{BB962C8B-B14F-4D97-AF65-F5344CB8AC3E}">
-        <p14:creationId xmlns:p14="http://schemas.microsoft.com/office/powerpoint/2010/main" val="3890705746"/>
+        <p14:creationId xmlns:p14="http://schemas.microsoft.com/office/powerpoint/2010/main" val="1120665033"/>
       </p:ext>
     </p:extLst>
   </p:cSld>
@@ -15307,7 +15561,7 @@
           <p:cNvPr id="2" name="Title 1">
             <a:extLst>
               <a:ext uri="{FF2B5EF4-FFF2-40B4-BE49-F238E27FC236}">
-                <a16:creationId xmlns:a16="http://schemas.microsoft.com/office/drawing/2014/main" id="{8BE2B699-41A8-574B-B6F4-E6531356CAAF}"/>
+                <a16:creationId xmlns:a16="http://schemas.microsoft.com/office/drawing/2014/main" id="{4DB18397-9891-0F4C-941B-07E8CE8563D5}"/>
               </a:ext>
             </a:extLst>
           </p:cNvPr>
@@ -15320,8 +15574,8 @@
         </p:nvSpPr>
         <p:spPr>
           <a:xfrm>
-            <a:off x="0" y="1"/>
-            <a:ext cx="12192000" cy="1017142"/>
+            <a:off x="0" y="0"/>
+            <a:ext cx="10081452" cy="776087"/>
           </a:xfrm>
         </p:spPr>
         <p:txBody>
@@ -15329,10 +15583,9 @@
           <a:lstStyle/>
           <a:p>
             <a:r>
-              <a:rPr lang="en-US" dirty="0" smtClean="0"/>
-              <a:t>Broadcasts</a:t>
-            </a:r>
-            <a:endParaRPr lang="en-US" dirty="0"/>
+              <a:rPr lang="en-US" dirty="0"/>
+              <a:t>Receiving broadcasts</a:t>
+            </a:r>
           </a:p>
         </p:txBody>
       </p:sp>
@@ -15341,7 +15594,7 @@
           <p:cNvPr id="3" name="Content Placeholder 2">
             <a:extLst>
               <a:ext uri="{FF2B5EF4-FFF2-40B4-BE49-F238E27FC236}">
-                <a16:creationId xmlns:a16="http://schemas.microsoft.com/office/drawing/2014/main" id="{60CAE52C-DC51-3041-BD77-DB47BA21E4BB}"/>
+                <a16:creationId xmlns:a16="http://schemas.microsoft.com/office/drawing/2014/main" id="{71A90730-4716-1043-AEAF-DA699A886224}"/>
               </a:ext>
             </a:extLst>
           </p:cNvPr>
@@ -15354,15 +15607,48 @@
         </p:nvSpPr>
         <p:spPr>
           <a:xfrm>
-            <a:off x="0" y="1044789"/>
-            <a:ext cx="12192000" cy="5448477"/>
+            <a:off x="0" y="776087"/>
+            <a:ext cx="12192000" cy="3895795"/>
           </a:xfrm>
         </p:spPr>
         <p:txBody>
           <a:bodyPr/>
           <a:lstStyle/>
           <a:p>
-            <a:endParaRPr lang="en-US" dirty="0"/>
+            <a:r>
+              <a:rPr lang="en-US" dirty="0"/>
+              <a:t>Apps can receive broadcasts in two ways:</a:t>
+            </a:r>
+          </a:p>
+          <a:p>
+            <a:r>
+              <a:rPr lang="en-US" dirty="0"/>
+              <a:t>1) manifest-declared receiver</a:t>
+            </a:r>
+          </a:p>
+          <a:p>
+            <a:r>
+              <a:rPr lang="en-US" dirty="0"/>
+              <a:t>2) context-registered receiver</a:t>
+            </a:r>
+          </a:p>
+          <a:p>
+            <a:r>
+              <a:rPr lang="en-US" dirty="0"/>
+              <a:t>Manifest-declared receiver:</a:t>
+            </a:r>
+          </a:p>
+          <a:p>
+            <a:r>
+              <a:rPr lang="en-US" dirty="0"/>
+              <a:t>If you declare a broadcast receiver in your manifest, system launches your app when broadcast is sent. Since API 26, this no longer works for implicit broadcasts</a:t>
+            </a:r>
+          </a:p>
+          <a:p>
+            <a:r>
+              <a:rPr lang="en-US" dirty="0"/>
+              <a:t> to declare a broadcast receiver in manifest, first specify the receiver element:</a:t>
+            </a:r>
           </a:p>
         </p:txBody>
       </p:sp>
@@ -15371,7 +15657,7 @@
           <p:cNvPr id="4" name="TextBox 3">
             <a:extLst>
               <a:ext uri="{FF2B5EF4-FFF2-40B4-BE49-F238E27FC236}">
-                <a16:creationId xmlns:a16="http://schemas.microsoft.com/office/drawing/2014/main" id="{2DBC61C4-DA8A-BB46-8653-23A500E2AD31}"/>
+                <a16:creationId xmlns:a16="http://schemas.microsoft.com/office/drawing/2014/main" id="{05AAE830-D809-C844-9E4D-8589560B0CE3}"/>
               </a:ext>
             </a:extLst>
           </p:cNvPr>
@@ -15380,8 +15666,8 @@
         </p:nvSpPr>
         <p:spPr>
           <a:xfrm>
-            <a:off x="0" y="6493266"/>
-            <a:ext cx="8496728" cy="369332"/>
+            <a:off x="0" y="6485324"/>
+            <a:ext cx="8998003" cy="372676"/>
           </a:xfrm>
           <a:prstGeom prst="rect">
             <a:avLst/>
@@ -15395,10 +15681,325 @@
           <a:lstStyle/>
           <a:p>
             <a:r>
-              <a:rPr lang="en-CA" dirty="0">
-                <a:hlinkClick r:id="rId2"/>
-              </a:rPr>
-              <a:t>https://developer.android.com/guide/components/broadcasts</a:t>
+              <a:rPr lang="en-US" dirty="0"/>
+              <a:t>https://</a:t>
+            </a:r>
+            <a:r>
+              <a:rPr lang="en-US" dirty="0" err="1"/>
+              <a:t>developer.android.com</a:t>
+            </a:r>
+            <a:r>
+              <a:rPr lang="en-US" dirty="0"/>
+              <a:t>/guide/components/broadcasts</a:t>
+            </a:r>
+          </a:p>
+        </p:txBody>
+      </p:sp>
+      <p:sp>
+        <p:nvSpPr>
+          <p:cNvPr id="5" name="Rectangle 4">
+            <a:extLst>
+              <a:ext uri="{FF2B5EF4-FFF2-40B4-BE49-F238E27FC236}">
+                <a16:creationId xmlns:a16="http://schemas.microsoft.com/office/drawing/2014/main" id="{630E368A-FDB5-274D-B75C-64CB463E8750}"/>
+              </a:ext>
+            </a:extLst>
+          </p:cNvPr>
+          <p:cNvSpPr/>
+          <p:nvPr/>
+        </p:nvSpPr>
+        <p:spPr>
+          <a:xfrm>
+            <a:off x="1803186" y="4341469"/>
+            <a:ext cx="9284874" cy="1754326"/>
+          </a:xfrm>
+          <a:prstGeom prst="rect">
+            <a:avLst/>
+          </a:prstGeom>
+        </p:spPr>
+        <p:txBody>
+          <a:bodyPr wrap="square">
+            <a:spAutoFit/>
+          </a:bodyPr>
+          <a:lstStyle/>
+          <a:p>
+            <a:r>
+              <a:rPr lang="en-CA" dirty="0"/>
+              <a:t>&lt;</a:t>
+            </a:r>
+            <a:r>
+              <a:rPr lang="en-CA" b="1" dirty="0">
+                <a:solidFill>
+                  <a:srgbClr val="000080"/>
+                </a:solidFill>
+                <a:effectLst/>
+              </a:rPr>
+              <a:t>receiver </a:t>
+            </a:r>
+            <a:r>
+              <a:rPr lang="en-CA" b="1" dirty="0" err="1">
+                <a:solidFill>
+                  <a:srgbClr val="660E7A"/>
+                </a:solidFill>
+                <a:effectLst/>
+              </a:rPr>
+              <a:t>android</a:t>
+            </a:r>
+            <a:r>
+              <a:rPr lang="en-CA" b="1" dirty="0" err="1">
+                <a:solidFill>
+                  <a:srgbClr val="0000FF"/>
+                </a:solidFill>
+                <a:effectLst/>
+              </a:rPr>
+              <a:t>:name</a:t>
+            </a:r>
+            <a:r>
+              <a:rPr lang="en-CA" b="1" dirty="0">
+                <a:solidFill>
+                  <a:srgbClr val="008000"/>
+                </a:solidFill>
+                <a:effectLst/>
+              </a:rPr>
+              <a:t>=".</a:t>
+            </a:r>
+            <a:r>
+              <a:rPr lang="en-CA" b="1" dirty="0" err="1">
+                <a:solidFill>
+                  <a:srgbClr val="008000"/>
+                </a:solidFill>
+                <a:effectLst/>
+              </a:rPr>
+              <a:t>MyBroadcastReceiver</a:t>
+            </a:r>
+            <a:r>
+              <a:rPr lang="en-CA" b="1" dirty="0">
+                <a:solidFill>
+                  <a:srgbClr val="008000"/>
+                </a:solidFill>
+                <a:effectLst/>
+              </a:rPr>
+              <a:t>"  </a:t>
+            </a:r>
+            <a:r>
+              <a:rPr lang="en-CA" b="1" dirty="0" err="1">
+                <a:solidFill>
+                  <a:srgbClr val="660E7A"/>
+                </a:solidFill>
+                <a:effectLst/>
+              </a:rPr>
+              <a:t>android</a:t>
+            </a:r>
+            <a:r>
+              <a:rPr lang="en-CA" b="1" dirty="0" err="1">
+                <a:solidFill>
+                  <a:srgbClr val="0000FF"/>
+                </a:solidFill>
+                <a:effectLst/>
+              </a:rPr>
+              <a:t>:exported</a:t>
+            </a:r>
+            <a:r>
+              <a:rPr lang="en-CA" b="1" dirty="0">
+                <a:solidFill>
+                  <a:srgbClr val="008000"/>
+                </a:solidFill>
+                <a:effectLst/>
+              </a:rPr>
+              <a:t>="true"</a:t>
+            </a:r>
+            <a:r>
+              <a:rPr lang="en-CA" dirty="0"/>
+              <a:t>&gt;</a:t>
+            </a:r>
+            <a:br>
+              <a:rPr lang="en-CA" dirty="0"/>
+            </a:br>
+            <a:r>
+              <a:rPr lang="en-CA" dirty="0"/>
+              <a:t>    &lt;</a:t>
+            </a:r>
+            <a:r>
+              <a:rPr lang="en-CA" b="1" dirty="0">
+                <a:solidFill>
+                  <a:srgbClr val="000080"/>
+                </a:solidFill>
+                <a:effectLst/>
+              </a:rPr>
+              <a:t>intent-filter</a:t>
+            </a:r>
+            <a:r>
+              <a:rPr lang="en-CA" dirty="0"/>
+              <a:t>&gt;</a:t>
+            </a:r>
+            <a:br>
+              <a:rPr lang="en-CA" dirty="0"/>
+            </a:br>
+            <a:r>
+              <a:rPr lang="en-CA" dirty="0"/>
+              <a:t>        &lt;</a:t>
+            </a:r>
+            <a:r>
+              <a:rPr lang="en-CA" b="1" dirty="0">
+                <a:solidFill>
+                  <a:srgbClr val="000080"/>
+                </a:solidFill>
+                <a:effectLst/>
+              </a:rPr>
+              <a:t>action </a:t>
+            </a:r>
+            <a:r>
+              <a:rPr lang="en-CA" b="1" dirty="0" err="1">
+                <a:solidFill>
+                  <a:srgbClr val="660E7A"/>
+                </a:solidFill>
+                <a:effectLst/>
+              </a:rPr>
+              <a:t>android</a:t>
+            </a:r>
+            <a:r>
+              <a:rPr lang="en-CA" b="1" dirty="0" err="1">
+                <a:solidFill>
+                  <a:srgbClr val="0000FF"/>
+                </a:solidFill>
+                <a:effectLst/>
+              </a:rPr>
+              <a:t>:name</a:t>
+            </a:r>
+            <a:r>
+              <a:rPr lang="en-CA" b="1" dirty="0">
+                <a:solidFill>
+                  <a:srgbClr val="008000"/>
+                </a:solidFill>
+                <a:effectLst/>
+              </a:rPr>
+              <a:t>="</a:t>
+            </a:r>
+            <a:r>
+              <a:rPr lang="en-CA" b="1" dirty="0" err="1">
+                <a:solidFill>
+                  <a:srgbClr val="008000"/>
+                </a:solidFill>
+                <a:effectLst/>
+              </a:rPr>
+              <a:t>android.intent.action.BOOT_COMPLETED</a:t>
+            </a:r>
+            <a:r>
+              <a:rPr lang="en-CA" b="1" dirty="0">
+                <a:solidFill>
+                  <a:srgbClr val="008000"/>
+                </a:solidFill>
+                <a:effectLst/>
+              </a:rPr>
+              <a:t>"</a:t>
+            </a:r>
+            <a:r>
+              <a:rPr lang="en-CA" dirty="0"/>
+              <a:t>/&gt;</a:t>
+            </a:r>
+            <a:br>
+              <a:rPr lang="en-CA" dirty="0"/>
+            </a:br>
+            <a:r>
+              <a:rPr lang="en-CA" dirty="0"/>
+              <a:t>        &lt;</a:t>
+            </a:r>
+            <a:r>
+              <a:rPr lang="en-CA" b="1" dirty="0">
+                <a:solidFill>
+                  <a:srgbClr val="000080"/>
+                </a:solidFill>
+                <a:effectLst/>
+              </a:rPr>
+              <a:t>action </a:t>
+            </a:r>
+            <a:r>
+              <a:rPr lang="en-CA" b="1" dirty="0" err="1">
+                <a:solidFill>
+                  <a:srgbClr val="660E7A"/>
+                </a:solidFill>
+                <a:effectLst/>
+              </a:rPr>
+              <a:t>android</a:t>
+            </a:r>
+            <a:r>
+              <a:rPr lang="en-CA" b="1" dirty="0" err="1">
+                <a:solidFill>
+                  <a:srgbClr val="0000FF"/>
+                </a:solidFill>
+                <a:effectLst/>
+              </a:rPr>
+              <a:t>:name</a:t>
+            </a:r>
+            <a:r>
+              <a:rPr lang="en-CA" b="1" dirty="0">
+                <a:solidFill>
+                  <a:srgbClr val="008000"/>
+                </a:solidFill>
+                <a:effectLst/>
+              </a:rPr>
+              <a:t>="</a:t>
+            </a:r>
+            <a:r>
+              <a:rPr lang="en-CA" b="1" dirty="0" err="1">
+                <a:solidFill>
+                  <a:srgbClr val="008000"/>
+                </a:solidFill>
+                <a:effectLst/>
+              </a:rPr>
+              <a:t>android.intent.action.INPUT_METHOD_CHANGED</a:t>
+            </a:r>
+            <a:r>
+              <a:rPr lang="en-CA" b="1" dirty="0">
+                <a:solidFill>
+                  <a:srgbClr val="008000"/>
+                </a:solidFill>
+                <a:effectLst/>
+              </a:rPr>
+              <a:t>" </a:t>
+            </a:r>
+            <a:r>
+              <a:rPr lang="en-CA" dirty="0"/>
+              <a:t>/&gt;</a:t>
+            </a:r>
+            <a:br>
+              <a:rPr lang="en-CA" dirty="0"/>
+            </a:br>
+            <a:r>
+              <a:rPr lang="en-CA" dirty="0"/>
+              <a:t>    &lt;/</a:t>
+            </a:r>
+            <a:r>
+              <a:rPr lang="en-CA" b="1" dirty="0">
+                <a:solidFill>
+                  <a:srgbClr val="000080"/>
+                </a:solidFill>
+                <a:effectLst/>
+              </a:rPr>
+              <a:t>intent-filter</a:t>
+            </a:r>
+            <a:r>
+              <a:rPr lang="en-CA" dirty="0"/>
+              <a:t>&gt;</a:t>
+            </a:r>
+            <a:br>
+              <a:rPr lang="en-CA" dirty="0"/>
+            </a:br>
+            <a:r>
+              <a:rPr lang="en-CA" dirty="0"/>
+              <a:t>&lt;/</a:t>
+            </a:r>
+            <a:r>
+              <a:rPr lang="en-CA" b="1" dirty="0">
+                <a:solidFill>
+                  <a:srgbClr val="000080"/>
+                </a:solidFill>
+                <a:effectLst/>
+              </a:rPr>
+              <a:t>receiver</a:t>
+            </a:r>
+            <a:r>
+              <a:rPr lang="en-CA" dirty="0"/>
+              <a:t>&gt;</a:t>
             </a:r>
             <a:endParaRPr lang="en-US" dirty="0"/>
           </a:p>
@@ -15407,7 +16008,7 @@
     </p:spTree>
     <p:extLst>
       <p:ext uri="{BB962C8B-B14F-4D97-AF65-F5344CB8AC3E}">
-        <p14:creationId xmlns:p14="http://schemas.microsoft.com/office/powerpoint/2010/main" val="1787927694"/>
+        <p14:creationId xmlns:p14="http://schemas.microsoft.com/office/powerpoint/2010/main" val="3465000482"/>
       </p:ext>
     </p:extLst>
   </p:cSld>
@@ -15439,7 +16040,7 @@
           <p:cNvPr id="2" name="Title 1">
             <a:extLst>
               <a:ext uri="{FF2B5EF4-FFF2-40B4-BE49-F238E27FC236}">
-                <a16:creationId xmlns:a16="http://schemas.microsoft.com/office/drawing/2014/main" id="{8BE2B699-41A8-574B-B6F4-E6531356CAAF}"/>
+                <a16:creationId xmlns:a16="http://schemas.microsoft.com/office/drawing/2014/main" id="{4DB18397-9891-0F4C-941B-07E8CE8563D5}"/>
               </a:ext>
             </a:extLst>
           </p:cNvPr>
@@ -15452,8 +16053,8 @@
         </p:nvSpPr>
         <p:spPr>
           <a:xfrm>
-            <a:off x="0" y="1"/>
-            <a:ext cx="12192000" cy="1017142"/>
+            <a:off x="0" y="0"/>
+            <a:ext cx="10081452" cy="776087"/>
           </a:xfrm>
         </p:spPr>
         <p:txBody>
@@ -15461,10 +16062,9 @@
           <a:lstStyle/>
           <a:p>
             <a:r>
-              <a:rPr lang="en-US" dirty="0" smtClean="0"/>
-              <a:t>Broadcasts</a:t>
-            </a:r>
-            <a:endParaRPr lang="en-US" dirty="0"/>
+              <a:rPr lang="en-US" dirty="0"/>
+              <a:t>Receiving broadcasts (manifest-declared) </a:t>
+            </a:r>
           </a:p>
         </p:txBody>
       </p:sp>
@@ -15473,7 +16073,7 @@
           <p:cNvPr id="3" name="Content Placeholder 2">
             <a:extLst>
               <a:ext uri="{FF2B5EF4-FFF2-40B4-BE49-F238E27FC236}">
-                <a16:creationId xmlns:a16="http://schemas.microsoft.com/office/drawing/2014/main" id="{60CAE52C-DC51-3041-BD77-DB47BA21E4BB}"/>
+                <a16:creationId xmlns:a16="http://schemas.microsoft.com/office/drawing/2014/main" id="{71A90730-4716-1043-AEAF-DA699A886224}"/>
               </a:ext>
             </a:extLst>
           </p:cNvPr>
@@ -15486,15 +16086,84 @@
         </p:nvSpPr>
         <p:spPr>
           <a:xfrm>
-            <a:off x="0" y="1044789"/>
-            <a:ext cx="12192000" cy="5448477"/>
+            <a:off x="-1" y="776087"/>
+            <a:ext cx="4080223" cy="5709238"/>
           </a:xfrm>
         </p:spPr>
         <p:txBody>
-          <a:bodyPr/>
+          <a:bodyPr>
+            <a:normAutofit fontScale="92500" lnSpcReduction="20000"/>
+          </a:bodyPr>
           <a:lstStyle/>
           <a:p>
-            <a:endParaRPr lang="en-US" dirty="0"/>
+            <a:r>
+              <a:rPr lang="en-US" sz="2400" dirty="0"/>
+              <a:t>Then, subclass </a:t>
+            </a:r>
+            <a:r>
+              <a:rPr lang="en-US" sz="2400" dirty="0" err="1"/>
+              <a:t>BroadcastReceiver</a:t>
+            </a:r>
+            <a:r>
+              <a:rPr lang="en-US" sz="2400" dirty="0"/>
+              <a:t> and implement </a:t>
+            </a:r>
+            <a:r>
+              <a:rPr lang="en-US" sz="2400" dirty="0" err="1"/>
+              <a:t>onReceive</a:t>
+            </a:r>
+            <a:r>
+              <a:rPr lang="en-US" sz="2400" dirty="0"/>
+              <a:t>(Context, Intent)</a:t>
+            </a:r>
+          </a:p>
+          <a:p>
+            <a:r>
+              <a:rPr lang="en-US" sz="2400" dirty="0"/>
+              <a:t>This example logs and displays the content of a broadcast</a:t>
+            </a:r>
+          </a:p>
+          <a:p>
+            <a:r>
+              <a:rPr lang="en-US" sz="2400" dirty="0"/>
+              <a:t>System package manager registers receiver when app is installed</a:t>
+            </a:r>
+          </a:p>
+          <a:p>
+            <a:r>
+              <a:rPr lang="en-US" sz="2400" dirty="0"/>
+              <a:t>Receiver then becomes a separate entry point to your app</a:t>
+            </a:r>
+          </a:p>
+          <a:p>
+            <a:r>
+              <a:rPr lang="en-US" sz="2400" dirty="0"/>
+              <a:t>A new </a:t>
+            </a:r>
+            <a:r>
+              <a:rPr lang="en-US" sz="2400" dirty="0" err="1"/>
+              <a:t>BroadcastReceiver</a:t>
+            </a:r>
+            <a:r>
+              <a:rPr lang="en-US" sz="2400" dirty="0"/>
+              <a:t> components is created by the system each time your app receives a broadcast, this object is valid only during the call to </a:t>
+            </a:r>
+            <a:r>
+              <a:rPr lang="en-US" sz="2400" dirty="0" err="1"/>
+              <a:t>onReceive</a:t>
+            </a:r>
+            <a:r>
+              <a:rPr lang="en-US" sz="2400" dirty="0"/>
+              <a:t>(), once this method returns the </a:t>
+            </a:r>
+            <a:r>
+              <a:rPr lang="en-US" sz="2400" dirty="0" err="1"/>
+              <a:t>BroadcastReceiver</a:t>
+            </a:r>
+            <a:r>
+              <a:rPr lang="en-US" sz="2400" dirty="0"/>
+              <a:t> is destroyed</a:t>
+            </a:r>
           </a:p>
         </p:txBody>
       </p:sp>
@@ -15503,7 +16172,7 @@
           <p:cNvPr id="4" name="TextBox 3">
             <a:extLst>
               <a:ext uri="{FF2B5EF4-FFF2-40B4-BE49-F238E27FC236}">
-                <a16:creationId xmlns:a16="http://schemas.microsoft.com/office/drawing/2014/main" id="{2DBC61C4-DA8A-BB46-8653-23A500E2AD31}"/>
+                <a16:creationId xmlns:a16="http://schemas.microsoft.com/office/drawing/2014/main" id="{05AAE830-D809-C844-9E4D-8589560B0CE3}"/>
               </a:ext>
             </a:extLst>
           </p:cNvPr>
@@ -15512,8 +16181,8 @@
         </p:nvSpPr>
         <p:spPr>
           <a:xfrm>
-            <a:off x="0" y="6493266"/>
-            <a:ext cx="8496728" cy="369332"/>
+            <a:off x="0" y="6485324"/>
+            <a:ext cx="8998003" cy="372676"/>
           </a:xfrm>
           <a:prstGeom prst="rect">
             <a:avLst/>
@@ -15527,11 +16196,423 @@
           <a:lstStyle/>
           <a:p>
             <a:r>
-              <a:rPr lang="en-CA" dirty="0">
-                <a:hlinkClick r:id="rId2"/>
-              </a:rPr>
-              <a:t>https://developer.android.com/guide/components/broadcasts</a:t>
-            </a:r>
+              <a:rPr lang="en-US" dirty="0"/>
+              <a:t>https://</a:t>
+            </a:r>
+            <a:r>
+              <a:rPr lang="en-US" dirty="0" err="1"/>
+              <a:t>developer.android.com</a:t>
+            </a:r>
+            <a:r>
+              <a:rPr lang="en-US" dirty="0"/>
+              <a:t>/guide/components/broadcasts</a:t>
+            </a:r>
+          </a:p>
+        </p:txBody>
+      </p:sp>
+      <p:sp>
+        <p:nvSpPr>
+          <p:cNvPr id="5" name="Rectangle 4">
+            <a:extLst>
+              <a:ext uri="{FF2B5EF4-FFF2-40B4-BE49-F238E27FC236}">
+                <a16:creationId xmlns:a16="http://schemas.microsoft.com/office/drawing/2014/main" id="{39F0EF99-F516-0F4C-A87F-A95EC16791CF}"/>
+              </a:ext>
+            </a:extLst>
+          </p:cNvPr>
+          <p:cNvSpPr/>
+          <p:nvPr/>
+        </p:nvSpPr>
+        <p:spPr>
+          <a:xfrm>
+            <a:off x="3990575" y="1420789"/>
+            <a:ext cx="8201425" cy="3693319"/>
+          </a:xfrm>
+          <a:prstGeom prst="rect">
+            <a:avLst/>
+          </a:prstGeom>
+        </p:spPr>
+        <p:txBody>
+          <a:bodyPr wrap="square">
+            <a:spAutoFit/>
+          </a:bodyPr>
+          <a:lstStyle/>
+          <a:p>
+            <a:r>
+              <a:rPr lang="en-CA" b="1" dirty="0">
+                <a:solidFill>
+                  <a:srgbClr val="000080"/>
+                </a:solidFill>
+                <a:effectLst/>
+              </a:rPr>
+              <a:t>public class </a:t>
+            </a:r>
+            <a:r>
+              <a:rPr lang="en-CA" dirty="0" err="1"/>
+              <a:t>MyBroadcastReceiver</a:t>
+            </a:r>
+            <a:r>
+              <a:rPr lang="en-CA" dirty="0"/>
+              <a:t> </a:t>
+            </a:r>
+            <a:r>
+              <a:rPr lang="en-CA" b="1" dirty="0">
+                <a:solidFill>
+                  <a:srgbClr val="000080"/>
+                </a:solidFill>
+                <a:effectLst/>
+              </a:rPr>
+              <a:t>extends </a:t>
+            </a:r>
+            <a:r>
+              <a:rPr lang="en-CA" dirty="0" err="1"/>
+              <a:t>BroadcastReceiver</a:t>
+            </a:r>
+            <a:r>
+              <a:rPr lang="en-CA" dirty="0"/>
+              <a:t> {</a:t>
+            </a:r>
+            <a:br>
+              <a:rPr lang="en-CA" dirty="0"/>
+            </a:br>
+            <a:r>
+              <a:rPr lang="en-CA" dirty="0"/>
+              <a:t>    </a:t>
+            </a:r>
+            <a:r>
+              <a:rPr lang="en-CA" b="1" dirty="0">
+                <a:solidFill>
+                  <a:srgbClr val="000080"/>
+                </a:solidFill>
+                <a:effectLst/>
+              </a:rPr>
+              <a:t>private static final </a:t>
+            </a:r>
+            <a:r>
+              <a:rPr lang="en-CA" dirty="0"/>
+              <a:t>String TAG = </a:t>
+            </a:r>
+            <a:r>
+              <a:rPr lang="en-CA" b="1" dirty="0">
+                <a:solidFill>
+                  <a:srgbClr val="008000"/>
+                </a:solidFill>
+                <a:effectLst/>
+              </a:rPr>
+              <a:t>"</a:t>
+            </a:r>
+            <a:r>
+              <a:rPr lang="en-CA" b="1" dirty="0" err="1">
+                <a:solidFill>
+                  <a:srgbClr val="008000"/>
+                </a:solidFill>
+                <a:effectLst/>
+              </a:rPr>
+              <a:t>MyBroadcastReceiver</a:t>
+            </a:r>
+            <a:r>
+              <a:rPr lang="en-CA" b="1" dirty="0">
+                <a:solidFill>
+                  <a:srgbClr val="008000"/>
+                </a:solidFill>
+                <a:effectLst/>
+              </a:rPr>
+              <a:t>"</a:t>
+            </a:r>
+            <a:r>
+              <a:rPr lang="en-CA" dirty="0"/>
+              <a:t>;</a:t>
+            </a:r>
+            <a:br>
+              <a:rPr lang="en-CA" dirty="0"/>
+            </a:br>
+            <a:r>
+              <a:rPr lang="en-CA" dirty="0"/>
+              <a:t>    @Override</a:t>
+            </a:r>
+            <a:br>
+              <a:rPr lang="en-CA" dirty="0"/>
+            </a:br>
+            <a:r>
+              <a:rPr lang="en-CA" dirty="0"/>
+              <a:t>    </a:t>
+            </a:r>
+            <a:r>
+              <a:rPr lang="en-CA" b="1" dirty="0">
+                <a:solidFill>
+                  <a:srgbClr val="000080"/>
+                </a:solidFill>
+                <a:effectLst/>
+              </a:rPr>
+              <a:t>public void </a:t>
+            </a:r>
+            <a:r>
+              <a:rPr lang="en-CA" dirty="0" err="1"/>
+              <a:t>onReceive</a:t>
+            </a:r>
+            <a:r>
+              <a:rPr lang="en-CA" dirty="0"/>
+              <a:t>(Context context, Intent intent) {</a:t>
+            </a:r>
+            <a:br>
+              <a:rPr lang="en-CA" dirty="0"/>
+            </a:br>
+            <a:r>
+              <a:rPr lang="en-CA" dirty="0"/>
+              <a:t>        </a:t>
+            </a:r>
+            <a:r>
+              <a:rPr lang="en-CA" dirty="0" err="1"/>
+              <a:t>StringBuilder</a:t>
+            </a:r>
+            <a:r>
+              <a:rPr lang="en-CA" dirty="0"/>
+              <a:t> </a:t>
+            </a:r>
+            <a:r>
+              <a:rPr lang="en-CA" dirty="0" err="1"/>
+              <a:t>sb</a:t>
+            </a:r>
+            <a:r>
+              <a:rPr lang="en-CA" dirty="0"/>
+              <a:t> = </a:t>
+            </a:r>
+            <a:r>
+              <a:rPr lang="en-CA" b="1" dirty="0">
+                <a:solidFill>
+                  <a:srgbClr val="000080"/>
+                </a:solidFill>
+                <a:effectLst/>
+              </a:rPr>
+              <a:t>new </a:t>
+            </a:r>
+            <a:r>
+              <a:rPr lang="en-CA" dirty="0" err="1"/>
+              <a:t>StringBuilder</a:t>
+            </a:r>
+            <a:r>
+              <a:rPr lang="en-CA" dirty="0"/>
+              <a:t>();</a:t>
+            </a:r>
+            <a:br>
+              <a:rPr lang="en-CA" dirty="0"/>
+            </a:br>
+            <a:r>
+              <a:rPr lang="en-CA" dirty="0"/>
+              <a:t>        </a:t>
+            </a:r>
+            <a:r>
+              <a:rPr lang="en-CA" dirty="0" err="1"/>
+              <a:t>sb.append</a:t>
+            </a:r>
+            <a:r>
+              <a:rPr lang="en-CA" dirty="0"/>
+              <a:t>(</a:t>
+            </a:r>
+            <a:r>
+              <a:rPr lang="en-CA" b="1" dirty="0">
+                <a:solidFill>
+                  <a:srgbClr val="008000"/>
+                </a:solidFill>
+                <a:effectLst/>
+              </a:rPr>
+              <a:t>"Action: " </a:t>
+            </a:r>
+            <a:r>
+              <a:rPr lang="en-CA" dirty="0"/>
+              <a:t>+ </a:t>
+            </a:r>
+            <a:r>
+              <a:rPr lang="en-CA" dirty="0" err="1"/>
+              <a:t>intent.getAction</a:t>
+            </a:r>
+            <a:r>
+              <a:rPr lang="en-CA" dirty="0"/>
+              <a:t>() + </a:t>
+            </a:r>
+            <a:r>
+              <a:rPr lang="en-CA" b="1" dirty="0">
+                <a:solidFill>
+                  <a:srgbClr val="008000"/>
+                </a:solidFill>
+                <a:effectLst/>
+              </a:rPr>
+              <a:t>"</a:t>
+            </a:r>
+            <a:r>
+              <a:rPr lang="en-CA" b="1" dirty="0">
+                <a:solidFill>
+                  <a:srgbClr val="000080"/>
+                </a:solidFill>
+                <a:effectLst/>
+              </a:rPr>
+              <a:t>\n</a:t>
+            </a:r>
+            <a:r>
+              <a:rPr lang="en-CA" b="1" dirty="0">
+                <a:solidFill>
+                  <a:srgbClr val="008000"/>
+                </a:solidFill>
+                <a:effectLst/>
+              </a:rPr>
+              <a:t>"</a:t>
+            </a:r>
+            <a:r>
+              <a:rPr lang="en-CA" dirty="0"/>
+              <a:t>);</a:t>
+            </a:r>
+            <a:br>
+              <a:rPr lang="en-CA" dirty="0"/>
+            </a:br>
+            <a:r>
+              <a:rPr lang="en-CA" dirty="0"/>
+              <a:t>        </a:t>
+            </a:r>
+            <a:r>
+              <a:rPr lang="en-CA" dirty="0" err="1"/>
+              <a:t>sb.append</a:t>
+            </a:r>
+            <a:r>
+              <a:rPr lang="en-CA" dirty="0"/>
+              <a:t>(</a:t>
+            </a:r>
+            <a:r>
+              <a:rPr lang="en-CA" b="1" dirty="0">
+                <a:solidFill>
+                  <a:srgbClr val="008000"/>
+                </a:solidFill>
+                <a:effectLst/>
+              </a:rPr>
+              <a:t>"URI: " </a:t>
+            </a:r>
+            <a:r>
+              <a:rPr lang="en-CA" dirty="0"/>
+              <a:t>+ </a:t>
+            </a:r>
+            <a:r>
+              <a:rPr lang="en-CA" dirty="0" err="1"/>
+              <a:t>intent.toUri</a:t>
+            </a:r>
+            <a:r>
+              <a:rPr lang="en-CA" dirty="0"/>
+              <a:t>(</a:t>
+            </a:r>
+            <a:r>
+              <a:rPr lang="en-CA" dirty="0" err="1"/>
+              <a:t>Intent.URI_INTENT_SCHEME</a:t>
+            </a:r>
+            <a:r>
+              <a:rPr lang="en-CA" dirty="0"/>
+              <a:t>).</a:t>
+            </a:r>
+            <a:r>
+              <a:rPr lang="en-CA" dirty="0" err="1"/>
+              <a:t>toString</a:t>
+            </a:r>
+            <a:r>
+              <a:rPr lang="en-CA" dirty="0"/>
+              <a:t>() + </a:t>
+            </a:r>
+            <a:r>
+              <a:rPr lang="en-CA" b="1" dirty="0">
+                <a:solidFill>
+                  <a:srgbClr val="008000"/>
+                </a:solidFill>
+                <a:effectLst/>
+              </a:rPr>
+              <a:t>"</a:t>
+            </a:r>
+            <a:r>
+              <a:rPr lang="en-CA" b="1" dirty="0">
+                <a:solidFill>
+                  <a:srgbClr val="000080"/>
+                </a:solidFill>
+                <a:effectLst/>
+              </a:rPr>
+              <a:t>\n</a:t>
+            </a:r>
+            <a:r>
+              <a:rPr lang="en-CA" b="1" dirty="0">
+                <a:solidFill>
+                  <a:srgbClr val="008000"/>
+                </a:solidFill>
+                <a:effectLst/>
+              </a:rPr>
+              <a:t>"</a:t>
+            </a:r>
+            <a:r>
+              <a:rPr lang="en-CA" dirty="0"/>
+              <a:t>);</a:t>
+            </a:r>
+            <a:br>
+              <a:rPr lang="en-CA" dirty="0"/>
+            </a:br>
+            <a:r>
+              <a:rPr lang="en-CA" dirty="0"/>
+              <a:t>        String log = </a:t>
+            </a:r>
+            <a:r>
+              <a:rPr lang="en-CA" dirty="0" err="1"/>
+              <a:t>sb.toString</a:t>
+            </a:r>
+            <a:r>
+              <a:rPr lang="en-CA" dirty="0"/>
+              <a:t>();</a:t>
+            </a:r>
+            <a:br>
+              <a:rPr lang="en-CA" dirty="0"/>
+            </a:br>
+            <a:r>
+              <a:rPr lang="en-CA" dirty="0"/>
+              <a:t>        </a:t>
+            </a:r>
+            <a:r>
+              <a:rPr lang="en-CA" dirty="0" err="1"/>
+              <a:t>Log.d</a:t>
+            </a:r>
+            <a:r>
+              <a:rPr lang="en-CA" dirty="0"/>
+              <a:t>(TAG, log);</a:t>
+            </a:r>
+            <a:br>
+              <a:rPr lang="en-CA" dirty="0"/>
+            </a:br>
+            <a:r>
+              <a:rPr lang="en-CA" dirty="0"/>
+              <a:t>        </a:t>
+            </a:r>
+            <a:r>
+              <a:rPr lang="en-CA" dirty="0" err="1"/>
+              <a:t>Toast.makeText</a:t>
+            </a:r>
+            <a:r>
+              <a:rPr lang="en-CA" dirty="0"/>
+              <a:t>(context, log, </a:t>
+            </a:r>
+            <a:r>
+              <a:rPr lang="en-CA" dirty="0" err="1"/>
+              <a:t>Toast.LENGTH_LONG</a:t>
+            </a:r>
+            <a:r>
+              <a:rPr lang="en-CA" dirty="0"/>
+              <a:t>).show();</a:t>
+            </a:r>
+            <a:br>
+              <a:rPr lang="en-CA" dirty="0"/>
+            </a:br>
+            <a:r>
+              <a:rPr lang="en-CA" dirty="0"/>
+              <a:t>    }</a:t>
+            </a:r>
+            <a:br>
+              <a:rPr lang="en-CA" dirty="0"/>
+            </a:br>
+            <a:r>
+              <a:rPr lang="en-CA" dirty="0"/>
+              <a:t>}</a:t>
+            </a:r>
+            <a:br>
+              <a:rPr lang="en-CA" dirty="0"/>
+            </a:br>
             <a:endParaRPr lang="en-US" dirty="0"/>
           </a:p>
         </p:txBody>
@@ -15539,7 +16620,7 @@
     </p:spTree>
     <p:extLst>
       <p:ext uri="{BB962C8B-B14F-4D97-AF65-F5344CB8AC3E}">
-        <p14:creationId xmlns:p14="http://schemas.microsoft.com/office/powerpoint/2010/main" val="3082959174"/>
+        <p14:creationId xmlns:p14="http://schemas.microsoft.com/office/powerpoint/2010/main" val="3441540480"/>
       </p:ext>
     </p:extLst>
   </p:cSld>
@@ -15571,7 +16652,7 @@
           <p:cNvPr id="2" name="Title 1">
             <a:extLst>
               <a:ext uri="{FF2B5EF4-FFF2-40B4-BE49-F238E27FC236}">
-                <a16:creationId xmlns:a16="http://schemas.microsoft.com/office/drawing/2014/main" id="{8BE2B699-41A8-574B-B6F4-E6531356CAAF}"/>
+                <a16:creationId xmlns:a16="http://schemas.microsoft.com/office/drawing/2014/main" id="{4DB18397-9891-0F4C-941B-07E8CE8563D5}"/>
               </a:ext>
             </a:extLst>
           </p:cNvPr>
@@ -15584,8 +16665,8 @@
         </p:nvSpPr>
         <p:spPr>
           <a:xfrm>
-            <a:off x="0" y="1"/>
-            <a:ext cx="12192000" cy="1017142"/>
+            <a:off x="0" y="0"/>
+            <a:ext cx="10081452" cy="776087"/>
           </a:xfrm>
         </p:spPr>
         <p:txBody>
@@ -15593,10 +16674,9 @@
           <a:lstStyle/>
           <a:p>
             <a:r>
-              <a:rPr lang="en-US" dirty="0" smtClean="0"/>
-              <a:t>Broadcasts</a:t>
-            </a:r>
-            <a:endParaRPr lang="en-US" dirty="0"/>
+              <a:rPr lang="en-US" dirty="0"/>
+              <a:t>Context-registered receivers</a:t>
+            </a:r>
           </a:p>
         </p:txBody>
       </p:sp>
@@ -15605,7 +16685,7 @@
           <p:cNvPr id="3" name="Content Placeholder 2">
             <a:extLst>
               <a:ext uri="{FF2B5EF4-FFF2-40B4-BE49-F238E27FC236}">
-                <a16:creationId xmlns:a16="http://schemas.microsoft.com/office/drawing/2014/main" id="{60CAE52C-DC51-3041-BD77-DB47BA21E4BB}"/>
+                <a16:creationId xmlns:a16="http://schemas.microsoft.com/office/drawing/2014/main" id="{71A90730-4716-1043-AEAF-DA699A886224}"/>
               </a:ext>
             </a:extLst>
           </p:cNvPr>
@@ -15618,13 +16698,86 @@
         </p:nvSpPr>
         <p:spPr>
           <a:xfrm>
-            <a:off x="0" y="1044789"/>
-            <a:ext cx="12192000" cy="5448477"/>
+            <a:off x="0" y="776087"/>
+            <a:ext cx="12192000" cy="5709238"/>
           </a:xfrm>
         </p:spPr>
         <p:txBody>
           <a:bodyPr/>
           <a:lstStyle/>
+          <a:p>
+            <a:r>
+              <a:rPr lang="en-US" dirty="0"/>
+              <a:t>To register a receiver with a context, perform the following steps:</a:t>
+            </a:r>
+          </a:p>
+          <a:p>
+            <a:r>
+              <a:rPr lang="en-US" dirty="0"/>
+              <a:t>1) create an instance of </a:t>
+            </a:r>
+            <a:r>
+              <a:rPr lang="en-US" dirty="0" err="1"/>
+              <a:t>BroadcastReceiver</a:t>
+            </a:r>
+            <a:r>
+              <a:rPr lang="en-US" dirty="0"/>
+              <a:t>:</a:t>
+            </a:r>
+          </a:p>
+          <a:p>
+            <a:endParaRPr lang="en-US" dirty="0"/>
+          </a:p>
+          <a:p>
+            <a:r>
+              <a:rPr lang="en-US" dirty="0"/>
+              <a:t>2) create an intent filter, and register the receiver by calling </a:t>
+            </a:r>
+            <a:r>
+              <a:rPr lang="en-US" dirty="0" err="1"/>
+              <a:t>registerReceiver</a:t>
+            </a:r>
+            <a:r>
+              <a:rPr lang="en-US" dirty="0"/>
+              <a:t>():</a:t>
+            </a:r>
+          </a:p>
+          <a:p>
+            <a:endParaRPr lang="en-US" dirty="0"/>
+          </a:p>
+          <a:p>
+            <a:endParaRPr lang="en-US" dirty="0"/>
+          </a:p>
+          <a:p>
+            <a:endParaRPr lang="en-US" dirty="0"/>
+          </a:p>
+          <a:p>
+            <a:r>
+              <a:rPr lang="en-US" dirty="0"/>
+              <a:t>Context-registered receivers receive broadcasts as long is context is valid</a:t>
+            </a:r>
+          </a:p>
+          <a:p>
+            <a:pPr lvl="1"/>
+            <a:r>
+              <a:rPr lang="en-US" dirty="0"/>
+              <a:t>Example: Activity context, app context</a:t>
+            </a:r>
+          </a:p>
+          <a:p>
+            <a:r>
+              <a:rPr lang="en-US" dirty="0"/>
+              <a:t>3) call </a:t>
+            </a:r>
+            <a:r>
+              <a:rPr lang="en-US" dirty="0" err="1"/>
+              <a:t>unregisterReceiver</a:t>
+            </a:r>
+            <a:r>
+              <a:rPr lang="en-US" dirty="0"/>
+              <a:t>() to stop receiving broadcasts, be sure to do this as soon as context becomes invalid or you no longer need to receive broadcasts</a:t>
+            </a:r>
+          </a:p>
           <a:p>
             <a:endParaRPr lang="en-US" dirty="0"/>
           </a:p>
@@ -15635,7 +16788,7 @@
           <p:cNvPr id="4" name="TextBox 3">
             <a:extLst>
               <a:ext uri="{FF2B5EF4-FFF2-40B4-BE49-F238E27FC236}">
-                <a16:creationId xmlns:a16="http://schemas.microsoft.com/office/drawing/2014/main" id="{2DBC61C4-DA8A-BB46-8653-23A500E2AD31}"/>
+                <a16:creationId xmlns:a16="http://schemas.microsoft.com/office/drawing/2014/main" id="{05AAE830-D809-C844-9E4D-8589560B0CE3}"/>
               </a:ext>
             </a:extLst>
           </p:cNvPr>
@@ -15644,8 +16797,8 @@
         </p:nvSpPr>
         <p:spPr>
           <a:xfrm>
-            <a:off x="0" y="6493266"/>
-            <a:ext cx="8496728" cy="369332"/>
+            <a:off x="0" y="6485324"/>
+            <a:ext cx="8998003" cy="372676"/>
           </a:xfrm>
           <a:prstGeom prst="rect">
             <a:avLst/>
@@ -15659,10 +16812,190 @@
           <a:lstStyle/>
           <a:p>
             <a:r>
-              <a:rPr lang="en-CA" dirty="0">
-                <a:hlinkClick r:id="rId2"/>
-              </a:rPr>
-              <a:t>https://developer.android.com/guide/components/broadcasts</a:t>
+              <a:rPr lang="en-US" dirty="0"/>
+              <a:t>https://</a:t>
+            </a:r>
+            <a:r>
+              <a:rPr lang="en-US" dirty="0" err="1"/>
+              <a:t>developer.android.com</a:t>
+            </a:r>
+            <a:r>
+              <a:rPr lang="en-US" dirty="0"/>
+              <a:t>/guide/components/broadcasts</a:t>
+            </a:r>
+          </a:p>
+        </p:txBody>
+      </p:sp>
+      <p:sp>
+        <p:nvSpPr>
+          <p:cNvPr id="5" name="Rectangle 4">
+            <a:extLst>
+              <a:ext uri="{FF2B5EF4-FFF2-40B4-BE49-F238E27FC236}">
+                <a16:creationId xmlns:a16="http://schemas.microsoft.com/office/drawing/2014/main" id="{CABE69B7-105D-0546-A897-EA799942FBAE}"/>
+              </a:ext>
+            </a:extLst>
+          </p:cNvPr>
+          <p:cNvSpPr/>
+          <p:nvPr/>
+        </p:nvSpPr>
+        <p:spPr>
+          <a:xfrm>
+            <a:off x="2564481" y="1815104"/>
+            <a:ext cx="5080558" cy="369332"/>
+          </a:xfrm>
+          <a:prstGeom prst="rect">
+            <a:avLst/>
+          </a:prstGeom>
+        </p:spPr>
+        <p:txBody>
+          <a:bodyPr wrap="none">
+            <a:spAutoFit/>
+          </a:bodyPr>
+          <a:lstStyle/>
+          <a:p>
+            <a:r>
+              <a:rPr lang="en-CA" dirty="0" err="1"/>
+              <a:t>BroadcastReceiver</a:t>
+            </a:r>
+            <a:r>
+              <a:rPr lang="en-CA" dirty="0"/>
+              <a:t> </a:t>
+            </a:r>
+            <a:r>
+              <a:rPr lang="en-CA" dirty="0" err="1"/>
+              <a:t>br</a:t>
+            </a:r>
+            <a:r>
+              <a:rPr lang="en-CA" dirty="0"/>
+              <a:t> = </a:t>
+            </a:r>
+            <a:r>
+              <a:rPr lang="en-CA" b="1" dirty="0">
+                <a:solidFill>
+                  <a:srgbClr val="000080"/>
+                </a:solidFill>
+                <a:effectLst/>
+              </a:rPr>
+              <a:t>new </a:t>
+            </a:r>
+            <a:r>
+              <a:rPr lang="en-CA" dirty="0" err="1"/>
+              <a:t>MyBroadcastReceiver</a:t>
+            </a:r>
+            <a:r>
+              <a:rPr lang="en-CA" dirty="0"/>
+              <a:t>();</a:t>
+            </a:r>
+            <a:endParaRPr lang="en-US" dirty="0"/>
+          </a:p>
+        </p:txBody>
+      </p:sp>
+      <p:sp>
+        <p:nvSpPr>
+          <p:cNvPr id="6" name="Rectangle 5">
+            <a:extLst>
+              <a:ext uri="{FF2B5EF4-FFF2-40B4-BE49-F238E27FC236}">
+                <a16:creationId xmlns:a16="http://schemas.microsoft.com/office/drawing/2014/main" id="{E955A49C-E271-AF47-B1C3-B629ABFDEEA4}"/>
+              </a:ext>
+            </a:extLst>
+          </p:cNvPr>
+          <p:cNvSpPr/>
+          <p:nvPr/>
+        </p:nvSpPr>
+        <p:spPr>
+          <a:xfrm>
+            <a:off x="2564481" y="2851888"/>
+            <a:ext cx="6096000" cy="1200329"/>
+          </a:xfrm>
+          <a:prstGeom prst="rect">
+            <a:avLst/>
+          </a:prstGeom>
+        </p:spPr>
+        <p:txBody>
+          <a:bodyPr>
+            <a:spAutoFit/>
+          </a:bodyPr>
+          <a:lstStyle/>
+          <a:p>
+            <a:r>
+              <a:rPr lang="en-CA" dirty="0" err="1"/>
+              <a:t>IntentFilter</a:t>
+            </a:r>
+            <a:r>
+              <a:rPr lang="en-CA" dirty="0"/>
+              <a:t> filter = </a:t>
+            </a:r>
+            <a:r>
+              <a:rPr lang="en-CA" b="1" dirty="0">
+                <a:solidFill>
+                  <a:srgbClr val="000080"/>
+                </a:solidFill>
+                <a:effectLst/>
+              </a:rPr>
+              <a:t>new </a:t>
+            </a:r>
+            <a:r>
+              <a:rPr lang="en-CA" dirty="0" err="1"/>
+              <a:t>IntentFilter</a:t>
+            </a:r>
+            <a:r>
+              <a:rPr lang="en-CA" dirty="0"/>
+              <a:t>(</a:t>
+            </a:r>
+            <a:r>
+              <a:rPr lang="en-CA" dirty="0" err="1"/>
+              <a:t>ConnectivityManager.CONNECTIVITY_ACTION</a:t>
+            </a:r>
+            <a:r>
+              <a:rPr lang="en-CA" dirty="0"/>
+              <a:t>);</a:t>
+            </a:r>
+            <a:br>
+              <a:rPr lang="en-CA" dirty="0"/>
+            </a:br>
+            <a:r>
+              <a:rPr lang="en-CA" dirty="0" err="1"/>
+              <a:t>filter.addAction</a:t>
+            </a:r>
+            <a:r>
+              <a:rPr lang="en-CA" dirty="0"/>
+              <a:t>(</a:t>
+            </a:r>
+            <a:r>
+              <a:rPr lang="en-CA" dirty="0" err="1"/>
+              <a:t>Intent.ACTION_AIRPLANE_MODE_CHANGED</a:t>
+            </a:r>
+            <a:r>
+              <a:rPr lang="en-CA" dirty="0"/>
+              <a:t>);</a:t>
+            </a:r>
+            <a:br>
+              <a:rPr lang="en-CA" dirty="0"/>
+            </a:br>
+            <a:r>
+              <a:rPr lang="en-CA" b="1" dirty="0" err="1">
+                <a:solidFill>
+                  <a:srgbClr val="000080"/>
+                </a:solidFill>
+                <a:effectLst/>
+              </a:rPr>
+              <a:t>this</a:t>
+            </a:r>
+            <a:r>
+              <a:rPr lang="en-CA" dirty="0" err="1"/>
+              <a:t>.registerReceiver</a:t>
+            </a:r>
+            <a:r>
+              <a:rPr lang="en-CA" dirty="0"/>
+              <a:t>(</a:t>
+            </a:r>
+            <a:r>
+              <a:rPr lang="en-CA" dirty="0" err="1"/>
+              <a:t>br</a:t>
+            </a:r>
+            <a:r>
+              <a:rPr lang="en-CA" dirty="0"/>
+              <a:t>, filter);</a:t>
             </a:r>
             <a:endParaRPr lang="en-US" dirty="0"/>
           </a:p>
@@ -15671,7 +17004,7 @@
     </p:spTree>
     <p:extLst>
       <p:ext uri="{BB962C8B-B14F-4D97-AF65-F5344CB8AC3E}">
-        <p14:creationId xmlns:p14="http://schemas.microsoft.com/office/powerpoint/2010/main" val="3588741714"/>
+        <p14:creationId xmlns:p14="http://schemas.microsoft.com/office/powerpoint/2010/main" val="1803175170"/>
       </p:ext>
     </p:extLst>
   </p:cSld>
@@ -15703,7 +17036,7 @@
           <p:cNvPr id="2" name="Title 1">
             <a:extLst>
               <a:ext uri="{FF2B5EF4-FFF2-40B4-BE49-F238E27FC236}">
-                <a16:creationId xmlns:a16="http://schemas.microsoft.com/office/drawing/2014/main" id="{8BE2B699-41A8-574B-B6F4-E6531356CAAF}"/>
+                <a16:creationId xmlns:a16="http://schemas.microsoft.com/office/drawing/2014/main" id="{4DB18397-9891-0F4C-941B-07E8CE8563D5}"/>
               </a:ext>
             </a:extLst>
           </p:cNvPr>
@@ -15716,8 +17049,8 @@
         </p:nvSpPr>
         <p:spPr>
           <a:xfrm>
-            <a:off x="0" y="1"/>
-            <a:ext cx="12192000" cy="1017142"/>
+            <a:off x="0" y="0"/>
+            <a:ext cx="12192000" cy="776087"/>
           </a:xfrm>
         </p:spPr>
         <p:txBody>
@@ -15725,10 +17058,9 @@
           <a:lstStyle/>
           <a:p>
             <a:r>
-              <a:rPr lang="en-US" dirty="0" smtClean="0"/>
-              <a:t>Broadcasts</a:t>
-            </a:r>
-            <a:endParaRPr lang="en-US" dirty="0"/>
+              <a:rPr lang="en-US" dirty="0"/>
+              <a:t>Effects of broadcast receiver on process state </a:t>
+            </a:r>
           </a:p>
         </p:txBody>
       </p:sp>
@@ -15737,7 +17069,7 @@
           <p:cNvPr id="3" name="Content Placeholder 2">
             <a:extLst>
               <a:ext uri="{FF2B5EF4-FFF2-40B4-BE49-F238E27FC236}">
-                <a16:creationId xmlns:a16="http://schemas.microsoft.com/office/drawing/2014/main" id="{60CAE52C-DC51-3041-BD77-DB47BA21E4BB}"/>
+                <a16:creationId xmlns:a16="http://schemas.microsoft.com/office/drawing/2014/main" id="{71A90730-4716-1043-AEAF-DA699A886224}"/>
               </a:ext>
             </a:extLst>
           </p:cNvPr>
@@ -15750,14 +17082,93 @@
         </p:nvSpPr>
         <p:spPr>
           <a:xfrm>
-            <a:off x="0" y="1044789"/>
-            <a:ext cx="12192000" cy="5448477"/>
+            <a:off x="0" y="776087"/>
+            <a:ext cx="12192000" cy="5709238"/>
           </a:xfrm>
         </p:spPr>
         <p:txBody>
           <a:bodyPr/>
           <a:lstStyle/>
           <a:p>
+            <a:r>
+              <a:rPr lang="en-US" dirty="0"/>
+              <a:t>State of </a:t>
+            </a:r>
+            <a:r>
+              <a:rPr lang="en-US" dirty="0" err="1"/>
+              <a:t>BroadcastReceiver</a:t>
+            </a:r>
+            <a:r>
+              <a:rPr lang="en-US" dirty="0"/>
+              <a:t> (running/not running) affects state of process it is in</a:t>
+            </a:r>
+          </a:p>
+          <a:p>
+            <a:r>
+              <a:rPr lang="en-US" dirty="0"/>
+              <a:t>If a process is running code in </a:t>
+            </a:r>
+            <a:r>
+              <a:rPr lang="en-US" dirty="0" err="1"/>
+              <a:t>onReceive</a:t>
+            </a:r>
+            <a:r>
+              <a:rPr lang="en-US" dirty="0"/>
+              <a:t>(), it is considered a foreground process</a:t>
+            </a:r>
+          </a:p>
+          <a:p>
+            <a:pPr lvl="1"/>
+            <a:r>
+              <a:rPr lang="en-US" dirty="0"/>
+              <a:t>Foreground processes are very unlikely to be killed</a:t>
+            </a:r>
+          </a:p>
+          <a:p>
+            <a:r>
+              <a:rPr lang="en-US" dirty="0"/>
+              <a:t>Once </a:t>
+            </a:r>
+            <a:r>
+              <a:rPr lang="en-US" dirty="0" err="1"/>
+              <a:t>onReceive</a:t>
+            </a:r>
+            <a:r>
+              <a:rPr lang="en-US" dirty="0"/>
+              <a:t>() returns, broadcast receiver is no longer active and process loses importance. Apps returning from manifest-declared receivers are particularly susceptible to being killed</a:t>
+            </a:r>
+          </a:p>
+          <a:p>
+            <a:r>
+              <a:rPr lang="en-US" dirty="0"/>
+              <a:t>For this reason, do not start long-running background threads from broadcast receiver.</a:t>
+            </a:r>
+          </a:p>
+          <a:p>
+            <a:r>
+              <a:rPr lang="en-US" dirty="0"/>
+              <a:t>Instead, either call </a:t>
+            </a:r>
+            <a:r>
+              <a:rPr lang="en-US" dirty="0" err="1"/>
+              <a:t>goAsync</a:t>
+            </a:r>
+            <a:r>
+              <a:rPr lang="en-US" dirty="0"/>
+              <a:t>() from the receiver, or schedule a </a:t>
+            </a:r>
+            <a:r>
+              <a:rPr lang="en-US" dirty="0" err="1"/>
+              <a:t>JobService</a:t>
+            </a:r>
+            <a:r>
+              <a:rPr lang="en-US" dirty="0"/>
+              <a:t> from the receiver using </a:t>
+            </a:r>
+            <a:r>
+              <a:rPr lang="en-US" dirty="0" err="1"/>
+              <a:t>JobScheduler</a:t>
+            </a:r>
             <a:endParaRPr lang="en-US" dirty="0"/>
           </a:p>
         </p:txBody>
@@ -15767,7 +17178,7 @@
           <p:cNvPr id="4" name="TextBox 3">
             <a:extLst>
               <a:ext uri="{FF2B5EF4-FFF2-40B4-BE49-F238E27FC236}">
-                <a16:creationId xmlns:a16="http://schemas.microsoft.com/office/drawing/2014/main" id="{2DBC61C4-DA8A-BB46-8653-23A500E2AD31}"/>
+                <a16:creationId xmlns:a16="http://schemas.microsoft.com/office/drawing/2014/main" id="{05AAE830-D809-C844-9E4D-8589560B0CE3}"/>
               </a:ext>
             </a:extLst>
           </p:cNvPr>
@@ -15776,8 +17187,8 @@
         </p:nvSpPr>
         <p:spPr>
           <a:xfrm>
-            <a:off x="0" y="6493266"/>
-            <a:ext cx="8496728" cy="369332"/>
+            <a:off x="0" y="6485324"/>
+            <a:ext cx="8998003" cy="372676"/>
           </a:xfrm>
           <a:prstGeom prst="rect">
             <a:avLst/>
@@ -15791,19 +17202,24 @@
           <a:lstStyle/>
           <a:p>
             <a:r>
-              <a:rPr lang="en-CA" dirty="0">
-                <a:hlinkClick r:id="rId2"/>
-              </a:rPr>
-              <a:t>https://developer.android.com/guide/components/broadcasts</a:t>
-            </a:r>
-            <a:endParaRPr lang="en-US" dirty="0"/>
+              <a:rPr lang="en-US" dirty="0"/>
+              <a:t>https://</a:t>
+            </a:r>
+            <a:r>
+              <a:rPr lang="en-US" dirty="0" err="1"/>
+              <a:t>developer.android.com</a:t>
+            </a:r>
+            <a:r>
+              <a:rPr lang="en-US" dirty="0"/>
+              <a:t>/guide/components/broadcasts</a:t>
+            </a:r>
           </a:p>
         </p:txBody>
       </p:sp>
     </p:spTree>
     <p:extLst>
       <p:ext uri="{BB962C8B-B14F-4D97-AF65-F5344CB8AC3E}">
-        <p14:creationId xmlns:p14="http://schemas.microsoft.com/office/powerpoint/2010/main" val="1532358414"/>
+        <p14:creationId xmlns:p14="http://schemas.microsoft.com/office/powerpoint/2010/main" val="265201177"/>
       </p:ext>
     </p:extLst>
   </p:cSld>
@@ -15835,7 +17251,7 @@
           <p:cNvPr id="2" name="Title 1">
             <a:extLst>
               <a:ext uri="{FF2B5EF4-FFF2-40B4-BE49-F238E27FC236}">
-                <a16:creationId xmlns:a16="http://schemas.microsoft.com/office/drawing/2014/main" id="{8BE2B699-41A8-574B-B6F4-E6531356CAAF}"/>
+                <a16:creationId xmlns:a16="http://schemas.microsoft.com/office/drawing/2014/main" id="{4DB18397-9891-0F4C-941B-07E8CE8563D5}"/>
               </a:ext>
             </a:extLst>
           </p:cNvPr>
@@ -15848,19 +17264,36 @@
         </p:nvSpPr>
         <p:spPr>
           <a:xfrm>
-            <a:off x="0" y="1"/>
-            <a:ext cx="12192000" cy="1017142"/>
+            <a:off x="0" y="0"/>
+            <a:ext cx="4387583" cy="1313970"/>
           </a:xfrm>
         </p:spPr>
         <p:txBody>
-          <a:bodyPr/>
+          <a:bodyPr>
+            <a:normAutofit fontScale="90000"/>
+          </a:bodyPr>
           <a:lstStyle/>
           <a:p>
             <a:r>
-              <a:rPr lang="en-US" dirty="0" smtClean="0"/>
-              <a:t>Broadcasts</a:t>
-            </a:r>
-            <a:endParaRPr lang="en-US" dirty="0"/>
+              <a:rPr lang="en-US" dirty="0"/>
+              <a:t>Example of </a:t>
+            </a:r>
+            <a:r>
+              <a:rPr lang="en-US" dirty="0" err="1"/>
+              <a:t>goAsync</a:t>
+            </a:r>
+            <a:r>
+              <a:rPr lang="en-US" dirty="0"/>
+              <a:t> from </a:t>
+            </a:r>
+            <a:r>
+              <a:rPr lang="en-US" dirty="0" err="1"/>
+              <a:t>onReceive</a:t>
+            </a:r>
+            <a:r>
+              <a:rPr lang="en-US" dirty="0"/>
+              <a:t>()</a:t>
+            </a:r>
           </a:p>
         </p:txBody>
       </p:sp>
@@ -15869,7 +17302,7 @@
           <p:cNvPr id="3" name="Content Placeholder 2">
             <a:extLst>
               <a:ext uri="{FF2B5EF4-FFF2-40B4-BE49-F238E27FC236}">
-                <a16:creationId xmlns:a16="http://schemas.microsoft.com/office/drawing/2014/main" id="{60CAE52C-DC51-3041-BD77-DB47BA21E4BB}"/>
+                <a16:creationId xmlns:a16="http://schemas.microsoft.com/office/drawing/2014/main" id="{71A90730-4716-1043-AEAF-DA699A886224}"/>
               </a:ext>
             </a:extLst>
           </p:cNvPr>
@@ -15882,15 +17315,48 @@
         </p:nvSpPr>
         <p:spPr>
           <a:xfrm>
-            <a:off x="0" y="1044789"/>
-            <a:ext cx="12192000" cy="5448477"/>
+            <a:off x="0" y="1313970"/>
+            <a:ext cx="5332719" cy="5171354"/>
           </a:xfrm>
         </p:spPr>
         <p:txBody>
           <a:bodyPr/>
           <a:lstStyle/>
           <a:p>
-            <a:endParaRPr lang="en-US" dirty="0"/>
+            <a:r>
+              <a:rPr lang="en-US" dirty="0"/>
+              <a:t>This code shows a broadcast receiver using </a:t>
+            </a:r>
+            <a:r>
+              <a:rPr lang="en-US" dirty="0" err="1"/>
+              <a:t>goAsync</a:t>
+            </a:r>
+            <a:r>
+              <a:rPr lang="en-US" dirty="0"/>
+              <a:t>() to flag that it needs more time to finish after </a:t>
+            </a:r>
+            <a:r>
+              <a:rPr lang="en-US" dirty="0" err="1"/>
+              <a:t>onReceive</a:t>
+            </a:r>
+            <a:r>
+              <a:rPr lang="en-US" dirty="0"/>
+              <a:t>() completes</a:t>
+            </a:r>
+          </a:p>
+          <a:p>
+            <a:r>
+              <a:rPr lang="en-US" dirty="0"/>
+              <a:t>Useful if the work you want to do in </a:t>
+            </a:r>
+            <a:r>
+              <a:rPr lang="en-US" dirty="0" err="1"/>
+              <a:t>onReceive</a:t>
+            </a:r>
+            <a:r>
+              <a:rPr lang="en-US" dirty="0"/>
+              <a:t> is long enough to cause UI to skip frames (&lt;16ms)</a:t>
+            </a:r>
           </a:p>
         </p:txBody>
       </p:sp>
@@ -15899,7 +17365,7 @@
           <p:cNvPr id="4" name="TextBox 3">
             <a:extLst>
               <a:ext uri="{FF2B5EF4-FFF2-40B4-BE49-F238E27FC236}">
-                <a16:creationId xmlns:a16="http://schemas.microsoft.com/office/drawing/2014/main" id="{2DBC61C4-DA8A-BB46-8653-23A500E2AD31}"/>
+                <a16:creationId xmlns:a16="http://schemas.microsoft.com/office/drawing/2014/main" id="{05AAE830-D809-C844-9E4D-8589560B0CE3}"/>
               </a:ext>
             </a:extLst>
           </p:cNvPr>
@@ -15908,8 +17374,8 @@
         </p:nvSpPr>
         <p:spPr>
           <a:xfrm>
-            <a:off x="0" y="6493266"/>
-            <a:ext cx="8496728" cy="369332"/>
+            <a:off x="0" y="6485324"/>
+            <a:ext cx="8998003" cy="372676"/>
           </a:xfrm>
           <a:prstGeom prst="rect">
             <a:avLst/>
@@ -15923,19 +17389,888 @@
           <a:lstStyle/>
           <a:p>
             <a:r>
-              <a:rPr lang="en-CA" dirty="0">
-                <a:hlinkClick r:id="rId2"/>
-              </a:rPr>
-              <a:t>https://developer.android.com/guide/components/broadcasts</a:t>
-            </a:r>
-            <a:endParaRPr lang="en-US" dirty="0"/>
+              <a:rPr lang="en-US" dirty="0"/>
+              <a:t>https://</a:t>
+            </a:r>
+            <a:r>
+              <a:rPr lang="en-US" dirty="0" err="1"/>
+              <a:t>developer.android.com</a:t>
+            </a:r>
+            <a:r>
+              <a:rPr lang="en-US" dirty="0"/>
+              <a:t>/guide/components/broadcasts</a:t>
+            </a:r>
+          </a:p>
+        </p:txBody>
+      </p:sp>
+      <p:sp>
+        <p:nvSpPr>
+          <p:cNvPr id="5" name="Rectangle 4">
+            <a:extLst>
+              <a:ext uri="{FF2B5EF4-FFF2-40B4-BE49-F238E27FC236}">
+                <a16:creationId xmlns:a16="http://schemas.microsoft.com/office/drawing/2014/main" id="{6B292786-E76C-EC46-BA3A-497352C9B21A}"/>
+              </a:ext>
+            </a:extLst>
+          </p:cNvPr>
+          <p:cNvSpPr/>
+          <p:nvPr/>
+        </p:nvSpPr>
+        <p:spPr>
+          <a:xfrm>
+            <a:off x="5568364" y="114349"/>
+            <a:ext cx="6096000" cy="6370975"/>
+          </a:xfrm>
+          <a:prstGeom prst="rect">
+            <a:avLst/>
+          </a:prstGeom>
+        </p:spPr>
+        <p:txBody>
+          <a:bodyPr>
+            <a:spAutoFit/>
+          </a:bodyPr>
+          <a:lstStyle/>
+          <a:p>
+            <a:r>
+              <a:rPr lang="en-CA" sz="1200" b="1" dirty="0">
+                <a:solidFill>
+                  <a:srgbClr val="000080"/>
+                </a:solidFill>
+                <a:effectLst/>
+              </a:rPr>
+              <a:t>public class </a:t>
+            </a:r>
+            <a:r>
+              <a:rPr lang="en-CA" sz="1200" dirty="0" err="1"/>
+              <a:t>MyBroadcastReceiver</a:t>
+            </a:r>
+            <a:r>
+              <a:rPr lang="en-CA" sz="1200" dirty="0"/>
+              <a:t> </a:t>
+            </a:r>
+            <a:r>
+              <a:rPr lang="en-CA" sz="1200" b="1" dirty="0">
+                <a:solidFill>
+                  <a:srgbClr val="000080"/>
+                </a:solidFill>
+                <a:effectLst/>
+              </a:rPr>
+              <a:t>extends </a:t>
+            </a:r>
+            <a:r>
+              <a:rPr lang="en-CA" sz="1200" dirty="0" err="1"/>
+              <a:t>BroadcastReceiver</a:t>
+            </a:r>
+            <a:r>
+              <a:rPr lang="en-CA" sz="1200" dirty="0"/>
+              <a:t> {</a:t>
+            </a:r>
+            <a:br>
+              <a:rPr lang="en-CA" sz="1200" dirty="0"/>
+            </a:br>
+            <a:r>
+              <a:rPr lang="en-CA" sz="1200" dirty="0"/>
+              <a:t>    </a:t>
+            </a:r>
+            <a:r>
+              <a:rPr lang="en-CA" sz="1200" b="1" dirty="0">
+                <a:solidFill>
+                  <a:srgbClr val="000080"/>
+                </a:solidFill>
+                <a:effectLst/>
+              </a:rPr>
+              <a:t>private static final </a:t>
+            </a:r>
+            <a:r>
+              <a:rPr lang="en-CA" sz="1200" dirty="0"/>
+              <a:t>String TAG = </a:t>
+            </a:r>
+            <a:r>
+              <a:rPr lang="en-CA" sz="1200" b="1" dirty="0">
+                <a:solidFill>
+                  <a:srgbClr val="008000"/>
+                </a:solidFill>
+                <a:effectLst/>
+              </a:rPr>
+              <a:t>"</a:t>
+            </a:r>
+            <a:r>
+              <a:rPr lang="en-CA" sz="1200" b="1" dirty="0" err="1">
+                <a:solidFill>
+                  <a:srgbClr val="008000"/>
+                </a:solidFill>
+                <a:effectLst/>
+              </a:rPr>
+              <a:t>MyBroadcastReceiver</a:t>
+            </a:r>
+            <a:r>
+              <a:rPr lang="en-CA" sz="1200" b="1" dirty="0">
+                <a:solidFill>
+                  <a:srgbClr val="008000"/>
+                </a:solidFill>
+                <a:effectLst/>
+              </a:rPr>
+              <a:t>"</a:t>
+            </a:r>
+            <a:r>
+              <a:rPr lang="en-CA" sz="1200" dirty="0"/>
+              <a:t>;</a:t>
+            </a:r>
+            <a:br>
+              <a:rPr lang="en-CA" sz="1200" dirty="0"/>
+            </a:br>
+            <a:r>
+              <a:rPr lang="en-CA" sz="1200" dirty="0"/>
+              <a:t>    @Override</a:t>
+            </a:r>
+            <a:br>
+              <a:rPr lang="en-CA" sz="1200" dirty="0"/>
+            </a:br>
+            <a:r>
+              <a:rPr lang="en-CA" sz="1200" dirty="0"/>
+              <a:t>    </a:t>
+            </a:r>
+            <a:r>
+              <a:rPr lang="en-CA" sz="1200" b="1" dirty="0">
+                <a:solidFill>
+                  <a:srgbClr val="000080"/>
+                </a:solidFill>
+                <a:effectLst/>
+              </a:rPr>
+              <a:t>public void </a:t>
+            </a:r>
+            <a:r>
+              <a:rPr lang="en-CA" sz="1200" dirty="0" err="1"/>
+              <a:t>onReceive</a:t>
+            </a:r>
+            <a:r>
+              <a:rPr lang="en-CA" sz="1200" dirty="0"/>
+              <a:t>(Context context, Intent intent) {</a:t>
+            </a:r>
+            <a:br>
+              <a:rPr lang="en-CA" sz="1200" dirty="0"/>
+            </a:br>
+            <a:r>
+              <a:rPr lang="en-CA" sz="1200" dirty="0"/>
+              <a:t>        </a:t>
+            </a:r>
+            <a:r>
+              <a:rPr lang="en-CA" sz="1200" b="1" dirty="0">
+                <a:solidFill>
+                  <a:srgbClr val="000080"/>
+                </a:solidFill>
+                <a:effectLst/>
+              </a:rPr>
+              <a:t>final </a:t>
+            </a:r>
+            <a:r>
+              <a:rPr lang="en-CA" sz="1200" dirty="0" err="1"/>
+              <a:t>PendingResult</a:t>
+            </a:r>
+            <a:r>
+              <a:rPr lang="en-CA" sz="1200" dirty="0"/>
+              <a:t> </a:t>
+            </a:r>
+            <a:r>
+              <a:rPr lang="en-CA" sz="1200" dirty="0" err="1"/>
+              <a:t>pendingResult</a:t>
+            </a:r>
+            <a:r>
+              <a:rPr lang="en-CA" sz="1200" dirty="0"/>
+              <a:t> = </a:t>
+            </a:r>
+            <a:r>
+              <a:rPr lang="en-CA" sz="1200" dirty="0" err="1"/>
+              <a:t>goAsync</a:t>
+            </a:r>
+            <a:r>
+              <a:rPr lang="en-CA" sz="1200" dirty="0"/>
+              <a:t>();</a:t>
+            </a:r>
+            <a:br>
+              <a:rPr lang="en-CA" sz="1200" dirty="0"/>
+            </a:br>
+            <a:r>
+              <a:rPr lang="en-CA" sz="1200" dirty="0"/>
+              <a:t>        Task </a:t>
+            </a:r>
+            <a:r>
+              <a:rPr lang="en-CA" sz="1200" dirty="0" err="1"/>
+              <a:t>asyncTask</a:t>
+            </a:r>
+            <a:r>
+              <a:rPr lang="en-CA" sz="1200" dirty="0"/>
+              <a:t> = </a:t>
+            </a:r>
+            <a:r>
+              <a:rPr lang="en-CA" sz="1200" b="1" dirty="0">
+                <a:solidFill>
+                  <a:srgbClr val="000080"/>
+                </a:solidFill>
+                <a:effectLst/>
+              </a:rPr>
+              <a:t>new </a:t>
+            </a:r>
+            <a:r>
+              <a:rPr lang="en-CA" sz="1200" dirty="0"/>
+              <a:t>Task(</a:t>
+            </a:r>
+            <a:r>
+              <a:rPr lang="en-CA" sz="1200" dirty="0" err="1"/>
+              <a:t>pendingResult</a:t>
+            </a:r>
+            <a:r>
+              <a:rPr lang="en-CA" sz="1200" dirty="0"/>
+              <a:t>, intent);</a:t>
+            </a:r>
+            <a:br>
+              <a:rPr lang="en-CA" sz="1200" dirty="0"/>
+            </a:br>
+            <a:r>
+              <a:rPr lang="en-CA" sz="1200" dirty="0"/>
+              <a:t>        </a:t>
+            </a:r>
+            <a:r>
+              <a:rPr lang="en-CA" sz="1200" dirty="0" err="1"/>
+              <a:t>asyncTask.execute</a:t>
+            </a:r>
+            <a:r>
+              <a:rPr lang="en-CA" sz="1200" dirty="0"/>
+              <a:t>();</a:t>
+            </a:r>
+            <a:br>
+              <a:rPr lang="en-CA" sz="1200" dirty="0"/>
+            </a:br>
+            <a:r>
+              <a:rPr lang="en-CA" sz="1200" dirty="0"/>
+              <a:t>    }</a:t>
+            </a:r>
+            <a:br>
+              <a:rPr lang="en-CA" sz="1200" dirty="0"/>
+            </a:br>
+            <a:r>
+              <a:rPr lang="en-CA" sz="1200" dirty="0"/>
+              <a:t>    </a:t>
+            </a:r>
+            <a:r>
+              <a:rPr lang="en-CA" sz="1200" b="1" dirty="0">
+                <a:solidFill>
+                  <a:srgbClr val="000080"/>
+                </a:solidFill>
+                <a:effectLst/>
+              </a:rPr>
+              <a:t>private static class </a:t>
+            </a:r>
+            <a:r>
+              <a:rPr lang="en-CA" sz="1200" dirty="0"/>
+              <a:t>Task </a:t>
+            </a:r>
+            <a:r>
+              <a:rPr lang="en-CA" sz="1200" b="1" dirty="0">
+                <a:solidFill>
+                  <a:srgbClr val="000080"/>
+                </a:solidFill>
+                <a:effectLst/>
+              </a:rPr>
+              <a:t>extends </a:t>
+            </a:r>
+            <a:r>
+              <a:rPr lang="en-CA" sz="1200" dirty="0" err="1"/>
+              <a:t>AsyncTask</a:t>
+            </a:r>
+            <a:r>
+              <a:rPr lang="en-CA" sz="1200" dirty="0"/>
+              <a:t>&lt;String, Integer, String&gt; {</a:t>
+            </a:r>
+            <a:br>
+              <a:rPr lang="en-CA" sz="1200" dirty="0"/>
+            </a:br>
+            <a:r>
+              <a:rPr lang="en-CA" sz="1200" dirty="0"/>
+              <a:t/>
+            </a:r>
+            <a:br>
+              <a:rPr lang="en-CA" sz="1200" dirty="0"/>
+            </a:br>
+            <a:r>
+              <a:rPr lang="en-CA" sz="1200" dirty="0"/>
+              <a:t>        </a:t>
+            </a:r>
+            <a:r>
+              <a:rPr lang="en-CA" sz="1200" b="1" dirty="0">
+                <a:solidFill>
+                  <a:srgbClr val="000080"/>
+                </a:solidFill>
+                <a:effectLst/>
+              </a:rPr>
+              <a:t>private final </a:t>
+            </a:r>
+            <a:r>
+              <a:rPr lang="en-CA" sz="1200" dirty="0" err="1"/>
+              <a:t>PendingResult</a:t>
+            </a:r>
+            <a:r>
+              <a:rPr lang="en-CA" sz="1200" dirty="0"/>
+              <a:t> </a:t>
+            </a:r>
+            <a:r>
+              <a:rPr lang="en-CA" sz="1200" dirty="0" err="1"/>
+              <a:t>pendingResult</a:t>
+            </a:r>
+            <a:r>
+              <a:rPr lang="en-CA" sz="1200" dirty="0"/>
+              <a:t>;</a:t>
+            </a:r>
+            <a:br>
+              <a:rPr lang="en-CA" sz="1200" dirty="0"/>
+            </a:br>
+            <a:r>
+              <a:rPr lang="en-CA" sz="1200" dirty="0"/>
+              <a:t>        </a:t>
+            </a:r>
+            <a:r>
+              <a:rPr lang="en-CA" sz="1200" b="1" dirty="0">
+                <a:solidFill>
+                  <a:srgbClr val="000080"/>
+                </a:solidFill>
+                <a:effectLst/>
+              </a:rPr>
+              <a:t>private final </a:t>
+            </a:r>
+            <a:r>
+              <a:rPr lang="en-CA" sz="1200" dirty="0"/>
+              <a:t>Intent intent;</a:t>
+            </a:r>
+            <a:br>
+              <a:rPr lang="en-CA" sz="1200" dirty="0"/>
+            </a:br>
+            <a:r>
+              <a:rPr lang="en-CA" sz="1200" dirty="0"/>
+              <a:t/>
+            </a:r>
+            <a:br>
+              <a:rPr lang="en-CA" sz="1200" dirty="0"/>
+            </a:br>
+            <a:r>
+              <a:rPr lang="en-CA" sz="1200" dirty="0"/>
+              <a:t>        </a:t>
+            </a:r>
+            <a:r>
+              <a:rPr lang="en-CA" sz="1200" b="1" dirty="0">
+                <a:solidFill>
+                  <a:srgbClr val="000080"/>
+                </a:solidFill>
+                <a:effectLst/>
+              </a:rPr>
+              <a:t>private </a:t>
+            </a:r>
+            <a:r>
+              <a:rPr lang="en-CA" sz="1200" dirty="0"/>
+              <a:t>Task(</a:t>
+            </a:r>
+            <a:r>
+              <a:rPr lang="en-CA" sz="1200" dirty="0" err="1"/>
+              <a:t>PendingResult</a:t>
+            </a:r>
+            <a:r>
+              <a:rPr lang="en-CA" sz="1200" dirty="0"/>
+              <a:t> </a:t>
+            </a:r>
+            <a:r>
+              <a:rPr lang="en-CA" sz="1200" dirty="0" err="1"/>
+              <a:t>pendingResult</a:t>
+            </a:r>
+            <a:r>
+              <a:rPr lang="en-CA" sz="1200" dirty="0"/>
+              <a:t>, Intent intent) {</a:t>
+            </a:r>
+            <a:br>
+              <a:rPr lang="en-CA" sz="1200" dirty="0"/>
+            </a:br>
+            <a:r>
+              <a:rPr lang="en-CA" sz="1200" dirty="0"/>
+              <a:t>            </a:t>
+            </a:r>
+            <a:r>
+              <a:rPr lang="en-CA" sz="1200" b="1" dirty="0" err="1">
+                <a:solidFill>
+                  <a:srgbClr val="000080"/>
+                </a:solidFill>
+                <a:effectLst/>
+              </a:rPr>
+              <a:t>this</a:t>
+            </a:r>
+            <a:r>
+              <a:rPr lang="en-CA" sz="1200" dirty="0" err="1"/>
+              <a:t>.pendingResult</a:t>
+            </a:r>
+            <a:r>
+              <a:rPr lang="en-CA" sz="1200" dirty="0"/>
+              <a:t> = </a:t>
+            </a:r>
+            <a:r>
+              <a:rPr lang="en-CA" sz="1200" dirty="0" err="1"/>
+              <a:t>pendingResult</a:t>
+            </a:r>
+            <a:r>
+              <a:rPr lang="en-CA" sz="1200" dirty="0"/>
+              <a:t>;</a:t>
+            </a:r>
+            <a:br>
+              <a:rPr lang="en-CA" sz="1200" dirty="0"/>
+            </a:br>
+            <a:r>
+              <a:rPr lang="en-CA" sz="1200" dirty="0"/>
+              <a:t>            </a:t>
+            </a:r>
+            <a:r>
+              <a:rPr lang="en-CA" sz="1200" b="1" dirty="0" err="1">
+                <a:solidFill>
+                  <a:srgbClr val="000080"/>
+                </a:solidFill>
+                <a:effectLst/>
+              </a:rPr>
+              <a:t>this</a:t>
+            </a:r>
+            <a:r>
+              <a:rPr lang="en-CA" sz="1200" dirty="0" err="1"/>
+              <a:t>.intent</a:t>
+            </a:r>
+            <a:r>
+              <a:rPr lang="en-CA" sz="1200" dirty="0"/>
+              <a:t> = intent;</a:t>
+            </a:r>
+            <a:br>
+              <a:rPr lang="en-CA" sz="1200" dirty="0"/>
+            </a:br>
+            <a:r>
+              <a:rPr lang="en-CA" sz="1200" dirty="0"/>
+              <a:t>        }</a:t>
+            </a:r>
+            <a:br>
+              <a:rPr lang="en-CA" sz="1200" dirty="0"/>
+            </a:br>
+            <a:r>
+              <a:rPr lang="en-CA" sz="1200" dirty="0"/>
+              <a:t>        @Override</a:t>
+            </a:r>
+            <a:br>
+              <a:rPr lang="en-CA" sz="1200" dirty="0"/>
+            </a:br>
+            <a:r>
+              <a:rPr lang="en-CA" sz="1200" dirty="0"/>
+              <a:t>        </a:t>
+            </a:r>
+            <a:r>
+              <a:rPr lang="en-CA" sz="1200" b="1" dirty="0">
+                <a:solidFill>
+                  <a:srgbClr val="000080"/>
+                </a:solidFill>
+                <a:effectLst/>
+              </a:rPr>
+              <a:t>protected </a:t>
+            </a:r>
+            <a:r>
+              <a:rPr lang="en-CA" sz="1200" dirty="0"/>
+              <a:t>String </a:t>
+            </a:r>
+            <a:r>
+              <a:rPr lang="en-CA" sz="1200" dirty="0" err="1"/>
+              <a:t>doInBackground</a:t>
+            </a:r>
+            <a:r>
+              <a:rPr lang="en-CA" sz="1200" dirty="0"/>
+              <a:t>(String... strings) {</a:t>
+            </a:r>
+            <a:br>
+              <a:rPr lang="en-CA" sz="1200" dirty="0"/>
+            </a:br>
+            <a:r>
+              <a:rPr lang="en-CA" sz="1200" dirty="0"/>
+              <a:t>            </a:t>
+            </a:r>
+            <a:r>
+              <a:rPr lang="en-CA" sz="1200" dirty="0" err="1"/>
+              <a:t>StringBuilder</a:t>
+            </a:r>
+            <a:r>
+              <a:rPr lang="en-CA" sz="1200" dirty="0"/>
+              <a:t> </a:t>
+            </a:r>
+            <a:r>
+              <a:rPr lang="en-CA" sz="1200" dirty="0" err="1"/>
+              <a:t>sb</a:t>
+            </a:r>
+            <a:r>
+              <a:rPr lang="en-CA" sz="1200" dirty="0"/>
+              <a:t> = </a:t>
+            </a:r>
+            <a:r>
+              <a:rPr lang="en-CA" sz="1200" b="1" dirty="0">
+                <a:solidFill>
+                  <a:srgbClr val="000080"/>
+                </a:solidFill>
+                <a:effectLst/>
+              </a:rPr>
+              <a:t>new </a:t>
+            </a:r>
+            <a:r>
+              <a:rPr lang="en-CA" sz="1200" dirty="0" err="1"/>
+              <a:t>StringBuilder</a:t>
+            </a:r>
+            <a:r>
+              <a:rPr lang="en-CA" sz="1200" dirty="0"/>
+              <a:t>();</a:t>
+            </a:r>
+            <a:br>
+              <a:rPr lang="en-CA" sz="1200" dirty="0"/>
+            </a:br>
+            <a:r>
+              <a:rPr lang="en-CA" sz="1200" dirty="0"/>
+              <a:t>            </a:t>
+            </a:r>
+            <a:r>
+              <a:rPr lang="en-CA" sz="1200" dirty="0" err="1"/>
+              <a:t>sb.append</a:t>
+            </a:r>
+            <a:r>
+              <a:rPr lang="en-CA" sz="1200" dirty="0"/>
+              <a:t>(</a:t>
+            </a:r>
+            <a:r>
+              <a:rPr lang="en-CA" sz="1200" b="1" dirty="0">
+                <a:solidFill>
+                  <a:srgbClr val="008000"/>
+                </a:solidFill>
+                <a:effectLst/>
+              </a:rPr>
+              <a:t>"Action: " </a:t>
+            </a:r>
+            <a:r>
+              <a:rPr lang="en-CA" sz="1200" dirty="0"/>
+              <a:t>+ </a:t>
+            </a:r>
+            <a:r>
+              <a:rPr lang="en-CA" sz="1200" dirty="0" err="1"/>
+              <a:t>intent.getAction</a:t>
+            </a:r>
+            <a:r>
+              <a:rPr lang="en-CA" sz="1200" dirty="0"/>
+              <a:t>() + </a:t>
+            </a:r>
+            <a:r>
+              <a:rPr lang="en-CA" sz="1200" b="1" dirty="0">
+                <a:solidFill>
+                  <a:srgbClr val="008000"/>
+                </a:solidFill>
+                <a:effectLst/>
+              </a:rPr>
+              <a:t>"</a:t>
+            </a:r>
+            <a:r>
+              <a:rPr lang="en-CA" sz="1200" b="1" dirty="0">
+                <a:solidFill>
+                  <a:srgbClr val="000080"/>
+                </a:solidFill>
+                <a:effectLst/>
+              </a:rPr>
+              <a:t>\n</a:t>
+            </a:r>
+            <a:r>
+              <a:rPr lang="en-CA" sz="1200" b="1" dirty="0">
+                <a:solidFill>
+                  <a:srgbClr val="008000"/>
+                </a:solidFill>
+                <a:effectLst/>
+              </a:rPr>
+              <a:t>"</a:t>
+            </a:r>
+            <a:r>
+              <a:rPr lang="en-CA" sz="1200" dirty="0"/>
+              <a:t>);</a:t>
+            </a:r>
+            <a:br>
+              <a:rPr lang="en-CA" sz="1200" dirty="0"/>
+            </a:br>
+            <a:r>
+              <a:rPr lang="en-CA" sz="1200" dirty="0"/>
+              <a:t>            </a:t>
+            </a:r>
+            <a:r>
+              <a:rPr lang="en-CA" sz="1200" dirty="0" err="1"/>
+              <a:t>sb.append</a:t>
+            </a:r>
+            <a:r>
+              <a:rPr lang="en-CA" sz="1200" dirty="0"/>
+              <a:t>(</a:t>
+            </a:r>
+            <a:r>
+              <a:rPr lang="en-CA" sz="1200" b="1" dirty="0">
+                <a:solidFill>
+                  <a:srgbClr val="008000"/>
+                </a:solidFill>
+                <a:effectLst/>
+              </a:rPr>
+              <a:t>"URI: " </a:t>
+            </a:r>
+            <a:r>
+              <a:rPr lang="en-CA" sz="1200" dirty="0"/>
+              <a:t>+ </a:t>
+            </a:r>
+            <a:r>
+              <a:rPr lang="en-CA" sz="1200" dirty="0" err="1"/>
+              <a:t>intent.toUri</a:t>
+            </a:r>
+            <a:r>
+              <a:rPr lang="en-CA" sz="1200" dirty="0"/>
+              <a:t>(</a:t>
+            </a:r>
+            <a:r>
+              <a:rPr lang="en-CA" sz="1200" dirty="0" err="1"/>
+              <a:t>Intent.URI_INTENT_SCHEME</a:t>
+            </a:r>
+            <a:r>
+              <a:rPr lang="en-CA" sz="1200" dirty="0"/>
+              <a:t>).</a:t>
+            </a:r>
+            <a:r>
+              <a:rPr lang="en-CA" sz="1200" dirty="0" err="1"/>
+              <a:t>toString</a:t>
+            </a:r>
+            <a:r>
+              <a:rPr lang="en-CA" sz="1200" dirty="0"/>
+              <a:t>() + </a:t>
+            </a:r>
+            <a:r>
+              <a:rPr lang="en-CA" sz="1200" b="1" dirty="0">
+                <a:solidFill>
+                  <a:srgbClr val="008000"/>
+                </a:solidFill>
+                <a:effectLst/>
+              </a:rPr>
+              <a:t>"</a:t>
+            </a:r>
+            <a:r>
+              <a:rPr lang="en-CA" sz="1200" b="1" dirty="0">
+                <a:solidFill>
+                  <a:srgbClr val="000080"/>
+                </a:solidFill>
+                <a:effectLst/>
+              </a:rPr>
+              <a:t>\n</a:t>
+            </a:r>
+            <a:r>
+              <a:rPr lang="en-CA" sz="1200" b="1" dirty="0">
+                <a:solidFill>
+                  <a:srgbClr val="008000"/>
+                </a:solidFill>
+                <a:effectLst/>
+              </a:rPr>
+              <a:t>"</a:t>
+            </a:r>
+            <a:r>
+              <a:rPr lang="en-CA" sz="1200" dirty="0"/>
+              <a:t>);</a:t>
+            </a:r>
+            <a:br>
+              <a:rPr lang="en-CA" sz="1200" dirty="0"/>
+            </a:br>
+            <a:r>
+              <a:rPr lang="en-CA" sz="1200" dirty="0"/>
+              <a:t>            String log = </a:t>
+            </a:r>
+            <a:r>
+              <a:rPr lang="en-CA" sz="1200" dirty="0" err="1"/>
+              <a:t>sb.toString</a:t>
+            </a:r>
+            <a:r>
+              <a:rPr lang="en-CA" sz="1200" dirty="0"/>
+              <a:t>();</a:t>
+            </a:r>
+            <a:br>
+              <a:rPr lang="en-CA" sz="1200" dirty="0"/>
+            </a:br>
+            <a:r>
+              <a:rPr lang="en-CA" sz="1200" dirty="0"/>
+              <a:t>            </a:t>
+            </a:r>
+            <a:r>
+              <a:rPr lang="en-CA" sz="1200" dirty="0" err="1"/>
+              <a:t>Log.d</a:t>
+            </a:r>
+            <a:r>
+              <a:rPr lang="en-CA" sz="1200" dirty="0"/>
+              <a:t>(TAG, log);</a:t>
+            </a:r>
+            <a:br>
+              <a:rPr lang="en-CA" sz="1200" dirty="0"/>
+            </a:br>
+            <a:r>
+              <a:rPr lang="en-CA" sz="1200" dirty="0"/>
+              <a:t>            </a:t>
+            </a:r>
+            <a:r>
+              <a:rPr lang="en-CA" sz="1200" b="1" dirty="0">
+                <a:solidFill>
+                  <a:srgbClr val="000080"/>
+                </a:solidFill>
+                <a:effectLst/>
+              </a:rPr>
+              <a:t>return </a:t>
+            </a:r>
+            <a:r>
+              <a:rPr lang="en-CA" sz="1200" dirty="0"/>
+              <a:t>log;</a:t>
+            </a:r>
+            <a:br>
+              <a:rPr lang="en-CA" sz="1200" dirty="0"/>
+            </a:br>
+            <a:r>
+              <a:rPr lang="en-CA" sz="1200" dirty="0"/>
+              <a:t>        }</a:t>
+            </a:r>
+            <a:br>
+              <a:rPr lang="en-CA" sz="1200" dirty="0"/>
+            </a:br>
+            <a:r>
+              <a:rPr lang="en-CA" sz="1200" dirty="0"/>
+              <a:t>        @Override</a:t>
+            </a:r>
+            <a:br>
+              <a:rPr lang="en-CA" sz="1200" dirty="0"/>
+            </a:br>
+            <a:r>
+              <a:rPr lang="en-CA" sz="1200" dirty="0"/>
+              <a:t>        </a:t>
+            </a:r>
+            <a:r>
+              <a:rPr lang="en-CA" sz="1200" b="1" dirty="0">
+                <a:solidFill>
+                  <a:srgbClr val="000080"/>
+                </a:solidFill>
+                <a:effectLst/>
+              </a:rPr>
+              <a:t>protected void </a:t>
+            </a:r>
+            <a:r>
+              <a:rPr lang="en-CA" sz="1200" dirty="0" err="1"/>
+              <a:t>onPostExecute</a:t>
+            </a:r>
+            <a:r>
+              <a:rPr lang="en-CA" sz="1200" dirty="0"/>
+              <a:t>(String s) {</a:t>
+            </a:r>
+            <a:br>
+              <a:rPr lang="en-CA" sz="1200" dirty="0"/>
+            </a:br>
+            <a:r>
+              <a:rPr lang="en-CA" sz="1200" dirty="0"/>
+              <a:t>            </a:t>
+            </a:r>
+            <a:r>
+              <a:rPr lang="en-CA" sz="1200" b="1" dirty="0" err="1">
+                <a:solidFill>
+                  <a:srgbClr val="000080"/>
+                </a:solidFill>
+                <a:effectLst/>
+              </a:rPr>
+              <a:t>super</a:t>
+            </a:r>
+            <a:r>
+              <a:rPr lang="en-CA" sz="1200" dirty="0" err="1"/>
+              <a:t>.onPostExecute</a:t>
+            </a:r>
+            <a:r>
+              <a:rPr lang="en-CA" sz="1200" dirty="0"/>
+              <a:t>(s);</a:t>
+            </a:r>
+            <a:br>
+              <a:rPr lang="en-CA" sz="1200" dirty="0"/>
+            </a:br>
+            <a:r>
+              <a:rPr lang="en-CA" sz="1200" dirty="0"/>
+              <a:t>            </a:t>
+            </a:r>
+            <a:r>
+              <a:rPr lang="en-CA" sz="1200" i="1" dirty="0">
+                <a:solidFill>
+                  <a:srgbClr val="808080"/>
+                </a:solidFill>
+                <a:effectLst/>
+              </a:rPr>
+              <a:t>// Must call finish() so the </a:t>
+            </a:r>
+            <a:r>
+              <a:rPr lang="en-CA" sz="1200" i="1" dirty="0" err="1">
+                <a:solidFill>
+                  <a:srgbClr val="808080"/>
+                </a:solidFill>
+                <a:effectLst/>
+              </a:rPr>
+              <a:t>BroadcastReceiver</a:t>
+            </a:r>
+            <a:r>
+              <a:rPr lang="en-CA" sz="1200" i="1" dirty="0">
+                <a:solidFill>
+                  <a:srgbClr val="808080"/>
+                </a:solidFill>
+                <a:effectLst/>
+              </a:rPr>
+              <a:t> can be recycled.</a:t>
+            </a:r>
+            <a:br>
+              <a:rPr lang="en-CA" sz="1200" i="1" dirty="0">
+                <a:solidFill>
+                  <a:srgbClr val="808080"/>
+                </a:solidFill>
+                <a:effectLst/>
+              </a:rPr>
+            </a:br>
+            <a:r>
+              <a:rPr lang="en-CA" sz="1200" i="1" dirty="0">
+                <a:solidFill>
+                  <a:srgbClr val="808080"/>
+                </a:solidFill>
+                <a:effectLst/>
+              </a:rPr>
+              <a:t>            </a:t>
+            </a:r>
+            <a:r>
+              <a:rPr lang="en-CA" sz="1200" dirty="0" err="1"/>
+              <a:t>pendingResult.finish</a:t>
+            </a:r>
+            <a:r>
+              <a:rPr lang="en-CA" sz="1200" dirty="0"/>
+              <a:t>();</a:t>
+            </a:r>
+            <a:br>
+              <a:rPr lang="en-CA" sz="1200" dirty="0"/>
+            </a:br>
+            <a:r>
+              <a:rPr lang="en-CA" sz="1200" dirty="0"/>
+              <a:t>        }</a:t>
+            </a:r>
+            <a:br>
+              <a:rPr lang="en-CA" sz="1200" dirty="0"/>
+            </a:br>
+            <a:r>
+              <a:rPr lang="en-CA" sz="1200" dirty="0"/>
+              <a:t>    }</a:t>
+            </a:r>
+            <a:br>
+              <a:rPr lang="en-CA" sz="1200" dirty="0"/>
+            </a:br>
+            <a:r>
+              <a:rPr lang="en-CA" sz="1200" dirty="0"/>
+              <a:t>}</a:t>
+            </a:r>
+            <a:endParaRPr lang="en-US" sz="1200" dirty="0"/>
           </a:p>
         </p:txBody>
       </p:sp>
     </p:spTree>
     <p:extLst>
       <p:ext uri="{BB962C8B-B14F-4D97-AF65-F5344CB8AC3E}">
-        <p14:creationId xmlns:p14="http://schemas.microsoft.com/office/powerpoint/2010/main" val="657326296"/>
+        <p14:creationId xmlns:p14="http://schemas.microsoft.com/office/powerpoint/2010/main" val="588588114"/>
       </p:ext>
     </p:extLst>
   </p:cSld>
@@ -15967,7 +18302,7 @@
           <p:cNvPr id="2" name="Title 1">
             <a:extLst>
               <a:ext uri="{FF2B5EF4-FFF2-40B4-BE49-F238E27FC236}">
-                <a16:creationId xmlns:a16="http://schemas.microsoft.com/office/drawing/2014/main" id="{8BE2B699-41A8-574B-B6F4-E6531356CAAF}"/>
+                <a16:creationId xmlns:a16="http://schemas.microsoft.com/office/drawing/2014/main" id="{4DB18397-9891-0F4C-941B-07E8CE8563D5}"/>
               </a:ext>
             </a:extLst>
           </p:cNvPr>
@@ -15980,8 +18315,8 @@
         </p:nvSpPr>
         <p:spPr>
           <a:xfrm>
-            <a:off x="0" y="1"/>
-            <a:ext cx="12192000" cy="1017142"/>
+            <a:off x="0" y="0"/>
+            <a:ext cx="10081452" cy="776087"/>
           </a:xfrm>
         </p:spPr>
         <p:txBody>
@@ -15989,10 +18324,9 @@
           <a:lstStyle/>
           <a:p>
             <a:r>
-              <a:rPr lang="en-US" dirty="0" smtClean="0"/>
-              <a:t>Broadcasts</a:t>
-            </a:r>
-            <a:endParaRPr lang="en-US" dirty="0"/>
+              <a:rPr lang="en-US" dirty="0"/>
+              <a:t>Sending broadcasts</a:t>
+            </a:r>
           </a:p>
         </p:txBody>
       </p:sp>
@@ -16001,7 +18335,7 @@
           <p:cNvPr id="3" name="Content Placeholder 2">
             <a:extLst>
               <a:ext uri="{FF2B5EF4-FFF2-40B4-BE49-F238E27FC236}">
-                <a16:creationId xmlns:a16="http://schemas.microsoft.com/office/drawing/2014/main" id="{60CAE52C-DC51-3041-BD77-DB47BA21E4BB}"/>
+                <a16:creationId xmlns:a16="http://schemas.microsoft.com/office/drawing/2014/main" id="{71A90730-4716-1043-AEAF-DA699A886224}"/>
               </a:ext>
             </a:extLst>
           </p:cNvPr>
@@ -16014,15 +18348,98 @@
         </p:nvSpPr>
         <p:spPr>
           <a:xfrm>
-            <a:off x="0" y="1044789"/>
-            <a:ext cx="12192000" cy="5448477"/>
+            <a:off x="0" y="776087"/>
+            <a:ext cx="12192000" cy="5709238"/>
           </a:xfrm>
         </p:spPr>
         <p:txBody>
           <a:bodyPr/>
           <a:lstStyle/>
           <a:p>
-            <a:endParaRPr lang="en-US" dirty="0"/>
+            <a:r>
+              <a:rPr lang="en-US" dirty="0"/>
+              <a:t>Three ways to send broadcasts:</a:t>
+            </a:r>
+          </a:p>
+          <a:p>
+            <a:r>
+              <a:rPr lang="en-US" b="1" dirty="0"/>
+              <a:t>1) </a:t>
+            </a:r>
+            <a:r>
+              <a:rPr lang="en-US" b="1" dirty="0" err="1"/>
+              <a:t>sendOrderedBroadcast</a:t>
+            </a:r>
+            <a:r>
+              <a:rPr lang="en-US" b="1" dirty="0"/>
+              <a:t>(Intent, String) </a:t>
+            </a:r>
+            <a:r>
+              <a:rPr lang="en-US" dirty="0"/>
+              <a:t>– sends broadcasts to one receiver at a time. </a:t>
+            </a:r>
+          </a:p>
+          <a:p>
+            <a:r>
+              <a:rPr lang="en-US" dirty="0"/>
+              <a:t>As each receiver executes in turn, can propagate a result to the next receiver, or abort the broadcast. Control receiver order using </a:t>
+            </a:r>
+            <a:r>
+              <a:rPr lang="en-US" dirty="0" err="1"/>
+              <a:t>android:priority</a:t>
+            </a:r>
+            <a:r>
+              <a:rPr lang="en-US" dirty="0"/>
+              <a:t> attribute of matching intent filter</a:t>
+            </a:r>
+          </a:p>
+          <a:p>
+            <a:r>
+              <a:rPr lang="en-US" b="1" dirty="0"/>
+              <a:t>2) </a:t>
+            </a:r>
+            <a:r>
+              <a:rPr lang="en-US" b="1" dirty="0" err="1"/>
+              <a:t>sendBroadcast</a:t>
+            </a:r>
+            <a:r>
+              <a:rPr lang="en-US" b="1" dirty="0"/>
+              <a:t>(Intent) </a:t>
+            </a:r>
+            <a:r>
+              <a:rPr lang="en-US" dirty="0"/>
+              <a:t>- normal broadcast, sends broadcasts to all receivers in an undefined order. </a:t>
+            </a:r>
+          </a:p>
+          <a:p>
+            <a:r>
+              <a:rPr lang="en-US" dirty="0"/>
+              <a:t>Receivers cannot read results from other receivers, propagate data, or abort</a:t>
+            </a:r>
+          </a:p>
+          <a:p>
+            <a:r>
+              <a:rPr lang="en-US" b="1" dirty="0"/>
+              <a:t>3) </a:t>
+            </a:r>
+            <a:r>
+              <a:rPr lang="en-US" b="1" dirty="0" err="1"/>
+              <a:t>LocalBroadcastManager.sendBroadcast</a:t>
+            </a:r>
+            <a:r>
+              <a:rPr lang="en-US" b="1" dirty="0"/>
+              <a:t> </a:t>
+            </a:r>
+            <a:r>
+              <a:rPr lang="en-US" dirty="0"/>
+              <a:t>– send broadcasts to other receivers in the same app as the sender</a:t>
+            </a:r>
+          </a:p>
+          <a:p>
+            <a:r>
+              <a:rPr lang="en-US" dirty="0"/>
+              <a:t>Use this if you don’t need to send broadcasts across apps. More efficient + secure</a:t>
+            </a:r>
           </a:p>
         </p:txBody>
       </p:sp>
@@ -16031,7 +18448,7 @@
           <p:cNvPr id="4" name="TextBox 3">
             <a:extLst>
               <a:ext uri="{FF2B5EF4-FFF2-40B4-BE49-F238E27FC236}">
-                <a16:creationId xmlns:a16="http://schemas.microsoft.com/office/drawing/2014/main" id="{2DBC61C4-DA8A-BB46-8653-23A500E2AD31}"/>
+                <a16:creationId xmlns:a16="http://schemas.microsoft.com/office/drawing/2014/main" id="{05AAE830-D809-C844-9E4D-8589560B0CE3}"/>
               </a:ext>
             </a:extLst>
           </p:cNvPr>
@@ -16040,8 +18457,8 @@
         </p:nvSpPr>
         <p:spPr>
           <a:xfrm>
-            <a:off x="0" y="6493266"/>
-            <a:ext cx="8496728" cy="369332"/>
+            <a:off x="0" y="6485324"/>
+            <a:ext cx="8998003" cy="372676"/>
           </a:xfrm>
           <a:prstGeom prst="rect">
             <a:avLst/>
@@ -16055,19 +18472,735 @@
           <a:lstStyle/>
           <a:p>
             <a:r>
-              <a:rPr lang="en-CA" dirty="0">
-                <a:hlinkClick r:id="rId2"/>
-              </a:rPr>
-              <a:t>https://developer.android.com/guide/components/broadcasts</a:t>
-            </a:r>
-            <a:endParaRPr lang="en-US" dirty="0"/>
+              <a:rPr lang="en-US" dirty="0"/>
+              <a:t>https://</a:t>
+            </a:r>
+            <a:r>
+              <a:rPr lang="en-US" dirty="0" err="1"/>
+              <a:t>developer.android.com</a:t>
+            </a:r>
+            <a:r>
+              <a:rPr lang="en-US" dirty="0"/>
+              <a:t>/guide/components/broadcasts</a:t>
+            </a:r>
           </a:p>
         </p:txBody>
       </p:sp>
     </p:spTree>
     <p:extLst>
       <p:ext uri="{BB962C8B-B14F-4D97-AF65-F5344CB8AC3E}">
-        <p14:creationId xmlns:p14="http://schemas.microsoft.com/office/powerpoint/2010/main" val="1645994337"/>
+        <p14:creationId xmlns:p14="http://schemas.microsoft.com/office/powerpoint/2010/main" val="2514255758"/>
+      </p:ext>
+    </p:extLst>
+  </p:cSld>
+  <p:clrMapOvr>
+    <a:masterClrMapping/>
+  </p:clrMapOvr>
+</p:sld>
+</file>
+
+<file path=ppt/slides/slide28.xml><?xml version="1.0" encoding="utf-8"?>
+<p:sld xmlns:a="http://schemas.openxmlformats.org/drawingml/2006/main" xmlns:r="http://schemas.openxmlformats.org/officeDocument/2006/relationships" xmlns:p="http://schemas.openxmlformats.org/presentationml/2006/main">
+  <p:cSld>
+    <p:spTree>
+      <p:nvGrpSpPr>
+        <p:cNvPr id="1" name=""/>
+        <p:cNvGrpSpPr/>
+        <p:nvPr/>
+      </p:nvGrpSpPr>
+      <p:grpSpPr>
+        <a:xfrm>
+          <a:off x="0" y="0"/>
+          <a:ext cx="0" cy="0"/>
+          <a:chOff x="0" y="0"/>
+          <a:chExt cx="0" cy="0"/>
+        </a:xfrm>
+      </p:grpSpPr>
+      <p:sp>
+        <p:nvSpPr>
+          <p:cNvPr id="2" name="Title 1">
+            <a:extLst>
+              <a:ext uri="{FF2B5EF4-FFF2-40B4-BE49-F238E27FC236}">
+                <a16:creationId xmlns:a16="http://schemas.microsoft.com/office/drawing/2014/main" id="{4DB18397-9891-0F4C-941B-07E8CE8563D5}"/>
+              </a:ext>
+            </a:extLst>
+          </p:cNvPr>
+          <p:cNvSpPr>
+            <a:spLocks noGrp="1"/>
+          </p:cNvSpPr>
+          <p:nvPr>
+            <p:ph type="title"/>
+          </p:nvPr>
+        </p:nvSpPr>
+        <p:spPr>
+          <a:xfrm>
+            <a:off x="0" y="0"/>
+            <a:ext cx="10081452" cy="776087"/>
+          </a:xfrm>
+        </p:spPr>
+        <p:txBody>
+          <a:bodyPr/>
+          <a:lstStyle/>
+          <a:p>
+            <a:r>
+              <a:rPr lang="en-US" dirty="0"/>
+              <a:t>Sending a broadcast example:</a:t>
+            </a:r>
+          </a:p>
+        </p:txBody>
+      </p:sp>
+      <p:sp>
+        <p:nvSpPr>
+          <p:cNvPr id="3" name="Content Placeholder 2">
+            <a:extLst>
+              <a:ext uri="{FF2B5EF4-FFF2-40B4-BE49-F238E27FC236}">
+                <a16:creationId xmlns:a16="http://schemas.microsoft.com/office/drawing/2014/main" id="{71A90730-4716-1043-AEAF-DA699A886224}"/>
+              </a:ext>
+            </a:extLst>
+          </p:cNvPr>
+          <p:cNvSpPr>
+            <a:spLocks noGrp="1"/>
+          </p:cNvSpPr>
+          <p:nvPr>
+            <p:ph idx="1"/>
+          </p:nvPr>
+        </p:nvSpPr>
+        <p:spPr>
+          <a:xfrm>
+            <a:off x="0" y="776087"/>
+            <a:ext cx="12192000" cy="5709238"/>
+          </a:xfrm>
+        </p:spPr>
+        <p:txBody>
+          <a:bodyPr/>
+          <a:lstStyle/>
+          <a:p>
+            <a:r>
+              <a:rPr lang="en-US" dirty="0"/>
+              <a:t>Send a broadcast by creating an intent and calling </a:t>
+            </a:r>
+            <a:r>
+              <a:rPr lang="en-US" dirty="0" err="1"/>
+              <a:t>sendBroadcast</a:t>
+            </a:r>
+            <a:r>
+              <a:rPr lang="en-US" dirty="0"/>
+              <a:t>(Intent)</a:t>
+            </a:r>
+          </a:p>
+          <a:p>
+            <a:endParaRPr lang="en-US" dirty="0"/>
+          </a:p>
+          <a:p>
+            <a:endParaRPr lang="en-US" dirty="0"/>
+          </a:p>
+          <a:p>
+            <a:endParaRPr lang="en-US" dirty="0"/>
+          </a:p>
+          <a:p>
+            <a:r>
+              <a:rPr lang="en-US" dirty="0"/>
+              <a:t>Broadcast message is wrapped in an Intent object</a:t>
+            </a:r>
+          </a:p>
+          <a:p>
+            <a:r>
+              <a:rPr lang="en-US" dirty="0"/>
+              <a:t>Intent’s action string must provide app’s java package name syntax and uniquely identify the broadcast event</a:t>
+            </a:r>
+          </a:p>
+          <a:p>
+            <a:r>
+              <a:rPr lang="en-US" dirty="0"/>
+              <a:t>Can attach additional information to the intent with </a:t>
+            </a:r>
+            <a:r>
+              <a:rPr lang="en-US" dirty="0" err="1"/>
+              <a:t>putExtra</a:t>
+            </a:r>
+            <a:r>
+              <a:rPr lang="en-US" dirty="0"/>
+              <a:t>(String, Bundle)</a:t>
+            </a:r>
+          </a:p>
+          <a:p>
+            <a:r>
+              <a:rPr lang="en-US" dirty="0"/>
+              <a:t>Can limit a broadcast to a set of apps by calling </a:t>
+            </a:r>
+            <a:r>
+              <a:rPr lang="en-US" dirty="0" err="1"/>
+              <a:t>setPackage</a:t>
+            </a:r>
+            <a:r>
+              <a:rPr lang="en-US" dirty="0"/>
+              <a:t>(String) on the intent</a:t>
+            </a:r>
+          </a:p>
+          <a:p>
+            <a:r>
+              <a:rPr lang="en-US" dirty="0"/>
+              <a:t>Intents are used to start activities as well, but these actions are unrelated (a broadcast receiver will never respond to a </a:t>
+            </a:r>
+            <a:r>
+              <a:rPr lang="en-US" dirty="0" err="1"/>
+              <a:t>startActivity</a:t>
+            </a:r>
+            <a:r>
+              <a:rPr lang="en-US" dirty="0"/>
+              <a:t>() intent)</a:t>
+            </a:r>
+          </a:p>
+        </p:txBody>
+      </p:sp>
+      <p:sp>
+        <p:nvSpPr>
+          <p:cNvPr id="4" name="TextBox 3">
+            <a:extLst>
+              <a:ext uri="{FF2B5EF4-FFF2-40B4-BE49-F238E27FC236}">
+                <a16:creationId xmlns:a16="http://schemas.microsoft.com/office/drawing/2014/main" id="{05AAE830-D809-C844-9E4D-8589560B0CE3}"/>
+              </a:ext>
+            </a:extLst>
+          </p:cNvPr>
+          <p:cNvSpPr txBox="1"/>
+          <p:nvPr/>
+        </p:nvSpPr>
+        <p:spPr>
+          <a:xfrm>
+            <a:off x="0" y="6485324"/>
+            <a:ext cx="8998003" cy="372676"/>
+          </a:xfrm>
+          <a:prstGeom prst="rect">
+            <a:avLst/>
+          </a:prstGeom>
+          <a:noFill/>
+        </p:spPr>
+        <p:txBody>
+          <a:bodyPr wrap="square" rtlCol="0">
+            <a:spAutoFit/>
+          </a:bodyPr>
+          <a:lstStyle/>
+          <a:p>
+            <a:r>
+              <a:rPr lang="en-US" dirty="0"/>
+              <a:t>https://</a:t>
+            </a:r>
+            <a:r>
+              <a:rPr lang="en-US" dirty="0" err="1"/>
+              <a:t>developer.android.com</a:t>
+            </a:r>
+            <a:r>
+              <a:rPr lang="en-US" dirty="0"/>
+              <a:t>/guide/components/broadcasts</a:t>
+            </a:r>
+          </a:p>
+        </p:txBody>
+      </p:sp>
+      <p:sp>
+        <p:nvSpPr>
+          <p:cNvPr id="5" name="Rectangle 4">
+            <a:extLst>
+              <a:ext uri="{FF2B5EF4-FFF2-40B4-BE49-F238E27FC236}">
+                <a16:creationId xmlns:a16="http://schemas.microsoft.com/office/drawing/2014/main" id="{953C57E6-6108-974C-990F-BDA5232C394A}"/>
+              </a:ext>
+            </a:extLst>
+          </p:cNvPr>
+          <p:cNvSpPr/>
+          <p:nvPr/>
+        </p:nvSpPr>
+        <p:spPr>
+          <a:xfrm>
+            <a:off x="1334460" y="1346118"/>
+            <a:ext cx="7202502" cy="1200329"/>
+          </a:xfrm>
+          <a:prstGeom prst="rect">
+            <a:avLst/>
+          </a:prstGeom>
+        </p:spPr>
+        <p:txBody>
+          <a:bodyPr wrap="square">
+            <a:spAutoFit/>
+          </a:bodyPr>
+          <a:lstStyle/>
+          <a:p>
+            <a:r>
+              <a:rPr lang="en-CA" dirty="0"/>
+              <a:t>Intent intent = </a:t>
+            </a:r>
+            <a:r>
+              <a:rPr lang="en-CA" b="1" dirty="0">
+                <a:solidFill>
+                  <a:srgbClr val="000080"/>
+                </a:solidFill>
+                <a:effectLst/>
+              </a:rPr>
+              <a:t>new </a:t>
+            </a:r>
+            <a:r>
+              <a:rPr lang="en-CA" dirty="0"/>
+              <a:t>Intent();</a:t>
+            </a:r>
+            <a:br>
+              <a:rPr lang="en-CA" dirty="0"/>
+            </a:br>
+            <a:r>
+              <a:rPr lang="en-CA" dirty="0" err="1"/>
+              <a:t>intent.setAction</a:t>
+            </a:r>
+            <a:r>
+              <a:rPr lang="en-CA" dirty="0"/>
+              <a:t>(</a:t>
+            </a:r>
+            <a:r>
+              <a:rPr lang="en-CA" b="1" dirty="0">
+                <a:solidFill>
+                  <a:srgbClr val="008000"/>
+                </a:solidFill>
+                <a:effectLst/>
+              </a:rPr>
+              <a:t>"</a:t>
+            </a:r>
+            <a:r>
+              <a:rPr lang="en-CA" b="1" dirty="0" err="1">
+                <a:solidFill>
+                  <a:srgbClr val="008000"/>
+                </a:solidFill>
+                <a:effectLst/>
+              </a:rPr>
+              <a:t>com.example.broadcast.MY_NOTIFICATION</a:t>
+            </a:r>
+            <a:r>
+              <a:rPr lang="en-CA" b="1" dirty="0">
+                <a:solidFill>
+                  <a:srgbClr val="008000"/>
+                </a:solidFill>
+                <a:effectLst/>
+              </a:rPr>
+              <a:t>"</a:t>
+            </a:r>
+            <a:r>
+              <a:rPr lang="en-CA" dirty="0"/>
+              <a:t>);</a:t>
+            </a:r>
+            <a:br>
+              <a:rPr lang="en-CA" dirty="0"/>
+            </a:br>
+            <a:r>
+              <a:rPr lang="en-CA" dirty="0" err="1"/>
+              <a:t>intent.putExtra</a:t>
+            </a:r>
+            <a:r>
+              <a:rPr lang="en-CA" dirty="0"/>
+              <a:t>(</a:t>
+            </a:r>
+            <a:r>
+              <a:rPr lang="en-CA" b="1" dirty="0">
+                <a:solidFill>
+                  <a:srgbClr val="008000"/>
+                </a:solidFill>
+                <a:effectLst/>
+              </a:rPr>
+              <a:t>"</a:t>
+            </a:r>
+            <a:r>
+              <a:rPr lang="en-CA" b="1" dirty="0" err="1">
+                <a:solidFill>
+                  <a:srgbClr val="008000"/>
+                </a:solidFill>
+                <a:effectLst/>
+              </a:rPr>
+              <a:t>data"</a:t>
+            </a:r>
+            <a:r>
+              <a:rPr lang="en-CA" dirty="0" err="1"/>
+              <a:t>,</a:t>
+            </a:r>
+            <a:r>
+              <a:rPr lang="en-CA" b="1" dirty="0" err="1">
+                <a:solidFill>
+                  <a:srgbClr val="008000"/>
+                </a:solidFill>
+                <a:effectLst/>
+              </a:rPr>
+              <a:t>"Notice</a:t>
+            </a:r>
+            <a:r>
+              <a:rPr lang="en-CA" b="1" dirty="0">
+                <a:solidFill>
+                  <a:srgbClr val="008000"/>
+                </a:solidFill>
+                <a:effectLst/>
+              </a:rPr>
+              <a:t> me senpai!"</a:t>
+            </a:r>
+            <a:r>
+              <a:rPr lang="en-CA" dirty="0"/>
+              <a:t>);</a:t>
+            </a:r>
+            <a:br>
+              <a:rPr lang="en-CA" dirty="0"/>
+            </a:br>
+            <a:r>
+              <a:rPr lang="en-CA" dirty="0" err="1"/>
+              <a:t>sendBroadcast</a:t>
+            </a:r>
+            <a:r>
+              <a:rPr lang="en-CA" dirty="0"/>
+              <a:t>(intent);</a:t>
+            </a:r>
+            <a:endParaRPr lang="en-US" dirty="0"/>
+          </a:p>
+        </p:txBody>
+      </p:sp>
+    </p:spTree>
+    <p:extLst>
+      <p:ext uri="{BB962C8B-B14F-4D97-AF65-F5344CB8AC3E}">
+        <p14:creationId xmlns:p14="http://schemas.microsoft.com/office/powerpoint/2010/main" val="3274434864"/>
+      </p:ext>
+    </p:extLst>
+  </p:cSld>
+  <p:clrMapOvr>
+    <a:masterClrMapping/>
+  </p:clrMapOvr>
+</p:sld>
+</file>
+
+<file path=ppt/slides/slide29.xml><?xml version="1.0" encoding="utf-8"?>
+<p:sld xmlns:a="http://schemas.openxmlformats.org/drawingml/2006/main" xmlns:r="http://schemas.openxmlformats.org/officeDocument/2006/relationships" xmlns:p="http://schemas.openxmlformats.org/presentationml/2006/main">
+  <p:cSld>
+    <p:spTree>
+      <p:nvGrpSpPr>
+        <p:cNvPr id="1" name=""/>
+        <p:cNvGrpSpPr/>
+        <p:nvPr/>
+      </p:nvGrpSpPr>
+      <p:grpSpPr>
+        <a:xfrm>
+          <a:off x="0" y="0"/>
+          <a:ext cx="0" cy="0"/>
+          <a:chOff x="0" y="0"/>
+          <a:chExt cx="0" cy="0"/>
+        </a:xfrm>
+      </p:grpSpPr>
+      <p:sp>
+        <p:nvSpPr>
+          <p:cNvPr id="2" name="Title 1">
+            <a:extLst>
+              <a:ext uri="{FF2B5EF4-FFF2-40B4-BE49-F238E27FC236}">
+                <a16:creationId xmlns:a16="http://schemas.microsoft.com/office/drawing/2014/main" id="{4DB18397-9891-0F4C-941B-07E8CE8563D5}"/>
+              </a:ext>
+            </a:extLst>
+          </p:cNvPr>
+          <p:cNvSpPr>
+            <a:spLocks noGrp="1"/>
+          </p:cNvSpPr>
+          <p:nvPr>
+            <p:ph type="title"/>
+          </p:nvPr>
+        </p:nvSpPr>
+        <p:spPr>
+          <a:xfrm>
+            <a:off x="0" y="0"/>
+            <a:ext cx="10081452" cy="776087"/>
+          </a:xfrm>
+        </p:spPr>
+        <p:txBody>
+          <a:bodyPr/>
+          <a:lstStyle/>
+          <a:p>
+            <a:r>
+              <a:rPr lang="en-US" dirty="0"/>
+              <a:t>Restricting broadcasts with permissions</a:t>
+            </a:r>
+          </a:p>
+        </p:txBody>
+      </p:sp>
+      <p:sp>
+        <p:nvSpPr>
+          <p:cNvPr id="3" name="Content Placeholder 2">
+            <a:extLst>
+              <a:ext uri="{FF2B5EF4-FFF2-40B4-BE49-F238E27FC236}">
+                <a16:creationId xmlns:a16="http://schemas.microsoft.com/office/drawing/2014/main" id="{71A90730-4716-1043-AEAF-DA699A886224}"/>
+              </a:ext>
+            </a:extLst>
+          </p:cNvPr>
+          <p:cNvSpPr>
+            <a:spLocks noGrp="1"/>
+          </p:cNvSpPr>
+          <p:nvPr>
+            <p:ph idx="1"/>
+          </p:nvPr>
+        </p:nvSpPr>
+        <p:spPr>
+          <a:xfrm>
+            <a:off x="0" y="776087"/>
+            <a:ext cx="12192000" cy="5709238"/>
+          </a:xfrm>
+        </p:spPr>
+        <p:txBody>
+          <a:bodyPr/>
+          <a:lstStyle/>
+          <a:p>
+            <a:r>
+              <a:rPr lang="en-US" dirty="0"/>
+              <a:t>You can restrict broadcasts to a set of apps holding certain permissions</a:t>
+            </a:r>
+          </a:p>
+          <a:p>
+            <a:r>
+              <a:rPr lang="en-US" dirty="0"/>
+              <a:t>Can enforce permissions on either the sender or receiver of a broadcast</a:t>
+            </a:r>
+          </a:p>
+          <a:p>
+            <a:r>
+              <a:rPr lang="en-US" dirty="0"/>
+              <a:t>Sending with permissions: when you call </a:t>
+            </a:r>
+            <a:r>
+              <a:rPr lang="en-US" dirty="0" err="1"/>
+              <a:t>sendBroadcast</a:t>
+            </a:r>
+            <a:r>
+              <a:rPr lang="en-US" dirty="0"/>
+              <a:t>(), can specify a permission parameter</a:t>
+            </a:r>
+          </a:p>
+          <a:p>
+            <a:r>
+              <a:rPr lang="en-US" dirty="0"/>
+              <a:t>Only receivers who have requested that permission in the manifest (and been granted) can receive the broadcast. Example:</a:t>
+            </a:r>
+          </a:p>
+          <a:p>
+            <a:endParaRPr lang="en-US" dirty="0"/>
+          </a:p>
+          <a:p>
+            <a:r>
+              <a:rPr lang="en-US" dirty="0"/>
+              <a:t>To receive this broadcast, receiving app must have permission:</a:t>
+            </a:r>
+          </a:p>
+          <a:p>
+            <a:endParaRPr lang="en-US" dirty="0"/>
+          </a:p>
+          <a:p>
+            <a:endParaRPr lang="en-US" dirty="0"/>
+          </a:p>
+        </p:txBody>
+      </p:sp>
+      <p:sp>
+        <p:nvSpPr>
+          <p:cNvPr id="4" name="TextBox 3">
+            <a:extLst>
+              <a:ext uri="{FF2B5EF4-FFF2-40B4-BE49-F238E27FC236}">
+                <a16:creationId xmlns:a16="http://schemas.microsoft.com/office/drawing/2014/main" id="{05AAE830-D809-C844-9E4D-8589560B0CE3}"/>
+              </a:ext>
+            </a:extLst>
+          </p:cNvPr>
+          <p:cNvSpPr txBox="1"/>
+          <p:nvPr/>
+        </p:nvSpPr>
+        <p:spPr>
+          <a:xfrm>
+            <a:off x="0" y="6485324"/>
+            <a:ext cx="8998003" cy="372676"/>
+          </a:xfrm>
+          <a:prstGeom prst="rect">
+            <a:avLst/>
+          </a:prstGeom>
+          <a:noFill/>
+        </p:spPr>
+        <p:txBody>
+          <a:bodyPr wrap="square" rtlCol="0">
+            <a:spAutoFit/>
+          </a:bodyPr>
+          <a:lstStyle/>
+          <a:p>
+            <a:r>
+              <a:rPr lang="en-US" dirty="0"/>
+              <a:t>https://</a:t>
+            </a:r>
+            <a:r>
+              <a:rPr lang="en-US" dirty="0" err="1"/>
+              <a:t>developer.android.com</a:t>
+            </a:r>
+            <a:r>
+              <a:rPr lang="en-US" dirty="0"/>
+              <a:t>/guide/components/broadcasts</a:t>
+            </a:r>
+          </a:p>
+        </p:txBody>
+      </p:sp>
+      <p:sp>
+        <p:nvSpPr>
+          <p:cNvPr id="5" name="Rectangle 4">
+            <a:extLst>
+              <a:ext uri="{FF2B5EF4-FFF2-40B4-BE49-F238E27FC236}">
+                <a16:creationId xmlns:a16="http://schemas.microsoft.com/office/drawing/2014/main" id="{9B1A4706-F602-E44B-A890-6166EB427B22}"/>
+              </a:ext>
+            </a:extLst>
+          </p:cNvPr>
+          <p:cNvSpPr/>
+          <p:nvPr/>
+        </p:nvSpPr>
+        <p:spPr>
+          <a:xfrm>
+            <a:off x="1242251" y="3528269"/>
+            <a:ext cx="8992881" cy="369332"/>
+          </a:xfrm>
+          <a:prstGeom prst="rect">
+            <a:avLst/>
+          </a:prstGeom>
+        </p:spPr>
+        <p:txBody>
+          <a:bodyPr wrap="square">
+            <a:spAutoFit/>
+          </a:bodyPr>
+          <a:lstStyle/>
+          <a:p>
+            <a:r>
+              <a:rPr lang="en-CA" dirty="0" err="1"/>
+              <a:t>sendBroadcast</a:t>
+            </a:r>
+            <a:r>
+              <a:rPr lang="en-CA" dirty="0"/>
+              <a:t>(</a:t>
+            </a:r>
+            <a:r>
+              <a:rPr lang="en-CA" b="1" dirty="0">
+                <a:solidFill>
+                  <a:srgbClr val="000080"/>
+                </a:solidFill>
+                <a:effectLst/>
+              </a:rPr>
+              <a:t>new </a:t>
+            </a:r>
+            <a:r>
+              <a:rPr lang="en-CA" dirty="0"/>
+              <a:t>Intent(</a:t>
+            </a:r>
+            <a:r>
+              <a:rPr lang="en-CA" b="1" dirty="0">
+                <a:solidFill>
+                  <a:srgbClr val="008000"/>
+                </a:solidFill>
+                <a:effectLst/>
+              </a:rPr>
+              <a:t>"</a:t>
+            </a:r>
+            <a:r>
+              <a:rPr lang="en-CA" b="1" dirty="0" err="1">
+                <a:solidFill>
+                  <a:srgbClr val="008000"/>
+                </a:solidFill>
+                <a:effectLst/>
+              </a:rPr>
+              <a:t>com.example.NOTIFY</a:t>
+            </a:r>
+            <a:r>
+              <a:rPr lang="en-CA" b="1" dirty="0">
+                <a:solidFill>
+                  <a:srgbClr val="008000"/>
+                </a:solidFill>
+                <a:effectLst/>
+              </a:rPr>
+              <a:t>"</a:t>
+            </a:r>
+            <a:r>
+              <a:rPr lang="en-CA" dirty="0"/>
+              <a:t>),</a:t>
+            </a:r>
+            <a:r>
+              <a:rPr lang="en-CA" dirty="0" err="1"/>
+              <a:t>Manifest.permission.SEND_SMS</a:t>
+            </a:r>
+            <a:r>
+              <a:rPr lang="en-CA" dirty="0"/>
+              <a:t>);</a:t>
+            </a:r>
+            <a:endParaRPr lang="en-US" dirty="0"/>
+          </a:p>
+        </p:txBody>
+      </p:sp>
+      <p:sp>
+        <p:nvSpPr>
+          <p:cNvPr id="6" name="Rectangle 5">
+            <a:extLst>
+              <a:ext uri="{FF2B5EF4-FFF2-40B4-BE49-F238E27FC236}">
+                <a16:creationId xmlns:a16="http://schemas.microsoft.com/office/drawing/2014/main" id="{8257458D-E7A9-A343-892B-ABB07309352B}"/>
+              </a:ext>
+            </a:extLst>
+          </p:cNvPr>
+          <p:cNvSpPr/>
+          <p:nvPr/>
+        </p:nvSpPr>
+        <p:spPr>
+          <a:xfrm>
+            <a:off x="1242251" y="4489022"/>
+            <a:ext cx="7855644" cy="369332"/>
+          </a:xfrm>
+          <a:prstGeom prst="rect">
+            <a:avLst/>
+          </a:prstGeom>
+        </p:spPr>
+        <p:txBody>
+          <a:bodyPr wrap="square">
+            <a:spAutoFit/>
+          </a:bodyPr>
+          <a:lstStyle/>
+          <a:p>
+            <a:r>
+              <a:rPr lang="en-CA" dirty="0"/>
+              <a:t>&lt;uses-permission </a:t>
+            </a:r>
+            <a:r>
+              <a:rPr lang="en-CA" dirty="0" err="1"/>
+              <a:t>android:name</a:t>
+            </a:r>
+            <a:r>
+              <a:rPr lang="en-CA" dirty="0"/>
+              <a:t>=</a:t>
+            </a:r>
+            <a:r>
+              <a:rPr lang="en-CA" b="1" dirty="0">
+                <a:solidFill>
+                  <a:srgbClr val="008000"/>
+                </a:solidFill>
+                <a:effectLst/>
+              </a:rPr>
+              <a:t>"</a:t>
+            </a:r>
+            <a:r>
+              <a:rPr lang="en-CA" b="1" dirty="0" err="1">
+                <a:solidFill>
+                  <a:srgbClr val="008000"/>
+                </a:solidFill>
+                <a:effectLst/>
+              </a:rPr>
+              <a:t>android.permission.SEND_SMS</a:t>
+            </a:r>
+            <a:r>
+              <a:rPr lang="en-CA" b="1" dirty="0">
+                <a:solidFill>
+                  <a:srgbClr val="008000"/>
+                </a:solidFill>
+                <a:effectLst/>
+              </a:rPr>
+              <a:t>"</a:t>
+            </a:r>
+            <a:r>
+              <a:rPr lang="en-CA" dirty="0"/>
+              <a:t>/&gt;</a:t>
+            </a:r>
+            <a:endParaRPr lang="en-US" dirty="0"/>
+          </a:p>
+        </p:txBody>
+      </p:sp>
+    </p:spTree>
+    <p:extLst>
+      <p:ext uri="{BB962C8B-B14F-4D97-AF65-F5344CB8AC3E}">
+        <p14:creationId xmlns:p14="http://schemas.microsoft.com/office/powerpoint/2010/main" val="1169873270"/>
       </p:ext>
     </p:extLst>
   </p:cSld>
@@ -16325,6 +19458,1303 @@
     <p:extLst>
       <p:ext uri="{BB962C8B-B14F-4D97-AF65-F5344CB8AC3E}">
         <p14:creationId xmlns:p14="http://schemas.microsoft.com/office/powerpoint/2010/main" val="3652690575"/>
+      </p:ext>
+    </p:extLst>
+  </p:cSld>
+  <p:clrMapOvr>
+    <a:masterClrMapping/>
+  </p:clrMapOvr>
+</p:sld>
+</file>
+
+<file path=ppt/slides/slide30.xml><?xml version="1.0" encoding="utf-8"?>
+<p:sld xmlns:a="http://schemas.openxmlformats.org/drawingml/2006/main" xmlns:r="http://schemas.openxmlformats.org/officeDocument/2006/relationships" xmlns:p="http://schemas.openxmlformats.org/presentationml/2006/main">
+  <p:cSld>
+    <p:spTree>
+      <p:nvGrpSpPr>
+        <p:cNvPr id="1" name=""/>
+        <p:cNvGrpSpPr/>
+        <p:nvPr/>
+      </p:nvGrpSpPr>
+      <p:grpSpPr>
+        <a:xfrm>
+          <a:off x="0" y="0"/>
+          <a:ext cx="0" cy="0"/>
+          <a:chOff x="0" y="0"/>
+          <a:chExt cx="0" cy="0"/>
+        </a:xfrm>
+      </p:grpSpPr>
+      <p:sp>
+        <p:nvSpPr>
+          <p:cNvPr id="2" name="Title 1">
+            <a:extLst>
+              <a:ext uri="{FF2B5EF4-FFF2-40B4-BE49-F238E27FC236}">
+                <a16:creationId xmlns:a16="http://schemas.microsoft.com/office/drawing/2014/main" id="{4DB18397-9891-0F4C-941B-07E8CE8563D5}"/>
+              </a:ext>
+            </a:extLst>
+          </p:cNvPr>
+          <p:cNvSpPr>
+            <a:spLocks noGrp="1"/>
+          </p:cNvSpPr>
+          <p:nvPr>
+            <p:ph type="title"/>
+          </p:nvPr>
+        </p:nvSpPr>
+        <p:spPr>
+          <a:xfrm>
+            <a:off x="0" y="0"/>
+            <a:ext cx="10081452" cy="776087"/>
+          </a:xfrm>
+        </p:spPr>
+        <p:txBody>
+          <a:bodyPr/>
+          <a:lstStyle/>
+          <a:p>
+            <a:r>
+              <a:rPr lang="en-US" dirty="0"/>
+              <a:t>Receiving with permissions</a:t>
+            </a:r>
+          </a:p>
+        </p:txBody>
+      </p:sp>
+      <p:sp>
+        <p:nvSpPr>
+          <p:cNvPr id="3" name="Content Placeholder 2">
+            <a:extLst>
+              <a:ext uri="{FF2B5EF4-FFF2-40B4-BE49-F238E27FC236}">
+                <a16:creationId xmlns:a16="http://schemas.microsoft.com/office/drawing/2014/main" id="{71A90730-4716-1043-AEAF-DA699A886224}"/>
+              </a:ext>
+            </a:extLst>
+          </p:cNvPr>
+          <p:cNvSpPr>
+            <a:spLocks noGrp="1"/>
+          </p:cNvSpPr>
+          <p:nvPr>
+            <p:ph idx="1"/>
+          </p:nvPr>
+        </p:nvSpPr>
+        <p:spPr>
+          <a:xfrm>
+            <a:off x="0" y="776087"/>
+            <a:ext cx="12192000" cy="5709238"/>
+          </a:xfrm>
+        </p:spPr>
+        <p:txBody>
+          <a:bodyPr/>
+          <a:lstStyle/>
+          <a:p>
+            <a:r>
+              <a:rPr lang="en-US" dirty="0"/>
+              <a:t>If you specify a permission parameter when registering a broadcast receiver (either in manifest, or in context), then only broadcasters who have requested the appropriate permission in manifest can send an intent to your receiver</a:t>
+            </a:r>
+          </a:p>
+          <a:p>
+            <a:r>
+              <a:rPr lang="en-US" dirty="0"/>
+              <a:t>Example: manifest-declared receiver with permission:</a:t>
+            </a:r>
+          </a:p>
+          <a:p>
+            <a:endParaRPr lang="en-US" dirty="0"/>
+          </a:p>
+          <a:p>
+            <a:endParaRPr lang="en-US" dirty="0"/>
+          </a:p>
+          <a:p>
+            <a:endParaRPr lang="en-US" dirty="0"/>
+          </a:p>
+          <a:p>
+            <a:r>
+              <a:rPr lang="en-US" dirty="0"/>
+              <a:t>Or, a context-registered receiver:</a:t>
+            </a:r>
+          </a:p>
+          <a:p>
+            <a:endParaRPr lang="en-US" dirty="0"/>
+          </a:p>
+          <a:p>
+            <a:r>
+              <a:rPr lang="en-US" dirty="0"/>
+              <a:t>Any app wishing to send broadcasts to those receivers must request:</a:t>
+            </a:r>
+          </a:p>
+          <a:p>
+            <a:endParaRPr lang="en-US" dirty="0"/>
+          </a:p>
+        </p:txBody>
+      </p:sp>
+      <p:sp>
+        <p:nvSpPr>
+          <p:cNvPr id="4" name="TextBox 3">
+            <a:extLst>
+              <a:ext uri="{FF2B5EF4-FFF2-40B4-BE49-F238E27FC236}">
+                <a16:creationId xmlns:a16="http://schemas.microsoft.com/office/drawing/2014/main" id="{05AAE830-D809-C844-9E4D-8589560B0CE3}"/>
+              </a:ext>
+            </a:extLst>
+          </p:cNvPr>
+          <p:cNvSpPr txBox="1"/>
+          <p:nvPr/>
+        </p:nvSpPr>
+        <p:spPr>
+          <a:xfrm>
+            <a:off x="0" y="6485324"/>
+            <a:ext cx="8998003" cy="372676"/>
+          </a:xfrm>
+          <a:prstGeom prst="rect">
+            <a:avLst/>
+          </a:prstGeom>
+          <a:noFill/>
+        </p:spPr>
+        <p:txBody>
+          <a:bodyPr wrap="square" rtlCol="0">
+            <a:spAutoFit/>
+          </a:bodyPr>
+          <a:lstStyle/>
+          <a:p>
+            <a:r>
+              <a:rPr lang="en-US" dirty="0"/>
+              <a:t>https://</a:t>
+            </a:r>
+            <a:r>
+              <a:rPr lang="en-US" dirty="0" err="1"/>
+              <a:t>developer.android.com</a:t>
+            </a:r>
+            <a:r>
+              <a:rPr lang="en-US" dirty="0"/>
+              <a:t>/guide/components/broadcasts</a:t>
+            </a:r>
+          </a:p>
+        </p:txBody>
+      </p:sp>
+      <p:sp>
+        <p:nvSpPr>
+          <p:cNvPr id="5" name="Rectangle 4">
+            <a:extLst>
+              <a:ext uri="{FF2B5EF4-FFF2-40B4-BE49-F238E27FC236}">
+                <a16:creationId xmlns:a16="http://schemas.microsoft.com/office/drawing/2014/main" id="{3D7EAB09-07DE-F449-9AFD-075180E5B759}"/>
+              </a:ext>
+            </a:extLst>
+          </p:cNvPr>
+          <p:cNvSpPr/>
+          <p:nvPr/>
+        </p:nvSpPr>
+        <p:spPr>
+          <a:xfrm>
+            <a:off x="2125915" y="2459442"/>
+            <a:ext cx="8209109" cy="1754326"/>
+          </a:xfrm>
+          <a:prstGeom prst="rect">
+            <a:avLst/>
+          </a:prstGeom>
+        </p:spPr>
+        <p:txBody>
+          <a:bodyPr wrap="square">
+            <a:spAutoFit/>
+          </a:bodyPr>
+          <a:lstStyle/>
+          <a:p>
+            <a:r>
+              <a:rPr lang="en-CA" dirty="0"/>
+              <a:t>&lt;</a:t>
+            </a:r>
+            <a:r>
+              <a:rPr lang="en-CA" b="1" dirty="0">
+                <a:solidFill>
+                  <a:srgbClr val="000080"/>
+                </a:solidFill>
+                <a:effectLst/>
+              </a:rPr>
+              <a:t>receiver </a:t>
+            </a:r>
+            <a:r>
+              <a:rPr lang="en-CA" b="1" dirty="0" err="1">
+                <a:solidFill>
+                  <a:srgbClr val="660E7A"/>
+                </a:solidFill>
+                <a:effectLst/>
+              </a:rPr>
+              <a:t>android</a:t>
+            </a:r>
+            <a:r>
+              <a:rPr lang="en-CA" b="1" dirty="0" err="1">
+                <a:solidFill>
+                  <a:srgbClr val="0000FF"/>
+                </a:solidFill>
+                <a:effectLst/>
+              </a:rPr>
+              <a:t>:name</a:t>
+            </a:r>
+            <a:r>
+              <a:rPr lang="en-CA" b="1" dirty="0">
+                <a:solidFill>
+                  <a:srgbClr val="008000"/>
+                </a:solidFill>
+                <a:effectLst/>
+              </a:rPr>
+              <a:t>=".</a:t>
+            </a:r>
+            <a:r>
+              <a:rPr lang="en-CA" b="1" dirty="0" err="1">
+                <a:solidFill>
+                  <a:srgbClr val="008000"/>
+                </a:solidFill>
+                <a:effectLst/>
+              </a:rPr>
+              <a:t>MyBroadcastReceiver</a:t>
+            </a:r>
+            <a:r>
+              <a:rPr lang="en-CA" b="1" dirty="0">
+                <a:solidFill>
+                  <a:srgbClr val="008000"/>
+                </a:solidFill>
+                <a:effectLst/>
+              </a:rPr>
+              <a:t>"</a:t>
+            </a:r>
+            <a:br>
+              <a:rPr lang="en-CA" b="1" dirty="0">
+                <a:solidFill>
+                  <a:srgbClr val="008000"/>
+                </a:solidFill>
+                <a:effectLst/>
+              </a:rPr>
+            </a:br>
+            <a:r>
+              <a:rPr lang="en-CA" b="1" dirty="0">
+                <a:solidFill>
+                  <a:srgbClr val="008000"/>
+                </a:solidFill>
+                <a:effectLst/>
+              </a:rPr>
+              <a:t>    </a:t>
+            </a:r>
+            <a:r>
+              <a:rPr lang="en-CA" b="1" dirty="0" err="1">
+                <a:solidFill>
+                  <a:srgbClr val="660E7A"/>
+                </a:solidFill>
+                <a:effectLst/>
+              </a:rPr>
+              <a:t>android</a:t>
+            </a:r>
+            <a:r>
+              <a:rPr lang="en-CA" b="1" dirty="0" err="1">
+                <a:solidFill>
+                  <a:srgbClr val="0000FF"/>
+                </a:solidFill>
+                <a:effectLst/>
+              </a:rPr>
+              <a:t>:permission</a:t>
+            </a:r>
+            <a:r>
+              <a:rPr lang="en-CA" b="1" dirty="0">
+                <a:solidFill>
+                  <a:srgbClr val="008000"/>
+                </a:solidFill>
+                <a:effectLst/>
+              </a:rPr>
+              <a:t>="</a:t>
+            </a:r>
+            <a:r>
+              <a:rPr lang="en-CA" b="1" dirty="0" err="1">
+                <a:solidFill>
+                  <a:srgbClr val="008000"/>
+                </a:solidFill>
+                <a:effectLst/>
+              </a:rPr>
+              <a:t>android.permission.SEND_SMS</a:t>
+            </a:r>
+            <a:r>
+              <a:rPr lang="en-CA" b="1" dirty="0">
+                <a:solidFill>
+                  <a:srgbClr val="008000"/>
+                </a:solidFill>
+                <a:effectLst/>
+              </a:rPr>
+              <a:t>"</a:t>
+            </a:r>
+            <a:r>
+              <a:rPr lang="en-CA" dirty="0"/>
+              <a:t>&gt;</a:t>
+            </a:r>
+            <a:br>
+              <a:rPr lang="en-CA" dirty="0"/>
+            </a:br>
+            <a:r>
+              <a:rPr lang="en-CA" dirty="0"/>
+              <a:t>    &lt;</a:t>
+            </a:r>
+            <a:r>
+              <a:rPr lang="en-CA" b="1" dirty="0">
+                <a:solidFill>
+                  <a:srgbClr val="000080"/>
+                </a:solidFill>
+                <a:effectLst/>
+              </a:rPr>
+              <a:t>intent-filter</a:t>
+            </a:r>
+            <a:r>
+              <a:rPr lang="en-CA" dirty="0"/>
+              <a:t>&gt;</a:t>
+            </a:r>
+            <a:br>
+              <a:rPr lang="en-CA" dirty="0"/>
+            </a:br>
+            <a:r>
+              <a:rPr lang="en-CA" dirty="0"/>
+              <a:t>        &lt;</a:t>
+            </a:r>
+            <a:r>
+              <a:rPr lang="en-CA" b="1" dirty="0">
+                <a:solidFill>
+                  <a:srgbClr val="000080"/>
+                </a:solidFill>
+                <a:effectLst/>
+              </a:rPr>
+              <a:t>action </a:t>
+            </a:r>
+            <a:r>
+              <a:rPr lang="en-CA" b="1" dirty="0" err="1">
+                <a:solidFill>
+                  <a:srgbClr val="660E7A"/>
+                </a:solidFill>
+                <a:effectLst/>
+              </a:rPr>
+              <a:t>android</a:t>
+            </a:r>
+            <a:r>
+              <a:rPr lang="en-CA" b="1" dirty="0" err="1">
+                <a:solidFill>
+                  <a:srgbClr val="0000FF"/>
+                </a:solidFill>
+                <a:effectLst/>
+              </a:rPr>
+              <a:t>:name</a:t>
+            </a:r>
+            <a:r>
+              <a:rPr lang="en-CA" b="1" dirty="0">
+                <a:solidFill>
+                  <a:srgbClr val="008000"/>
+                </a:solidFill>
+                <a:effectLst/>
+              </a:rPr>
+              <a:t>="</a:t>
+            </a:r>
+            <a:r>
+              <a:rPr lang="en-CA" b="1" dirty="0" err="1">
+                <a:solidFill>
+                  <a:srgbClr val="008000"/>
+                </a:solidFill>
+                <a:effectLst/>
+              </a:rPr>
+              <a:t>android.intent.action.AIRPLANE_MODE</a:t>
+            </a:r>
+            <a:r>
+              <a:rPr lang="en-CA" b="1" dirty="0">
+                <a:solidFill>
+                  <a:srgbClr val="008000"/>
+                </a:solidFill>
+                <a:effectLst/>
+              </a:rPr>
+              <a:t>"</a:t>
+            </a:r>
+            <a:r>
+              <a:rPr lang="en-CA" dirty="0"/>
+              <a:t>/&gt;</a:t>
+            </a:r>
+            <a:br>
+              <a:rPr lang="en-CA" dirty="0"/>
+            </a:br>
+            <a:r>
+              <a:rPr lang="en-CA" dirty="0"/>
+              <a:t>    &lt;/</a:t>
+            </a:r>
+            <a:r>
+              <a:rPr lang="en-CA" b="1" dirty="0">
+                <a:solidFill>
+                  <a:srgbClr val="000080"/>
+                </a:solidFill>
+                <a:effectLst/>
+              </a:rPr>
+              <a:t>intent-filter</a:t>
+            </a:r>
+            <a:r>
+              <a:rPr lang="en-CA" dirty="0"/>
+              <a:t>&gt;</a:t>
+            </a:r>
+            <a:br>
+              <a:rPr lang="en-CA" dirty="0"/>
+            </a:br>
+            <a:r>
+              <a:rPr lang="en-CA" dirty="0"/>
+              <a:t>&lt;/</a:t>
+            </a:r>
+            <a:r>
+              <a:rPr lang="en-CA" b="1" dirty="0">
+                <a:solidFill>
+                  <a:srgbClr val="000080"/>
+                </a:solidFill>
+                <a:effectLst/>
+              </a:rPr>
+              <a:t>receiver</a:t>
+            </a:r>
+            <a:r>
+              <a:rPr lang="en-CA" dirty="0"/>
+              <a:t>&gt;</a:t>
+            </a:r>
+            <a:endParaRPr lang="en-US" dirty="0"/>
+          </a:p>
+        </p:txBody>
+      </p:sp>
+      <p:sp>
+        <p:nvSpPr>
+          <p:cNvPr id="6" name="Rectangle 5">
+            <a:extLst>
+              <a:ext uri="{FF2B5EF4-FFF2-40B4-BE49-F238E27FC236}">
+                <a16:creationId xmlns:a16="http://schemas.microsoft.com/office/drawing/2014/main" id="{551FBBDF-0CA5-7F4E-8054-94B9F495466D}"/>
+              </a:ext>
+            </a:extLst>
+          </p:cNvPr>
+          <p:cNvSpPr/>
+          <p:nvPr/>
+        </p:nvSpPr>
+        <p:spPr>
+          <a:xfrm>
+            <a:off x="1526561" y="4503956"/>
+            <a:ext cx="9638339" cy="646331"/>
+          </a:xfrm>
+          <a:prstGeom prst="rect">
+            <a:avLst/>
+          </a:prstGeom>
+        </p:spPr>
+        <p:txBody>
+          <a:bodyPr wrap="square">
+            <a:spAutoFit/>
+          </a:bodyPr>
+          <a:lstStyle/>
+          <a:p>
+            <a:r>
+              <a:rPr lang="en-CA" dirty="0" err="1"/>
+              <a:t>IntentFilter</a:t>
+            </a:r>
+            <a:r>
+              <a:rPr lang="en-CA" dirty="0"/>
+              <a:t> filter = </a:t>
+            </a:r>
+            <a:r>
+              <a:rPr lang="en-CA" b="1" dirty="0">
+                <a:solidFill>
+                  <a:srgbClr val="000080"/>
+                </a:solidFill>
+                <a:effectLst/>
+              </a:rPr>
+              <a:t>new </a:t>
+            </a:r>
+            <a:r>
+              <a:rPr lang="en-CA" dirty="0" err="1"/>
+              <a:t>IntentFilter</a:t>
+            </a:r>
+            <a:r>
+              <a:rPr lang="en-CA" dirty="0"/>
+              <a:t>(</a:t>
+            </a:r>
+            <a:r>
+              <a:rPr lang="en-CA" dirty="0" err="1"/>
+              <a:t>Intent.ACTION_AIRPLANE_MODE_CHANGED</a:t>
+            </a:r>
+            <a:r>
+              <a:rPr lang="en-CA" dirty="0"/>
+              <a:t>);</a:t>
+            </a:r>
+            <a:br>
+              <a:rPr lang="en-CA" dirty="0"/>
+            </a:br>
+            <a:r>
+              <a:rPr lang="en-CA" dirty="0" err="1"/>
+              <a:t>registerReceiver</a:t>
+            </a:r>
+            <a:r>
+              <a:rPr lang="en-CA" dirty="0"/>
+              <a:t>(receiver, filter, </a:t>
+            </a:r>
+            <a:r>
+              <a:rPr lang="en-CA" dirty="0" err="1"/>
+              <a:t>Manifest.permission.SEND_SMS</a:t>
+            </a:r>
+            <a:r>
+              <a:rPr lang="en-CA" dirty="0"/>
+              <a:t>, </a:t>
+            </a:r>
+            <a:r>
+              <a:rPr lang="en-CA" b="1" dirty="0">
+                <a:solidFill>
+                  <a:srgbClr val="000080"/>
+                </a:solidFill>
+                <a:effectLst/>
+              </a:rPr>
+              <a:t>null </a:t>
+            </a:r>
+            <a:r>
+              <a:rPr lang="en-CA" dirty="0"/>
+              <a:t>);</a:t>
+            </a:r>
+            <a:endParaRPr lang="en-US" dirty="0"/>
+          </a:p>
+        </p:txBody>
+      </p:sp>
+      <p:sp>
+        <p:nvSpPr>
+          <p:cNvPr id="7" name="Rectangle 6">
+            <a:extLst>
+              <a:ext uri="{FF2B5EF4-FFF2-40B4-BE49-F238E27FC236}">
+                <a16:creationId xmlns:a16="http://schemas.microsoft.com/office/drawing/2014/main" id="{2F063651-E73B-4948-987B-79997F6C12C5}"/>
+              </a:ext>
+            </a:extLst>
+          </p:cNvPr>
+          <p:cNvSpPr/>
+          <p:nvPr/>
+        </p:nvSpPr>
+        <p:spPr>
+          <a:xfrm>
+            <a:off x="2694535" y="5774115"/>
+            <a:ext cx="7993956" cy="646331"/>
+          </a:xfrm>
+          <a:prstGeom prst="rect">
+            <a:avLst/>
+          </a:prstGeom>
+        </p:spPr>
+        <p:txBody>
+          <a:bodyPr wrap="square">
+            <a:spAutoFit/>
+          </a:bodyPr>
+          <a:lstStyle/>
+          <a:p>
+            <a:r>
+              <a:rPr lang="en-CA" dirty="0"/>
+              <a:t>&lt;</a:t>
+            </a:r>
+            <a:r>
+              <a:rPr lang="en-CA" b="1" dirty="0">
+                <a:solidFill>
+                  <a:srgbClr val="000080"/>
+                </a:solidFill>
+                <a:effectLst/>
+              </a:rPr>
+              <a:t>uses-permission </a:t>
+            </a:r>
+            <a:r>
+              <a:rPr lang="en-CA" b="1" dirty="0" err="1">
+                <a:solidFill>
+                  <a:srgbClr val="660E7A"/>
+                </a:solidFill>
+                <a:effectLst/>
+              </a:rPr>
+              <a:t>android</a:t>
+            </a:r>
+            <a:r>
+              <a:rPr lang="en-CA" b="1" dirty="0" err="1">
+                <a:solidFill>
+                  <a:srgbClr val="0000FF"/>
+                </a:solidFill>
+                <a:effectLst/>
+              </a:rPr>
+              <a:t>:name</a:t>
+            </a:r>
+            <a:r>
+              <a:rPr lang="en-CA" b="1" dirty="0">
+                <a:solidFill>
+                  <a:srgbClr val="008000"/>
+                </a:solidFill>
+                <a:effectLst/>
+              </a:rPr>
+              <a:t>="</a:t>
+            </a:r>
+            <a:r>
+              <a:rPr lang="en-CA" b="1" dirty="0" err="1">
+                <a:solidFill>
+                  <a:srgbClr val="008000"/>
+                </a:solidFill>
+                <a:effectLst/>
+              </a:rPr>
+              <a:t>android.permission.SEND_SMS</a:t>
+            </a:r>
+            <a:r>
+              <a:rPr lang="en-CA" b="1" dirty="0">
+                <a:solidFill>
+                  <a:srgbClr val="008000"/>
+                </a:solidFill>
+                <a:effectLst/>
+              </a:rPr>
+              <a:t>"</a:t>
+            </a:r>
+            <a:r>
+              <a:rPr lang="en-CA" dirty="0"/>
+              <a:t>/&gt;</a:t>
+            </a:r>
+            <a:br>
+              <a:rPr lang="en-CA" dirty="0"/>
+            </a:br>
+            <a:endParaRPr lang="en-US" dirty="0"/>
+          </a:p>
+        </p:txBody>
+      </p:sp>
+    </p:spTree>
+    <p:extLst>
+      <p:ext uri="{BB962C8B-B14F-4D97-AF65-F5344CB8AC3E}">
+        <p14:creationId xmlns:p14="http://schemas.microsoft.com/office/powerpoint/2010/main" val="1108621981"/>
+      </p:ext>
+    </p:extLst>
+  </p:cSld>
+  <p:clrMapOvr>
+    <a:masterClrMapping/>
+  </p:clrMapOvr>
+</p:sld>
+</file>
+
+<file path=ppt/slides/slide31.xml><?xml version="1.0" encoding="utf-8"?>
+<p:sld xmlns:a="http://schemas.openxmlformats.org/drawingml/2006/main" xmlns:r="http://schemas.openxmlformats.org/officeDocument/2006/relationships" xmlns:p="http://schemas.openxmlformats.org/presentationml/2006/main">
+  <p:cSld>
+    <p:spTree>
+      <p:nvGrpSpPr>
+        <p:cNvPr id="1" name=""/>
+        <p:cNvGrpSpPr/>
+        <p:nvPr/>
+      </p:nvGrpSpPr>
+      <p:grpSpPr>
+        <a:xfrm>
+          <a:off x="0" y="0"/>
+          <a:ext cx="0" cy="0"/>
+          <a:chOff x="0" y="0"/>
+          <a:chExt cx="0" cy="0"/>
+        </a:xfrm>
+      </p:grpSpPr>
+      <p:sp>
+        <p:nvSpPr>
+          <p:cNvPr id="2" name="Title 1">
+            <a:extLst>
+              <a:ext uri="{FF2B5EF4-FFF2-40B4-BE49-F238E27FC236}">
+                <a16:creationId xmlns:a16="http://schemas.microsoft.com/office/drawing/2014/main" id="{4DB18397-9891-0F4C-941B-07E8CE8563D5}"/>
+              </a:ext>
+            </a:extLst>
+          </p:cNvPr>
+          <p:cNvSpPr>
+            <a:spLocks noGrp="1"/>
+          </p:cNvSpPr>
+          <p:nvPr>
+            <p:ph type="title"/>
+          </p:nvPr>
+        </p:nvSpPr>
+        <p:spPr>
+          <a:xfrm>
+            <a:off x="0" y="0"/>
+            <a:ext cx="10081452" cy="776087"/>
+          </a:xfrm>
+        </p:spPr>
+        <p:txBody>
+          <a:bodyPr/>
+          <a:lstStyle/>
+          <a:p>
+            <a:r>
+              <a:rPr lang="en-US" dirty="0"/>
+              <a:t>Security considerations and best practices</a:t>
+            </a:r>
+          </a:p>
+        </p:txBody>
+      </p:sp>
+      <p:sp>
+        <p:nvSpPr>
+          <p:cNvPr id="3" name="Content Placeholder 2">
+            <a:extLst>
+              <a:ext uri="{FF2B5EF4-FFF2-40B4-BE49-F238E27FC236}">
+                <a16:creationId xmlns:a16="http://schemas.microsoft.com/office/drawing/2014/main" id="{71A90730-4716-1043-AEAF-DA699A886224}"/>
+              </a:ext>
+            </a:extLst>
+          </p:cNvPr>
+          <p:cNvSpPr>
+            <a:spLocks noGrp="1"/>
+          </p:cNvSpPr>
+          <p:nvPr>
+            <p:ph idx="1"/>
+          </p:nvPr>
+        </p:nvSpPr>
+        <p:spPr>
+          <a:xfrm>
+            <a:off x="0" y="776087"/>
+            <a:ext cx="12192000" cy="5709238"/>
+          </a:xfrm>
+        </p:spPr>
+        <p:txBody>
+          <a:bodyPr>
+            <a:normAutofit lnSpcReduction="10000"/>
+          </a:bodyPr>
+          <a:lstStyle/>
+          <a:p>
+            <a:r>
+              <a:rPr lang="en-US" dirty="0"/>
+              <a:t>Security considerations and best practices for sending/receiving broadcasts:</a:t>
+            </a:r>
+          </a:p>
+          <a:p>
+            <a:r>
+              <a:rPr lang="en-US" dirty="0"/>
+              <a:t>Use </a:t>
+            </a:r>
+            <a:r>
+              <a:rPr lang="en-US" dirty="0" err="1"/>
+              <a:t>LocalBroadcastManager</a:t>
+            </a:r>
+            <a:r>
+              <a:rPr lang="en-US" dirty="0"/>
+              <a:t> whenever possible (more efficient and secure)</a:t>
+            </a:r>
+          </a:p>
+          <a:p>
+            <a:pPr lvl="1"/>
+            <a:r>
+              <a:rPr lang="en-US" dirty="0"/>
+              <a:t>Whenever possible means whenever you don’t need to message other apps (local only)</a:t>
+            </a:r>
+          </a:p>
+          <a:p>
+            <a:r>
+              <a:rPr lang="en-US" dirty="0"/>
+              <a:t>If many apps are registered to receive same broadcast in manifest, can cause system to launch many apps at once, affecting device performance</a:t>
+            </a:r>
+          </a:p>
+          <a:p>
+            <a:r>
+              <a:rPr lang="en-US" dirty="0"/>
+              <a:t>To avoid this, prefer context registration over manifest declaration. Sometimes, Android enforces context registration such as for CONNECTIVITY_ACTION</a:t>
+            </a:r>
+          </a:p>
+          <a:p>
+            <a:r>
+              <a:rPr lang="en-US" dirty="0"/>
+              <a:t>Do not broadcast sensitive information using an implicit intent, the info may be read by any app registered to receive the broadcast</a:t>
+            </a:r>
+          </a:p>
+          <a:p>
+            <a:r>
+              <a:rPr lang="en-US" b="1" dirty="0"/>
+              <a:t>Three ways to control who can receive your broadcast:</a:t>
+            </a:r>
+          </a:p>
+          <a:p>
+            <a:r>
+              <a:rPr lang="en-US" b="1" dirty="0"/>
+              <a:t>1) </a:t>
+            </a:r>
+            <a:r>
+              <a:rPr lang="en-US" dirty="0"/>
+              <a:t>specify a permission when sending broadcast</a:t>
+            </a:r>
+          </a:p>
+          <a:p>
+            <a:r>
+              <a:rPr lang="en-US" b="1" dirty="0"/>
+              <a:t>2) </a:t>
+            </a:r>
+            <a:r>
+              <a:rPr lang="en-US" dirty="0"/>
+              <a:t>specify a package with </a:t>
+            </a:r>
+            <a:r>
+              <a:rPr lang="en-US" dirty="0" err="1"/>
+              <a:t>setPackage</a:t>
+            </a:r>
+            <a:r>
+              <a:rPr lang="en-US" dirty="0"/>
+              <a:t>(String) when sending a broadcast</a:t>
+            </a:r>
+          </a:p>
+          <a:p>
+            <a:r>
+              <a:rPr lang="en-US" b="1" dirty="0"/>
+              <a:t>3) </a:t>
+            </a:r>
+            <a:r>
+              <a:rPr lang="en-US" dirty="0"/>
+              <a:t>send a local broadcast using </a:t>
+            </a:r>
+            <a:r>
+              <a:rPr lang="en-US" dirty="0" err="1"/>
+              <a:t>LocalBroadcastManager</a:t>
+            </a:r>
+            <a:endParaRPr lang="en-US" dirty="0"/>
+          </a:p>
+        </p:txBody>
+      </p:sp>
+      <p:sp>
+        <p:nvSpPr>
+          <p:cNvPr id="4" name="TextBox 3">
+            <a:extLst>
+              <a:ext uri="{FF2B5EF4-FFF2-40B4-BE49-F238E27FC236}">
+                <a16:creationId xmlns:a16="http://schemas.microsoft.com/office/drawing/2014/main" id="{05AAE830-D809-C844-9E4D-8589560B0CE3}"/>
+              </a:ext>
+            </a:extLst>
+          </p:cNvPr>
+          <p:cNvSpPr txBox="1"/>
+          <p:nvPr/>
+        </p:nvSpPr>
+        <p:spPr>
+          <a:xfrm>
+            <a:off x="0" y="6485324"/>
+            <a:ext cx="8998003" cy="372676"/>
+          </a:xfrm>
+          <a:prstGeom prst="rect">
+            <a:avLst/>
+          </a:prstGeom>
+          <a:noFill/>
+        </p:spPr>
+        <p:txBody>
+          <a:bodyPr wrap="square" rtlCol="0">
+            <a:spAutoFit/>
+          </a:bodyPr>
+          <a:lstStyle/>
+          <a:p>
+            <a:r>
+              <a:rPr lang="en-US" dirty="0"/>
+              <a:t>https://</a:t>
+            </a:r>
+            <a:r>
+              <a:rPr lang="en-US" dirty="0" err="1"/>
+              <a:t>developer.android.com</a:t>
+            </a:r>
+            <a:r>
+              <a:rPr lang="en-US" dirty="0"/>
+              <a:t>/guide/components/broadcasts</a:t>
+            </a:r>
+          </a:p>
+        </p:txBody>
+      </p:sp>
+    </p:spTree>
+    <p:extLst>
+      <p:ext uri="{BB962C8B-B14F-4D97-AF65-F5344CB8AC3E}">
+        <p14:creationId xmlns:p14="http://schemas.microsoft.com/office/powerpoint/2010/main" val="2174423051"/>
+      </p:ext>
+    </p:extLst>
+  </p:cSld>
+  <p:clrMapOvr>
+    <a:masterClrMapping/>
+  </p:clrMapOvr>
+</p:sld>
+</file>
+
+<file path=ppt/slides/slide32.xml><?xml version="1.0" encoding="utf-8"?>
+<p:sld xmlns:a="http://schemas.openxmlformats.org/drawingml/2006/main" xmlns:r="http://schemas.openxmlformats.org/officeDocument/2006/relationships" xmlns:p="http://schemas.openxmlformats.org/presentationml/2006/main">
+  <p:cSld>
+    <p:spTree>
+      <p:nvGrpSpPr>
+        <p:cNvPr id="1" name=""/>
+        <p:cNvGrpSpPr/>
+        <p:nvPr/>
+      </p:nvGrpSpPr>
+      <p:grpSpPr>
+        <a:xfrm>
+          <a:off x="0" y="0"/>
+          <a:ext cx="0" cy="0"/>
+          <a:chOff x="0" y="0"/>
+          <a:chExt cx="0" cy="0"/>
+        </a:xfrm>
+      </p:grpSpPr>
+      <p:sp>
+        <p:nvSpPr>
+          <p:cNvPr id="2" name="Title 1">
+            <a:extLst>
+              <a:ext uri="{FF2B5EF4-FFF2-40B4-BE49-F238E27FC236}">
+                <a16:creationId xmlns:a16="http://schemas.microsoft.com/office/drawing/2014/main" id="{4DB18397-9891-0F4C-941B-07E8CE8563D5}"/>
+              </a:ext>
+            </a:extLst>
+          </p:cNvPr>
+          <p:cNvSpPr>
+            <a:spLocks noGrp="1"/>
+          </p:cNvSpPr>
+          <p:nvPr>
+            <p:ph type="title"/>
+          </p:nvPr>
+        </p:nvSpPr>
+        <p:spPr>
+          <a:xfrm>
+            <a:off x="0" y="0"/>
+            <a:ext cx="10081452" cy="776087"/>
+          </a:xfrm>
+        </p:spPr>
+        <p:txBody>
+          <a:bodyPr/>
+          <a:lstStyle/>
+          <a:p>
+            <a:r>
+              <a:rPr lang="en-US" dirty="0"/>
+              <a:t>Security considerations and best practices</a:t>
+            </a:r>
+          </a:p>
+        </p:txBody>
+      </p:sp>
+      <p:sp>
+        <p:nvSpPr>
+          <p:cNvPr id="3" name="Content Placeholder 2">
+            <a:extLst>
+              <a:ext uri="{FF2B5EF4-FFF2-40B4-BE49-F238E27FC236}">
+                <a16:creationId xmlns:a16="http://schemas.microsoft.com/office/drawing/2014/main" id="{71A90730-4716-1043-AEAF-DA699A886224}"/>
+              </a:ext>
+            </a:extLst>
+          </p:cNvPr>
+          <p:cNvSpPr>
+            <a:spLocks noGrp="1"/>
+          </p:cNvSpPr>
+          <p:nvPr>
+            <p:ph idx="1"/>
+          </p:nvPr>
+        </p:nvSpPr>
+        <p:spPr>
+          <a:xfrm>
+            <a:off x="0" y="776087"/>
+            <a:ext cx="12192000" cy="5709238"/>
+          </a:xfrm>
+        </p:spPr>
+        <p:txBody>
+          <a:bodyPr>
+            <a:normAutofit lnSpcReduction="10000"/>
+          </a:bodyPr>
+          <a:lstStyle/>
+          <a:p>
+            <a:r>
+              <a:rPr lang="en-US" dirty="0"/>
+              <a:t>When you register a receiver, any app can send potentially malicious broadcasts to your app. </a:t>
+            </a:r>
+            <a:r>
+              <a:rPr lang="en-US" b="1" dirty="0"/>
+              <a:t>There are three ways to limit broadcasts your app receives:</a:t>
+            </a:r>
+          </a:p>
+          <a:p>
+            <a:r>
+              <a:rPr lang="en-US" b="1" dirty="0"/>
+              <a:t>1) </a:t>
+            </a:r>
+            <a:r>
+              <a:rPr lang="en-US" dirty="0"/>
+              <a:t>specify a permission when registering a broadcast receiver</a:t>
+            </a:r>
+          </a:p>
+          <a:p>
+            <a:r>
+              <a:rPr lang="en-US" b="1" dirty="0"/>
+              <a:t>2) </a:t>
+            </a:r>
+            <a:r>
+              <a:rPr lang="en-US" dirty="0"/>
+              <a:t>set </a:t>
+            </a:r>
+            <a:r>
+              <a:rPr lang="en-US" dirty="0" err="1"/>
+              <a:t>android:exported</a:t>
+            </a:r>
+            <a:r>
+              <a:rPr lang="en-US" dirty="0"/>
+              <a:t> element to false in manifest, this stops the receiver from responding to broadcasts sent from outside the app</a:t>
+            </a:r>
+          </a:p>
+          <a:p>
+            <a:r>
+              <a:rPr lang="en-US" b="1" dirty="0"/>
+              <a:t>3) </a:t>
+            </a:r>
+            <a:r>
+              <a:rPr lang="en-US" dirty="0"/>
+              <a:t>limit yourself to local broadcasts using </a:t>
+            </a:r>
+            <a:r>
+              <a:rPr lang="en-US" dirty="0" err="1"/>
+              <a:t>LocalBroadcastManager</a:t>
+            </a:r>
+            <a:endParaRPr lang="en-US" dirty="0"/>
+          </a:p>
+          <a:p>
+            <a:r>
+              <a:rPr lang="en-US" dirty="0" err="1"/>
+              <a:t>onReceive</a:t>
+            </a:r>
+            <a:r>
+              <a:rPr lang="en-US" dirty="0"/>
+              <a:t>(Context, Intent) runs in main (UI) thread, so it should execute and return quickly. Be careful about spawning threads/starting background services because system can kill entire process after </a:t>
+            </a:r>
+            <a:r>
+              <a:rPr lang="en-US" dirty="0" err="1"/>
+              <a:t>onReceive</a:t>
+            </a:r>
+            <a:r>
+              <a:rPr lang="en-US" dirty="0"/>
+              <a:t>() returns</a:t>
+            </a:r>
+          </a:p>
+          <a:p>
+            <a:r>
+              <a:rPr lang="en-US" dirty="0"/>
+              <a:t>To perform long-running work in </a:t>
+            </a:r>
+            <a:r>
+              <a:rPr lang="en-US" dirty="0" err="1"/>
+              <a:t>onReceive</a:t>
+            </a:r>
+            <a:r>
+              <a:rPr lang="en-US" dirty="0"/>
+              <a:t>():</a:t>
+            </a:r>
+          </a:p>
+          <a:p>
+            <a:pPr lvl="1"/>
+            <a:r>
+              <a:rPr lang="en-US" dirty="0"/>
+              <a:t>Call </a:t>
+            </a:r>
+            <a:r>
+              <a:rPr lang="en-US" dirty="0" err="1"/>
+              <a:t>goAsync</a:t>
+            </a:r>
+            <a:r>
+              <a:rPr lang="en-US" dirty="0"/>
+              <a:t>(), and pass the work to a background thread (should still complete in &lt;10sec)</a:t>
+            </a:r>
+          </a:p>
+          <a:p>
+            <a:pPr lvl="1"/>
+            <a:r>
+              <a:rPr lang="en-US" dirty="0"/>
+              <a:t>Schedule a job with </a:t>
+            </a:r>
+            <a:r>
+              <a:rPr lang="en-US" dirty="0" err="1"/>
+              <a:t>JobScheduler</a:t>
+            </a:r>
+            <a:endParaRPr lang="en-US" dirty="0"/>
+          </a:p>
+          <a:p>
+            <a:r>
+              <a:rPr lang="en-US" dirty="0"/>
+              <a:t>Do not start activities from a broadcast receiver, creates bad user experience </a:t>
+            </a:r>
+          </a:p>
+          <a:p>
+            <a:endParaRPr lang="en-US" dirty="0"/>
+          </a:p>
+        </p:txBody>
+      </p:sp>
+      <p:sp>
+        <p:nvSpPr>
+          <p:cNvPr id="4" name="TextBox 3">
+            <a:extLst>
+              <a:ext uri="{FF2B5EF4-FFF2-40B4-BE49-F238E27FC236}">
+                <a16:creationId xmlns:a16="http://schemas.microsoft.com/office/drawing/2014/main" id="{05AAE830-D809-C844-9E4D-8589560B0CE3}"/>
+              </a:ext>
+            </a:extLst>
+          </p:cNvPr>
+          <p:cNvSpPr txBox="1"/>
+          <p:nvPr/>
+        </p:nvSpPr>
+        <p:spPr>
+          <a:xfrm>
+            <a:off x="0" y="6485324"/>
+            <a:ext cx="8998003" cy="372676"/>
+          </a:xfrm>
+          <a:prstGeom prst="rect">
+            <a:avLst/>
+          </a:prstGeom>
+          <a:noFill/>
+        </p:spPr>
+        <p:txBody>
+          <a:bodyPr wrap="square" rtlCol="0">
+            <a:spAutoFit/>
+          </a:bodyPr>
+          <a:lstStyle/>
+          <a:p>
+            <a:r>
+              <a:rPr lang="en-US" dirty="0"/>
+              <a:t>https://</a:t>
+            </a:r>
+            <a:r>
+              <a:rPr lang="en-US" dirty="0" err="1"/>
+              <a:t>developer.android.com</a:t>
+            </a:r>
+            <a:r>
+              <a:rPr lang="en-US" dirty="0"/>
+              <a:t>/guide/components/broadcasts</a:t>
+            </a:r>
+          </a:p>
+        </p:txBody>
+      </p:sp>
+    </p:spTree>
+    <p:extLst>
+      <p:ext uri="{BB962C8B-B14F-4D97-AF65-F5344CB8AC3E}">
+        <p14:creationId xmlns:p14="http://schemas.microsoft.com/office/powerpoint/2010/main" val="1374281122"/>
+      </p:ext>
+    </p:extLst>
+  </p:cSld>
+  <p:clrMapOvr>
+    <a:masterClrMapping/>
+  </p:clrMapOvr>
+</p:sld>
+</file>
+
+<file path=ppt/slides/slide33.xml><?xml version="1.0" encoding="utf-8"?>
+<p:sld xmlns:a="http://schemas.openxmlformats.org/drawingml/2006/main" xmlns:r="http://schemas.openxmlformats.org/officeDocument/2006/relationships" xmlns:p="http://schemas.openxmlformats.org/presentationml/2006/main">
+  <p:cSld>
+    <p:spTree>
+      <p:nvGrpSpPr>
+        <p:cNvPr id="1" name=""/>
+        <p:cNvGrpSpPr/>
+        <p:nvPr/>
+      </p:nvGrpSpPr>
+      <p:grpSpPr>
+        <a:xfrm>
+          <a:off x="0" y="0"/>
+          <a:ext cx="0" cy="0"/>
+          <a:chOff x="0" y="0"/>
+          <a:chExt cx="0" cy="0"/>
+        </a:xfrm>
+      </p:grpSpPr>
+      <p:sp>
+        <p:nvSpPr>
+          <p:cNvPr id="2" name="Title 1">
+            <a:extLst>
+              <a:ext uri="{FF2B5EF4-FFF2-40B4-BE49-F238E27FC236}">
+                <a16:creationId xmlns:a16="http://schemas.microsoft.com/office/drawing/2014/main" id="{72CB83FC-07CC-854D-8A8B-FAFA298F5E72}"/>
+              </a:ext>
+            </a:extLst>
+          </p:cNvPr>
+          <p:cNvSpPr>
+            <a:spLocks noGrp="1"/>
+          </p:cNvSpPr>
+          <p:nvPr>
+            <p:ph type="title"/>
+          </p:nvPr>
+        </p:nvSpPr>
+        <p:spPr>
+          <a:xfrm>
+            <a:off x="0" y="0"/>
+            <a:ext cx="10515600" cy="872004"/>
+          </a:xfrm>
+        </p:spPr>
+        <p:txBody>
+          <a:bodyPr/>
+          <a:lstStyle/>
+          <a:p>
+            <a:r>
+              <a:rPr lang="en-US" dirty="0"/>
+              <a:t>Implicit broadcasts exceptions:</a:t>
+            </a:r>
+          </a:p>
+        </p:txBody>
+      </p:sp>
+      <p:sp>
+        <p:nvSpPr>
+          <p:cNvPr id="3" name="Content Placeholder 2">
+            <a:extLst>
+              <a:ext uri="{FF2B5EF4-FFF2-40B4-BE49-F238E27FC236}">
+                <a16:creationId xmlns:a16="http://schemas.microsoft.com/office/drawing/2014/main" id="{F0B5CC89-7057-1945-9992-8708F0678C85}"/>
+              </a:ext>
+            </a:extLst>
+          </p:cNvPr>
+          <p:cNvSpPr>
+            <a:spLocks noGrp="1"/>
+          </p:cNvSpPr>
+          <p:nvPr>
+            <p:ph idx="1"/>
+          </p:nvPr>
+        </p:nvSpPr>
+        <p:spPr>
+          <a:xfrm>
+            <a:off x="0" y="872004"/>
+            <a:ext cx="12192000" cy="5985996"/>
+          </a:xfrm>
+        </p:spPr>
+        <p:txBody>
+          <a:bodyPr>
+            <a:normAutofit lnSpcReduction="10000"/>
+          </a:bodyPr>
+          <a:lstStyle/>
+          <a:p>
+            <a:r>
+              <a:rPr lang="en-US" dirty="0"/>
+              <a:t>Since Android 8.0’s new background execution limits, apps targeting API 26 or higher can no longer register broadcast receivers for implicit broadcast in manifest, with a few exceptions:</a:t>
+            </a:r>
+          </a:p>
+          <a:p>
+            <a:r>
+              <a:rPr lang="en-US" dirty="0"/>
+              <a:t>ACTION_BOOT_COMPLETED</a:t>
+            </a:r>
+          </a:p>
+          <a:p>
+            <a:pPr lvl="1"/>
+            <a:r>
+              <a:rPr lang="en-US" dirty="0"/>
+              <a:t>Exempt because only sent once, at boot, and many apps need to receive this to schedule jobs, alarms, etc.</a:t>
+            </a:r>
+          </a:p>
+          <a:p>
+            <a:r>
+              <a:rPr lang="en-US" dirty="0"/>
+              <a:t>ACTION_TIMEZONE_CHANGED</a:t>
+            </a:r>
+          </a:p>
+          <a:p>
+            <a:pPr lvl="1"/>
+            <a:r>
+              <a:rPr lang="en-US" dirty="0"/>
+              <a:t>Exempt because clock apps need to update date, time, and alarms</a:t>
+            </a:r>
+          </a:p>
+          <a:p>
+            <a:r>
+              <a:rPr lang="en-US" dirty="0"/>
+              <a:t>ACTION_USB_...ATTACHED</a:t>
+            </a:r>
+          </a:p>
+          <a:p>
+            <a:pPr lvl="1"/>
+            <a:r>
+              <a:rPr lang="en-US" dirty="0"/>
+              <a:t>If an app needs to know about USB events, there is currently no good alternative besides broadcasts to listening for these events</a:t>
+            </a:r>
+          </a:p>
+          <a:p>
+            <a:r>
+              <a:rPr lang="en-US" dirty="0"/>
+              <a:t>SMS_RECEIVED_ACTION</a:t>
+            </a:r>
+          </a:p>
+          <a:p>
+            <a:pPr lvl="1"/>
+            <a:r>
+              <a:rPr lang="en-US" dirty="0"/>
+              <a:t>Relied upon by SMS apps</a:t>
+            </a:r>
+          </a:p>
+          <a:p>
+            <a:r>
+              <a:rPr lang="en-US" dirty="0"/>
+              <a:t>Full list here: </a:t>
+            </a:r>
+            <a:r>
+              <a:rPr lang="en-US" sz="2400" u="sng" dirty="0"/>
+              <a:t>https://</a:t>
+            </a:r>
+            <a:r>
+              <a:rPr lang="en-US" sz="2400" u="sng" dirty="0" err="1"/>
+              <a:t>developer.android.com</a:t>
+            </a:r>
+            <a:r>
+              <a:rPr lang="en-US" sz="2400" u="sng" dirty="0"/>
+              <a:t>/guide/components/broadcast-exceptions</a:t>
+            </a:r>
+          </a:p>
+        </p:txBody>
+      </p:sp>
+    </p:spTree>
+    <p:extLst>
+      <p:ext uri="{BB962C8B-B14F-4D97-AF65-F5344CB8AC3E}">
+        <p14:creationId xmlns:p14="http://schemas.microsoft.com/office/powerpoint/2010/main" val="2733784878"/>
       </p:ext>
     </p:extLst>
   </p:cSld>
